--- a/ECcourse/Evolutionary_Computation.pptx
+++ b/ECcourse/Evolutionary_Computation.pptx
@@ -5,7 +5,7 @@
     <p:sldMasterId id="2147483661" r:id="rId1"/>
   </p:sldMasterIdLst>
   <p:handoutMasterIdLst>
-    <p:handoutMasterId r:id="rId53"/>
+    <p:handoutMasterId r:id="rId52"/>
   </p:handoutMasterIdLst>
   <p:sldIdLst>
     <p:sldId id="256" r:id="rId2"/>
@@ -19,46 +19,45 @@
     <p:sldId id="259" r:id="rId10"/>
     <p:sldId id="260" r:id="rId11"/>
     <p:sldId id="261" r:id="rId12"/>
-    <p:sldId id="262" r:id="rId13"/>
-    <p:sldId id="263" r:id="rId14"/>
-    <p:sldId id="307" r:id="rId15"/>
-    <p:sldId id="265" r:id="rId16"/>
-    <p:sldId id="266" r:id="rId17"/>
-    <p:sldId id="267" r:id="rId18"/>
-    <p:sldId id="268" r:id="rId19"/>
-    <p:sldId id="269" r:id="rId20"/>
-    <p:sldId id="270" r:id="rId21"/>
-    <p:sldId id="271" r:id="rId22"/>
-    <p:sldId id="272" r:id="rId23"/>
-    <p:sldId id="308" r:id="rId24"/>
-    <p:sldId id="309" r:id="rId25"/>
-    <p:sldId id="275" r:id="rId26"/>
-    <p:sldId id="276" r:id="rId27"/>
-    <p:sldId id="277" r:id="rId28"/>
-    <p:sldId id="310" r:id="rId29"/>
-    <p:sldId id="279" r:id="rId30"/>
-    <p:sldId id="280" r:id="rId31"/>
-    <p:sldId id="281" r:id="rId32"/>
-    <p:sldId id="282" r:id="rId33"/>
-    <p:sldId id="283" r:id="rId34"/>
-    <p:sldId id="284" r:id="rId35"/>
-    <p:sldId id="285" r:id="rId36"/>
-    <p:sldId id="311" r:id="rId37"/>
-    <p:sldId id="312" r:id="rId38"/>
-    <p:sldId id="313" r:id="rId39"/>
-    <p:sldId id="289" r:id="rId40"/>
-    <p:sldId id="290" r:id="rId41"/>
-    <p:sldId id="314" r:id="rId42"/>
-    <p:sldId id="315" r:id="rId43"/>
-    <p:sldId id="316" r:id="rId44"/>
-    <p:sldId id="317" r:id="rId45"/>
-    <p:sldId id="301" r:id="rId46"/>
-    <p:sldId id="318" r:id="rId47"/>
-    <p:sldId id="319" r:id="rId48"/>
-    <p:sldId id="300" r:id="rId49"/>
-    <p:sldId id="320" r:id="rId50"/>
-    <p:sldId id="298" r:id="rId51"/>
-    <p:sldId id="299" r:id="rId52"/>
+    <p:sldId id="263" r:id="rId13"/>
+    <p:sldId id="307" r:id="rId14"/>
+    <p:sldId id="265" r:id="rId15"/>
+    <p:sldId id="266" r:id="rId16"/>
+    <p:sldId id="267" r:id="rId17"/>
+    <p:sldId id="268" r:id="rId18"/>
+    <p:sldId id="269" r:id="rId19"/>
+    <p:sldId id="270" r:id="rId20"/>
+    <p:sldId id="271" r:id="rId21"/>
+    <p:sldId id="272" r:id="rId22"/>
+    <p:sldId id="308" r:id="rId23"/>
+    <p:sldId id="309" r:id="rId24"/>
+    <p:sldId id="275" r:id="rId25"/>
+    <p:sldId id="276" r:id="rId26"/>
+    <p:sldId id="277" r:id="rId27"/>
+    <p:sldId id="310" r:id="rId28"/>
+    <p:sldId id="279" r:id="rId29"/>
+    <p:sldId id="280" r:id="rId30"/>
+    <p:sldId id="281" r:id="rId31"/>
+    <p:sldId id="282" r:id="rId32"/>
+    <p:sldId id="283" r:id="rId33"/>
+    <p:sldId id="284" r:id="rId34"/>
+    <p:sldId id="285" r:id="rId35"/>
+    <p:sldId id="311" r:id="rId36"/>
+    <p:sldId id="312" r:id="rId37"/>
+    <p:sldId id="313" r:id="rId38"/>
+    <p:sldId id="289" r:id="rId39"/>
+    <p:sldId id="290" r:id="rId40"/>
+    <p:sldId id="314" r:id="rId41"/>
+    <p:sldId id="315" r:id="rId42"/>
+    <p:sldId id="316" r:id="rId43"/>
+    <p:sldId id="317" r:id="rId44"/>
+    <p:sldId id="301" r:id="rId45"/>
+    <p:sldId id="318" r:id="rId46"/>
+    <p:sldId id="319" r:id="rId47"/>
+    <p:sldId id="300" r:id="rId48"/>
+    <p:sldId id="320" r:id="rId49"/>
+    <p:sldId id="298" r:id="rId50"/>
+    <p:sldId id="299" r:id="rId51"/>
   </p:sldIdLst>
   <p:sldSz cx="9144000" cy="6858000" type="screen4x3"/>
   <p:notesSz cx="7016750" cy="9309100"/>
@@ -4060,135 +4059,6 @@
       </p:grpSpPr>
       <p:sp>
         <p:nvSpPr>
-          <p:cNvPr id="15362" name="内容占位符 1"/>
-          <p:cNvSpPr>
-            <a:spLocks noGrp="1"/>
-          </p:cNvSpPr>
-          <p:nvPr>
-            <p:ph idx="1"/>
-          </p:nvPr>
-        </p:nvSpPr>
-        <p:spPr>
-          <a:xfrm>
-            <a:off x="457200" y="1695450"/>
-            <a:ext cx="8229600" cy="590550"/>
-          </a:xfrm>
-        </p:spPr>
-        <p:txBody>
-          <a:bodyPr/>
-          <a:lstStyle/>
-          <a:p>
-            <a:pPr eaLnBrk="1" hangingPunct="1"/>
-            <a:r>
-              <a:rPr lang="es-ES" altLang="zh-CN" sz="3000" b="1" dirty="0" err="1"/>
-              <a:t>Maximize</a:t>
-            </a:r>
-            <a:r>
-              <a:rPr lang="es-ES" altLang="zh-CN" sz="3000" b="1" dirty="0"/>
-              <a:t> 2X^2-y+5 </a:t>
-            </a:r>
-            <a:r>
-              <a:rPr lang="es-ES" altLang="zh-CN" sz="3000" b="1" dirty="0" err="1"/>
-              <a:t>where</a:t>
-            </a:r>
-            <a:r>
-              <a:rPr lang="es-ES" altLang="zh-CN" sz="3000" b="1" dirty="0"/>
-              <a:t> X:[0,3],Y:[0,3]</a:t>
-            </a:r>
-            <a:endParaRPr lang="zh-CN" altLang="en-US" sz="3000" dirty="0"/>
-          </a:p>
-        </p:txBody>
-      </p:sp>
-      <p:sp>
-        <p:nvSpPr>
-          <p:cNvPr id="3" name="标题 2"/>
-          <p:cNvSpPr>
-            <a:spLocks noGrp="1"/>
-          </p:cNvSpPr>
-          <p:nvPr>
-            <p:ph type="title"/>
-          </p:nvPr>
-        </p:nvSpPr>
-        <p:spPr/>
-        <p:txBody>
-          <a:bodyPr>
-            <a:normAutofit fontScale="90000"/>
-          </a:bodyPr>
-          <a:lstStyle/>
-          <a:p>
-            <a:pPr eaLnBrk="1" fontAlgn="auto" hangingPunct="1">
-              <a:spcAft>
-                <a:spcPts val="0"/>
-              </a:spcAft>
-              <a:defRPr/>
-            </a:pPr>
-            <a:r>
-              <a:rPr lang="en-US" altLang="zh-CN" dirty="0"/>
-              <a:t>Example with binary representation</a:t>
-            </a:r>
-            <a:endParaRPr lang="zh-CN" altLang="en-US" dirty="0"/>
-          </a:p>
-        </p:txBody>
-      </p:sp>
-      <p:pic>
-        <p:nvPicPr>
-          <p:cNvPr id="15364" name="Picture 2"/>
-          <p:cNvPicPr>
-            <a:picLocks noChangeAspect="1" noChangeArrowheads="1"/>
-          </p:cNvPicPr>
-          <p:nvPr/>
-        </p:nvPicPr>
-        <p:blipFill>
-          <a:blip r:embed="rId2" cstate="email"/>
-          <a:srcRect/>
-          <a:stretch>
-            <a:fillRect/>
-          </a:stretch>
-        </p:blipFill>
-        <p:spPr bwMode="auto">
-          <a:xfrm>
-            <a:off x="679450" y="2647950"/>
-            <a:ext cx="8291513" cy="3424238"/>
-          </a:xfrm>
-          <a:prstGeom prst="rect">
-            <a:avLst/>
-          </a:prstGeom>
-          <a:noFill/>
-          <a:ln w="9525">
-            <a:noFill/>
-            <a:miter lim="800000"/>
-            <a:headEnd/>
-            <a:tailEnd/>
-          </a:ln>
-        </p:spPr>
-      </p:pic>
-    </p:spTree>
-  </p:cSld>
-  <p:clrMapOvr>
-    <a:masterClrMapping/>
-  </p:clrMapOvr>
-</p:sld>
-</file>
-
-<file path=ppt/slides/slide13.xml><?xml version="1.0" encoding="utf-8"?>
-<p:sld xmlns:a="http://schemas.openxmlformats.org/drawingml/2006/main" xmlns:r="http://schemas.openxmlformats.org/officeDocument/2006/relationships" xmlns:p="http://schemas.openxmlformats.org/presentationml/2006/main">
-  <p:cSld>
-    <p:spTree>
-      <p:nvGrpSpPr>
-        <p:cNvPr id="1" name=""/>
-        <p:cNvGrpSpPr/>
-        <p:nvPr/>
-      </p:nvGrpSpPr>
-      <p:grpSpPr>
-        <a:xfrm>
-          <a:off x="0" y="0"/>
-          <a:ext cx="0" cy="0"/>
-          <a:chOff x="0" y="0"/>
-          <a:chExt cx="0" cy="0"/>
-        </a:xfrm>
-      </p:grpSpPr>
-      <p:sp>
-        <p:nvSpPr>
           <p:cNvPr id="16386" name="内容占位符 1"/>
           <p:cNvSpPr>
             <a:spLocks noGrp="1"/>
@@ -4329,7 +4199,7 @@
 </p:sld>
 </file>
 
-<file path=ppt/slides/slide14.xml><?xml version="1.0" encoding="utf-8"?>
+<file path=ppt/slides/slide13.xml><?xml version="1.0" encoding="utf-8"?>
 <p:sld xmlns:a="http://schemas.openxmlformats.org/drawingml/2006/main" xmlns:r="http://schemas.openxmlformats.org/officeDocument/2006/relationships" xmlns:p="http://schemas.openxmlformats.org/presentationml/2006/main">
   <p:cSld>
     <p:spTree>
@@ -4495,6 +4365,136 @@
 </p:sld>
 </file>
 
+<file path=ppt/slides/slide14.xml><?xml version="1.0" encoding="utf-8"?>
+<p:sld xmlns:a="http://schemas.openxmlformats.org/drawingml/2006/main" xmlns:r="http://schemas.openxmlformats.org/officeDocument/2006/relationships" xmlns:p="http://schemas.openxmlformats.org/presentationml/2006/main">
+  <p:cSld>
+    <p:spTree>
+      <p:nvGrpSpPr>
+        <p:cNvPr id="1" name=""/>
+        <p:cNvGrpSpPr/>
+        <p:nvPr/>
+      </p:nvGrpSpPr>
+      <p:grpSpPr>
+        <a:xfrm>
+          <a:off x="0" y="0"/>
+          <a:ext cx="0" cy="0"/>
+          <a:chOff x="0" y="0"/>
+          <a:chExt cx="0" cy="0"/>
+        </a:xfrm>
+      </p:grpSpPr>
+      <p:sp>
+        <p:nvSpPr>
+          <p:cNvPr id="18434" name="内容占位符 1"/>
+          <p:cNvSpPr>
+            <a:spLocks noGrp="1"/>
+          </p:cNvSpPr>
+          <p:nvPr>
+            <p:ph idx="1"/>
+          </p:nvPr>
+        </p:nvSpPr>
+        <p:spPr>
+          <a:xfrm>
+            <a:off x="251520" y="1344911"/>
+            <a:ext cx="8784976" cy="4979689"/>
+          </a:xfrm>
+        </p:spPr>
+        <p:txBody>
+          <a:bodyPr/>
+          <a:lstStyle/>
+          <a:p>
+            <a:pPr eaLnBrk="1" hangingPunct="1"/>
+            <a:r>
+              <a:rPr lang="en-US" altLang="zh-CN" sz="3200" b="1" dirty="0"/>
+              <a:t>Proportional selection (roulette wheel)</a:t>
+            </a:r>
+          </a:p>
+          <a:p>
+            <a:pPr lvl="1" eaLnBrk="1" hangingPunct="1"/>
+            <a:r>
+              <a:rPr lang="en-US" altLang="zh-CN" sz="2400" dirty="0"/>
+              <a:t>Selection probability of individual = individual’s fitness/sum of fitness</a:t>
+            </a:r>
+          </a:p>
+          <a:p>
+            <a:pPr eaLnBrk="1" hangingPunct="1"/>
+            <a:r>
+              <a:rPr lang="en-US" altLang="zh-CN" sz="3200" b="1" dirty="0"/>
+              <a:t>Rank based selection</a:t>
+            </a:r>
+          </a:p>
+          <a:p>
+            <a:pPr lvl="1" eaLnBrk="1" hangingPunct="1"/>
+            <a:r>
+              <a:rPr lang="en-US" altLang="zh-CN" sz="2400" dirty="0"/>
+              <a:t>Example: decreasing arithmetic/geometric series</a:t>
+            </a:r>
+          </a:p>
+          <a:p>
+            <a:pPr lvl="1" eaLnBrk="1" hangingPunct="1"/>
+            <a:r>
+              <a:rPr lang="en-US" altLang="zh-CN" sz="2400" dirty="0"/>
+              <a:t>Better when fitness range is very large or small</a:t>
+            </a:r>
+          </a:p>
+          <a:p>
+            <a:pPr eaLnBrk="1" hangingPunct="1"/>
+            <a:r>
+              <a:rPr lang="en-US" altLang="zh-CN" sz="3400" b="1" dirty="0"/>
+              <a:t>Tournament selection</a:t>
+            </a:r>
+          </a:p>
+          <a:p>
+            <a:pPr lvl="1" eaLnBrk="1" hangingPunct="1"/>
+            <a:r>
+              <a:rPr lang="en-US" altLang="zh-CN" sz="2400" dirty="0"/>
+              <a:t>Virtual tournament between randomly selected individuals using fitness</a:t>
+            </a:r>
+            <a:endParaRPr lang="zh-CN" altLang="en-US" sz="2400" dirty="0"/>
+          </a:p>
+        </p:txBody>
+      </p:sp>
+      <p:sp>
+        <p:nvSpPr>
+          <p:cNvPr id="3" name="标题 2"/>
+          <p:cNvSpPr>
+            <a:spLocks noGrp="1"/>
+          </p:cNvSpPr>
+          <p:nvPr>
+            <p:ph type="title"/>
+          </p:nvPr>
+        </p:nvSpPr>
+        <p:spPr>
+          <a:xfrm>
+            <a:off x="1295400" y="304800"/>
+            <a:ext cx="7772400" cy="1143000"/>
+          </a:xfrm>
+        </p:spPr>
+        <p:txBody>
+          <a:bodyPr/>
+          <a:lstStyle/>
+          <a:p>
+            <a:pPr eaLnBrk="1" fontAlgn="auto" hangingPunct="1">
+              <a:spcAft>
+                <a:spcPts val="0"/>
+              </a:spcAft>
+              <a:defRPr/>
+            </a:pPr>
+            <a:r>
+              <a:rPr lang="en-US" altLang="zh-CN" dirty="0"/>
+              <a:t>Selection strategies</a:t>
+            </a:r>
+            <a:endParaRPr lang="zh-CN" altLang="en-US" dirty="0"/>
+          </a:p>
+        </p:txBody>
+      </p:sp>
+    </p:spTree>
+  </p:cSld>
+  <p:clrMapOvr>
+    <a:masterClrMapping/>
+  </p:clrMapOvr>
+</p:sld>
+</file>
+
 <file path=ppt/slides/slide15.xml><?xml version="1.0" encoding="utf-8"?>
 <p:sld xmlns:a="http://schemas.openxmlformats.org/drawingml/2006/main" xmlns:r="http://schemas.openxmlformats.org/officeDocument/2006/relationships" xmlns:p="http://schemas.openxmlformats.org/presentationml/2006/main">
   <p:cSld>
@@ -4514,7 +4514,7 @@
       </p:grpSpPr>
       <p:sp>
         <p:nvSpPr>
-          <p:cNvPr id="18434" name="内容占位符 1"/>
+          <p:cNvPr id="2" name="内容占位符 1"/>
           <p:cNvSpPr>
             <a:spLocks noGrp="1"/>
           </p:cNvSpPr>
@@ -4524,62 +4524,210 @@
         </p:nvSpPr>
         <p:spPr>
           <a:xfrm>
-            <a:off x="251520" y="1344911"/>
-            <a:ext cx="8784976" cy="4979689"/>
+            <a:off x="990600" y="1546225"/>
+            <a:ext cx="7696200" cy="4525963"/>
           </a:xfrm>
         </p:spPr>
         <p:txBody>
-          <a:bodyPr/>
+          <a:bodyPr>
+            <a:normAutofit fontScale="92500" lnSpcReduction="10000"/>
+          </a:bodyPr>
           <a:lstStyle/>
           <a:p>
-            <a:pPr eaLnBrk="1" hangingPunct="1"/>
-            <a:r>
-              <a:rPr lang="en-US" altLang="zh-CN" sz="3200" b="1" dirty="0"/>
-              <a:t>Proportional selection (roulette wheel)</a:t>
-            </a:r>
-          </a:p>
-          <a:p>
-            <a:pPr lvl="1" eaLnBrk="1" hangingPunct="1"/>
-            <a:r>
-              <a:rPr lang="en-US" altLang="zh-CN" sz="2400" dirty="0"/>
-              <a:t>Selection probability of individual = individual’s fitness/sum of fitness</a:t>
-            </a:r>
-          </a:p>
-          <a:p>
-            <a:pPr eaLnBrk="1" hangingPunct="1"/>
-            <a:r>
-              <a:rPr lang="en-US" altLang="zh-CN" sz="3200" b="1" dirty="0"/>
-              <a:t>Rank based selection</a:t>
-            </a:r>
-          </a:p>
-          <a:p>
-            <a:pPr lvl="1" eaLnBrk="1" hangingPunct="1"/>
-            <a:r>
-              <a:rPr lang="en-US" altLang="zh-CN" sz="2400" dirty="0"/>
-              <a:t>Example: decreasing arithmetic/geometric series</a:t>
-            </a:r>
-          </a:p>
-          <a:p>
-            <a:pPr lvl="1" eaLnBrk="1" hangingPunct="1"/>
-            <a:r>
-              <a:rPr lang="en-US" altLang="zh-CN" sz="2400" dirty="0"/>
-              <a:t>Better when fitness range is very large or small</a:t>
-            </a:r>
-          </a:p>
-          <a:p>
-            <a:pPr eaLnBrk="1" hangingPunct="1"/>
-            <a:r>
-              <a:rPr lang="en-US" altLang="zh-CN" sz="3400" b="1" dirty="0"/>
-              <a:t>Tournament selection</a:t>
-            </a:r>
-          </a:p>
-          <a:p>
-            <a:pPr lvl="1" eaLnBrk="1" hangingPunct="1"/>
-            <a:r>
-              <a:rPr lang="en-US" altLang="zh-CN" sz="2400" dirty="0"/>
-              <a:t>Virtual tournament between randomly selected individuals using fitness</a:t>
-            </a:r>
-            <a:endParaRPr lang="zh-CN" altLang="en-US" sz="2400" dirty="0"/>
+            <a:pPr marL="365760" indent="-256032" eaLnBrk="1" fontAlgn="auto" hangingPunct="1">
+              <a:spcAft>
+                <a:spcPts val="0"/>
+              </a:spcAft>
+              <a:buFont typeface="Wingdings 3"/>
+              <a:buChar char=""/>
+              <a:defRPr/>
+            </a:pPr>
+            <a:r>
+              <a:rPr lang="en-US" altLang="zh-CN" sz="2800" b="1" dirty="0"/>
+              <a:t>Point crossover (classical)</a:t>
+            </a:r>
+          </a:p>
+          <a:p>
+            <a:pPr marL="621792" lvl="1" eaLnBrk="1" fontAlgn="auto" hangingPunct="1">
+              <a:spcBef>
+                <a:spcPts val="324"/>
+              </a:spcBef>
+              <a:spcAft>
+                <a:spcPts val="0"/>
+              </a:spcAft>
+              <a:buFont typeface="Verdana"/>
+              <a:buChar char="◦"/>
+              <a:defRPr/>
+            </a:pPr>
+            <a:r>
+              <a:rPr lang="en-US" altLang="zh-CN" sz="2500" dirty="0"/>
+              <a:t>Parent1=x1,x2,x3,x4,x5,x6</a:t>
+            </a:r>
+          </a:p>
+          <a:p>
+            <a:pPr marL="621792" lvl="1" eaLnBrk="1" fontAlgn="auto" hangingPunct="1">
+              <a:spcBef>
+                <a:spcPts val="324"/>
+              </a:spcBef>
+              <a:spcAft>
+                <a:spcPts val="0"/>
+              </a:spcAft>
+              <a:buFont typeface="Verdana"/>
+              <a:buChar char="◦"/>
+              <a:defRPr/>
+            </a:pPr>
+            <a:r>
+              <a:rPr lang="en-US" altLang="zh-CN" sz="2500" dirty="0"/>
+              <a:t>Parent2=y1,y2,y3,y4,y5,y6</a:t>
+            </a:r>
+          </a:p>
+          <a:p>
+            <a:pPr marL="621792" lvl="1" eaLnBrk="1" fontAlgn="auto" hangingPunct="1">
+              <a:spcBef>
+                <a:spcPts val="324"/>
+              </a:spcBef>
+              <a:spcAft>
+                <a:spcPts val="0"/>
+              </a:spcAft>
+              <a:buFont typeface="Verdana"/>
+              <a:buChar char="◦"/>
+              <a:defRPr/>
+            </a:pPr>
+            <a:r>
+              <a:rPr lang="en-US" altLang="zh-CN" sz="2500" dirty="0"/>
+              <a:t>Child =x1,x2,x3,x4,y5,y6</a:t>
+            </a:r>
+          </a:p>
+          <a:p>
+            <a:pPr marL="365760" indent="-256032" eaLnBrk="1" fontAlgn="auto" hangingPunct="1">
+              <a:spcAft>
+                <a:spcPts val="0"/>
+              </a:spcAft>
+              <a:buFont typeface="Wingdings 3"/>
+              <a:buChar char=""/>
+              <a:defRPr/>
+            </a:pPr>
+            <a:r>
+              <a:rPr lang="en-US" altLang="zh-CN" sz="2800" b="1" dirty="0"/>
+              <a:t>Uniform crossover</a:t>
+            </a:r>
+          </a:p>
+          <a:p>
+            <a:pPr marL="621792" lvl="1" eaLnBrk="1" fontAlgn="auto" hangingPunct="1">
+              <a:spcBef>
+                <a:spcPts val="324"/>
+              </a:spcBef>
+              <a:spcAft>
+                <a:spcPts val="0"/>
+              </a:spcAft>
+              <a:buFont typeface="Verdana"/>
+              <a:buChar char="◦"/>
+              <a:defRPr/>
+            </a:pPr>
+            <a:r>
+              <a:rPr lang="en-US" altLang="zh-CN" sz="2500" dirty="0"/>
+              <a:t>Parent1=x1,x2,x3,x4,x5,x6</a:t>
+            </a:r>
+          </a:p>
+          <a:p>
+            <a:pPr marL="621792" lvl="1" eaLnBrk="1" fontAlgn="auto" hangingPunct="1">
+              <a:spcBef>
+                <a:spcPts val="324"/>
+              </a:spcBef>
+              <a:spcAft>
+                <a:spcPts val="0"/>
+              </a:spcAft>
+              <a:buFont typeface="Verdana"/>
+              <a:buChar char="◦"/>
+              <a:defRPr/>
+            </a:pPr>
+            <a:r>
+              <a:rPr lang="en-US" altLang="zh-CN" sz="2500" dirty="0"/>
+              <a:t>Parent2=y1,y2,y3,y4,y5,y6</a:t>
+            </a:r>
+          </a:p>
+          <a:p>
+            <a:pPr marL="621792" lvl="1" eaLnBrk="1" fontAlgn="auto" hangingPunct="1">
+              <a:spcBef>
+                <a:spcPts val="324"/>
+              </a:spcBef>
+              <a:spcAft>
+                <a:spcPts val="0"/>
+              </a:spcAft>
+              <a:buFont typeface="Verdana"/>
+              <a:buChar char="◦"/>
+              <a:defRPr/>
+            </a:pPr>
+            <a:r>
+              <a:rPr lang="en-US" altLang="zh-CN" sz="2500" dirty="0"/>
+              <a:t>Child =x1,x2,y3,x4,y5,y6</a:t>
+            </a:r>
+          </a:p>
+          <a:p>
+            <a:pPr marL="365760" indent="-256032" eaLnBrk="1" fontAlgn="auto" hangingPunct="1">
+              <a:spcAft>
+                <a:spcPts val="0"/>
+              </a:spcAft>
+              <a:buFont typeface="Wingdings 3"/>
+              <a:buChar char=""/>
+              <a:defRPr/>
+            </a:pPr>
+            <a:r>
+              <a:rPr lang="en-US" altLang="zh-CN" sz="2800" b="1" dirty="0"/>
+              <a:t>Arithmetic crossover</a:t>
+            </a:r>
+          </a:p>
+          <a:p>
+            <a:pPr marL="621792" lvl="1" eaLnBrk="1" fontAlgn="auto" hangingPunct="1">
+              <a:spcBef>
+                <a:spcPts val="324"/>
+              </a:spcBef>
+              <a:spcAft>
+                <a:spcPts val="0"/>
+              </a:spcAft>
+              <a:buFont typeface="Verdana"/>
+              <a:buChar char="◦"/>
+              <a:defRPr/>
+            </a:pPr>
+            <a:r>
+              <a:rPr lang="en-US" altLang="zh-CN" sz="2500" dirty="0"/>
+              <a:t>Parent1=x1,x2,x3</a:t>
+            </a:r>
+          </a:p>
+          <a:p>
+            <a:pPr marL="621792" lvl="1" eaLnBrk="1" fontAlgn="auto" hangingPunct="1">
+              <a:spcBef>
+                <a:spcPts val="324"/>
+              </a:spcBef>
+              <a:spcAft>
+                <a:spcPts val="0"/>
+              </a:spcAft>
+              <a:buFont typeface="Verdana"/>
+              <a:buChar char="◦"/>
+              <a:defRPr/>
+            </a:pPr>
+            <a:r>
+              <a:rPr lang="en-US" altLang="zh-CN" sz="2500" dirty="0"/>
+              <a:t>Parent2=y1,y2,y3</a:t>
+            </a:r>
+          </a:p>
+          <a:p>
+            <a:pPr marL="621792" lvl="1" eaLnBrk="1" fontAlgn="auto" hangingPunct="1">
+              <a:spcBef>
+                <a:spcPts val="324"/>
+              </a:spcBef>
+              <a:spcAft>
+                <a:spcPts val="0"/>
+              </a:spcAft>
+              <a:buFont typeface="Verdana"/>
+              <a:buChar char="◦"/>
+              <a:defRPr/>
+            </a:pPr>
+            <a:r>
+              <a:rPr lang="es-ES" altLang="zh-CN" sz="2500" dirty="0"/>
+              <a:t>Child =(x1+y1)/2,(x2+y2)/2,(x3+y3)/2</a:t>
+            </a:r>
+            <a:endParaRPr lang="zh-CN" altLang="en-US" sz="2500" dirty="0"/>
           </a:p>
         </p:txBody>
       </p:sp>
@@ -4611,7 +4759,7 @@
             </a:pPr>
             <a:r>
               <a:rPr lang="en-US" altLang="zh-CN" dirty="0"/>
-              <a:t>Selection strategies</a:t>
+              <a:t>Crossover Operators</a:t>
             </a:r>
             <a:endParaRPr lang="zh-CN" altLang="en-US" dirty="0"/>
           </a:p>
@@ -4644,7 +4792,7 @@
       </p:grpSpPr>
       <p:sp>
         <p:nvSpPr>
-          <p:cNvPr id="2" name="内容占位符 1"/>
+          <p:cNvPr id="20482" name="内容占位符 1"/>
           <p:cNvSpPr>
             <a:spLocks noGrp="1"/>
           </p:cNvSpPr>
@@ -4654,210 +4802,103 @@
         </p:nvSpPr>
         <p:spPr>
           <a:xfrm>
-            <a:off x="990600" y="1546225"/>
-            <a:ext cx="7696200" cy="4525963"/>
+            <a:off x="1066800" y="1481138"/>
+            <a:ext cx="7681664" cy="4900190"/>
           </a:xfrm>
         </p:spPr>
         <p:txBody>
-          <a:bodyPr>
-            <a:normAutofit fontScale="92500" lnSpcReduction="10000"/>
-          </a:bodyPr>
+          <a:bodyPr/>
           <a:lstStyle/>
           <a:p>
-            <a:pPr marL="365760" indent="-256032" eaLnBrk="1" fontAlgn="auto" hangingPunct="1">
-              <a:spcAft>
-                <a:spcPts val="0"/>
-              </a:spcAft>
-              <a:buFont typeface="Wingdings 3"/>
-              <a:buChar char=""/>
-              <a:defRPr/>
-            </a:pPr>
+            <a:pPr eaLnBrk="1" hangingPunct="1"/>
             <a:r>
               <a:rPr lang="en-US" altLang="zh-CN" sz="2800" b="1" dirty="0"/>
-              <a:t>Point crossover (classical)</a:t>
-            </a:r>
-          </a:p>
-          <a:p>
-            <a:pPr marL="621792" lvl="1" eaLnBrk="1" fontAlgn="auto" hangingPunct="1">
-              <a:spcBef>
-                <a:spcPts val="324"/>
-              </a:spcBef>
-              <a:spcAft>
-                <a:spcPts val="0"/>
-              </a:spcAft>
-              <a:buFont typeface="Verdana"/>
-              <a:buChar char="◦"/>
-              <a:defRPr/>
-            </a:pPr>
-            <a:r>
-              <a:rPr lang="en-US" altLang="zh-CN" sz="2500" dirty="0"/>
-              <a:t>Parent1=x1,x2,x3,x4,x5,x6</a:t>
-            </a:r>
-          </a:p>
-          <a:p>
-            <a:pPr marL="621792" lvl="1" eaLnBrk="1" fontAlgn="auto" hangingPunct="1">
-              <a:spcBef>
-                <a:spcPts val="324"/>
-              </a:spcBef>
-              <a:spcAft>
-                <a:spcPts val="0"/>
-              </a:spcAft>
-              <a:buFont typeface="Verdana"/>
-              <a:buChar char="◦"/>
-              <a:defRPr/>
-            </a:pPr>
-            <a:r>
-              <a:rPr lang="en-US" altLang="zh-CN" sz="2500" dirty="0"/>
-              <a:t>Parent2=y1,y2,y3,y4,y5,y6</a:t>
-            </a:r>
-          </a:p>
-          <a:p>
-            <a:pPr marL="621792" lvl="1" eaLnBrk="1" fontAlgn="auto" hangingPunct="1">
-              <a:spcBef>
-                <a:spcPts val="324"/>
-              </a:spcBef>
-              <a:spcAft>
-                <a:spcPts val="0"/>
-              </a:spcAft>
-              <a:buFont typeface="Verdana"/>
-              <a:buChar char="◦"/>
-              <a:defRPr/>
-            </a:pPr>
-            <a:r>
-              <a:rPr lang="en-US" altLang="zh-CN" sz="2500" dirty="0"/>
-              <a:t>Child =x1,x2,x3,x4,y5,y6</a:t>
-            </a:r>
-          </a:p>
-          <a:p>
-            <a:pPr marL="365760" indent="-256032" eaLnBrk="1" fontAlgn="auto" hangingPunct="1">
-              <a:spcAft>
-                <a:spcPts val="0"/>
-              </a:spcAft>
-              <a:buFont typeface="Wingdings 3"/>
-              <a:buChar char=""/>
-              <a:defRPr/>
-            </a:pPr>
+              <a:t>change one or more components</a:t>
+            </a:r>
+          </a:p>
+          <a:p>
+            <a:pPr eaLnBrk="1" hangingPunct="1"/>
             <a:r>
               <a:rPr lang="en-US" altLang="zh-CN" sz="2800" b="1" dirty="0"/>
-              <a:t>Uniform crossover</a:t>
-            </a:r>
-          </a:p>
-          <a:p>
-            <a:pPr marL="621792" lvl="1" eaLnBrk="1" fontAlgn="auto" hangingPunct="1">
-              <a:spcBef>
-                <a:spcPts val="324"/>
-              </a:spcBef>
-              <a:spcAft>
-                <a:spcPts val="0"/>
-              </a:spcAft>
-              <a:buFont typeface="Verdana"/>
-              <a:buChar char="◦"/>
-              <a:defRPr/>
-            </a:pPr>
-            <a:r>
-              <a:rPr lang="en-US" altLang="zh-CN" sz="2500" dirty="0"/>
-              <a:t>Parent1=x1,x2,x3,x4,x5,x6</a:t>
-            </a:r>
-          </a:p>
-          <a:p>
-            <a:pPr marL="621792" lvl="1" eaLnBrk="1" fontAlgn="auto" hangingPunct="1">
-              <a:spcBef>
-                <a:spcPts val="324"/>
-              </a:spcBef>
-              <a:spcAft>
-                <a:spcPts val="0"/>
-              </a:spcAft>
-              <a:buFont typeface="Verdana"/>
-              <a:buChar char="◦"/>
-              <a:defRPr/>
-            </a:pPr>
-            <a:r>
-              <a:rPr lang="en-US" altLang="zh-CN" sz="2500" dirty="0"/>
-              <a:t>Parent2=y1,y2,y3,y4,y5,y6</a:t>
-            </a:r>
-          </a:p>
-          <a:p>
-            <a:pPr marL="621792" lvl="1" eaLnBrk="1" fontAlgn="auto" hangingPunct="1">
-              <a:spcBef>
-                <a:spcPts val="324"/>
-              </a:spcBef>
-              <a:spcAft>
-                <a:spcPts val="0"/>
-              </a:spcAft>
-              <a:buFont typeface="Verdana"/>
-              <a:buChar char="◦"/>
-              <a:defRPr/>
-            </a:pPr>
-            <a:r>
-              <a:rPr lang="en-US" altLang="zh-CN" sz="2500" dirty="0"/>
-              <a:t>Child =x1,x2,y3,x4,y5,y6</a:t>
-            </a:r>
-          </a:p>
-          <a:p>
-            <a:pPr marL="365760" indent="-256032" eaLnBrk="1" fontAlgn="auto" hangingPunct="1">
-              <a:spcAft>
-                <a:spcPts val="0"/>
-              </a:spcAft>
-              <a:buFont typeface="Wingdings 3"/>
-              <a:buChar char=""/>
-              <a:defRPr/>
-            </a:pPr>
+              <a:t>Let Child=x1,x2,P,x3,x4...</a:t>
+            </a:r>
+          </a:p>
+          <a:p>
+            <a:pPr eaLnBrk="1" hangingPunct="1"/>
             <a:r>
               <a:rPr lang="en-US" altLang="zh-CN" sz="2800" b="1" dirty="0"/>
-              <a:t>Arithmetic crossover</a:t>
-            </a:r>
-          </a:p>
-          <a:p>
-            <a:pPr marL="621792" lvl="1" eaLnBrk="1" fontAlgn="auto" hangingPunct="1">
-              <a:spcBef>
-                <a:spcPts val="324"/>
-              </a:spcBef>
-              <a:spcAft>
-                <a:spcPts val="0"/>
-              </a:spcAft>
-              <a:buFont typeface="Verdana"/>
-              <a:buChar char="◦"/>
-              <a:defRPr/>
-            </a:pPr>
-            <a:r>
-              <a:rPr lang="en-US" altLang="zh-CN" sz="2500" dirty="0"/>
-              <a:t>Parent1=x1,x2,x3</a:t>
-            </a:r>
-          </a:p>
-          <a:p>
-            <a:pPr marL="621792" lvl="1" eaLnBrk="1" fontAlgn="auto" hangingPunct="1">
-              <a:spcBef>
-                <a:spcPts val="324"/>
-              </a:spcBef>
-              <a:spcAft>
-                <a:spcPts val="0"/>
-              </a:spcAft>
-              <a:buFont typeface="Verdana"/>
-              <a:buChar char="◦"/>
-              <a:defRPr/>
-            </a:pPr>
-            <a:r>
-              <a:rPr lang="en-US" altLang="zh-CN" sz="2500" dirty="0"/>
-              <a:t>Parent2=y1,y2,y3</a:t>
-            </a:r>
-          </a:p>
-          <a:p>
-            <a:pPr marL="621792" lvl="1" eaLnBrk="1" fontAlgn="auto" hangingPunct="1">
-              <a:spcBef>
-                <a:spcPts val="324"/>
-              </a:spcBef>
-              <a:spcAft>
-                <a:spcPts val="0"/>
-              </a:spcAft>
-              <a:buFont typeface="Verdana"/>
-              <a:buChar char="◦"/>
-              <a:defRPr/>
-            </a:pPr>
-            <a:r>
-              <a:rPr lang="es-ES" altLang="zh-CN" sz="2500" dirty="0"/>
-              <a:t>Child =(x1+y1)/2,(x2+y2)/2,(x3+y3)/2</a:t>
-            </a:r>
-            <a:endParaRPr lang="zh-CN" altLang="en-US" sz="2500" dirty="0"/>
+              <a:t>Gaussian mutation:</a:t>
+            </a:r>
+          </a:p>
+          <a:p>
+            <a:pPr lvl="1" eaLnBrk="1" hangingPunct="1"/>
+            <a:r>
+              <a:rPr lang="en-US" altLang="zh-CN" i="1" dirty="0"/>
+              <a:t>P ¬ P ± ∆p</a:t>
+            </a:r>
+          </a:p>
+          <a:p>
+            <a:pPr lvl="1" eaLnBrk="1" hangingPunct="1"/>
+            <a:r>
+              <a:rPr lang="en-US" altLang="zh-CN" i="1" dirty="0"/>
+              <a:t>∆ p: (small) random normal value</a:t>
+            </a:r>
+          </a:p>
+          <a:p>
+            <a:pPr eaLnBrk="1" hangingPunct="1"/>
+            <a:r>
+              <a:rPr lang="en-US" altLang="zh-CN" sz="2800" b="1" dirty="0"/>
+              <a:t>Uniform mutation:</a:t>
+            </a:r>
+          </a:p>
+          <a:p>
+            <a:pPr lvl="1" eaLnBrk="1" hangingPunct="1"/>
+            <a:r>
+              <a:rPr lang="en-US" altLang="zh-CN" i="1" dirty="0"/>
+              <a:t>P ¬ P new</a:t>
+            </a:r>
+          </a:p>
+          <a:p>
+            <a:pPr lvl="1" eaLnBrk="1" hangingPunct="1"/>
+            <a:r>
+              <a:rPr lang="en-US" altLang="zh-CN" i="1" dirty="0"/>
+              <a:t>p new : random uniform value</a:t>
+            </a:r>
+          </a:p>
+          <a:p>
+            <a:pPr eaLnBrk="1" hangingPunct="1"/>
+            <a:r>
+              <a:rPr lang="en-US" altLang="zh-CN" sz="2800" b="1" dirty="0"/>
+              <a:t>boundary mutation:</a:t>
+            </a:r>
+          </a:p>
+          <a:p>
+            <a:pPr lvl="1" eaLnBrk="1" hangingPunct="1"/>
+            <a:r>
+              <a:rPr lang="en-US" altLang="zh-CN" i="1" dirty="0"/>
+              <a:t>P ¬ </a:t>
+            </a:r>
+            <a:r>
+              <a:rPr lang="en-US" altLang="zh-CN" i="1" dirty="0" err="1"/>
+              <a:t>Pmin</a:t>
+            </a:r>
+            <a:r>
+              <a:rPr lang="en-US" altLang="zh-CN" i="1" dirty="0"/>
+              <a:t> OR </a:t>
+            </a:r>
+            <a:r>
+              <a:rPr lang="en-US" altLang="zh-CN" i="1" dirty="0" err="1"/>
+              <a:t>Pmax</a:t>
+            </a:r>
+            <a:endParaRPr lang="en-US" altLang="zh-CN" i="1" dirty="0"/>
+          </a:p>
+          <a:p>
+            <a:pPr eaLnBrk="1" hangingPunct="1"/>
+            <a:r>
+              <a:rPr lang="en-US" altLang="zh-CN" sz="2800" b="1" dirty="0"/>
+              <a:t>Binary mutation=bit flip</a:t>
+            </a:r>
+            <a:endParaRPr lang="zh-CN" altLang="en-US" sz="2800" dirty="0"/>
           </a:p>
         </p:txBody>
       </p:sp>
@@ -4873,7 +4914,7 @@
         </p:nvSpPr>
         <p:spPr>
           <a:xfrm>
-            <a:off x="1295400" y="304800"/>
+            <a:off x="1295400" y="381000"/>
             <a:ext cx="7772400" cy="1143000"/>
           </a:xfrm>
         </p:spPr>
@@ -4889,7 +4930,7 @@
             </a:pPr>
             <a:r>
               <a:rPr lang="en-US" altLang="zh-CN" dirty="0"/>
-              <a:t>Crossover Operators</a:t>
+              <a:t>Mutation Operators</a:t>
             </a:r>
             <a:endParaRPr lang="zh-CN" altLang="en-US" dirty="0"/>
           </a:p>
@@ -4922,7 +4963,7 @@
       </p:grpSpPr>
       <p:sp>
         <p:nvSpPr>
-          <p:cNvPr id="20482" name="内容占位符 1"/>
+          <p:cNvPr id="21506" name="内容占位符 1"/>
           <p:cNvSpPr>
             <a:spLocks noGrp="1"/>
           </p:cNvSpPr>
@@ -4932,8 +4973,8 @@
         </p:nvSpPr>
         <p:spPr>
           <a:xfrm>
-            <a:off x="1066800" y="1481138"/>
-            <a:ext cx="7681664" cy="4900190"/>
+            <a:off x="685800" y="2022475"/>
+            <a:ext cx="8229600" cy="4149725"/>
           </a:xfrm>
         </p:spPr>
         <p:txBody>
@@ -4942,93 +4983,31 @@
           <a:p>
             <a:pPr eaLnBrk="1" hangingPunct="1"/>
             <a:r>
-              <a:rPr lang="en-US" altLang="zh-CN" sz="2800" b="1" dirty="0"/>
-              <a:t>change one or more components</a:t>
+              <a:rPr lang="en-US" altLang="zh-CN" sz="3200" b="1" dirty="0"/>
+              <a:t>Finds global optima</a:t>
             </a:r>
           </a:p>
           <a:p>
             <a:pPr eaLnBrk="1" hangingPunct="1"/>
             <a:r>
-              <a:rPr lang="en-US" altLang="zh-CN" sz="2800" b="1" dirty="0"/>
-              <a:t>Let Child=x1,x2,P,x3,x4...</a:t>
+              <a:rPr lang="en-US" altLang="zh-CN" sz="3200" b="1" dirty="0"/>
+              <a:t>Can handle discrete, continuous and mixed variable spaces</a:t>
             </a:r>
           </a:p>
           <a:p>
             <a:pPr eaLnBrk="1" hangingPunct="1"/>
             <a:r>
-              <a:rPr lang="en-US" altLang="zh-CN" sz="2800" b="1" dirty="0"/>
-              <a:t>Gaussian mutation:</a:t>
-            </a:r>
-          </a:p>
-          <a:p>
-            <a:pPr lvl="1" eaLnBrk="1" hangingPunct="1"/>
-            <a:r>
-              <a:rPr lang="en-US" altLang="zh-CN" i="1" dirty="0"/>
-              <a:t>P ¬ P ± ∆p</a:t>
-            </a:r>
-          </a:p>
-          <a:p>
-            <a:pPr lvl="1" eaLnBrk="1" hangingPunct="1"/>
-            <a:r>
-              <a:rPr lang="en-US" altLang="zh-CN" i="1" dirty="0"/>
-              <a:t>∆ p: (small) random normal value</a:t>
+              <a:rPr lang="en-US" altLang="zh-CN" sz="3200" b="1" dirty="0"/>
+              <a:t>Easy to use (short programs)</a:t>
             </a:r>
           </a:p>
           <a:p>
             <a:pPr eaLnBrk="1" hangingPunct="1"/>
             <a:r>
-              <a:rPr lang="en-US" altLang="zh-CN" sz="2800" b="1" dirty="0"/>
-              <a:t>Uniform mutation:</a:t>
-            </a:r>
-          </a:p>
-          <a:p>
-            <a:pPr lvl="1" eaLnBrk="1" hangingPunct="1"/>
-            <a:r>
-              <a:rPr lang="en-US" altLang="zh-CN" i="1" dirty="0"/>
-              <a:t>P ¬ P new</a:t>
-            </a:r>
-          </a:p>
-          <a:p>
-            <a:pPr lvl="1" eaLnBrk="1" hangingPunct="1"/>
-            <a:r>
-              <a:rPr lang="en-US" altLang="zh-CN" i="1" dirty="0"/>
-              <a:t>p new : random uniform value</a:t>
-            </a:r>
-          </a:p>
-          <a:p>
-            <a:pPr eaLnBrk="1" hangingPunct="1"/>
-            <a:r>
-              <a:rPr lang="en-US" altLang="zh-CN" sz="2800" b="1" dirty="0"/>
-              <a:t>boundary mutation:</a:t>
-            </a:r>
-          </a:p>
-          <a:p>
-            <a:pPr lvl="1" eaLnBrk="1" hangingPunct="1"/>
-            <a:r>
-              <a:rPr lang="en-US" altLang="zh-CN" i="1" dirty="0"/>
-              <a:t>P ¬ </a:t>
-            </a:r>
-            <a:r>
-              <a:rPr lang="en-US" altLang="zh-CN" i="1" dirty="0" err="1"/>
-              <a:t>Pmin</a:t>
-            </a:r>
-            <a:r>
-              <a:rPr lang="en-US" altLang="zh-CN" i="1" dirty="0"/>
-              <a:t> OR </a:t>
-            </a:r>
-            <a:r>
-              <a:rPr lang="en-US" altLang="zh-CN" i="1" dirty="0" err="1"/>
-              <a:t>Pmax</a:t>
-            </a:r>
-            <a:endParaRPr lang="en-US" altLang="zh-CN" i="1" dirty="0"/>
-          </a:p>
-          <a:p>
-            <a:pPr eaLnBrk="1" hangingPunct="1"/>
-            <a:r>
-              <a:rPr lang="en-US" altLang="zh-CN" sz="2800" b="1" dirty="0"/>
-              <a:t>Binary mutation=bit flip</a:t>
-            </a:r>
-            <a:endParaRPr lang="zh-CN" altLang="en-US" sz="2800" dirty="0"/>
+              <a:rPr lang="en-US" altLang="zh-CN" sz="3200" b="1" dirty="0"/>
+              <a:t>Robust (less sensitive to noise, ill conditions)</a:t>
+            </a:r>
+            <a:endParaRPr lang="zh-CN" altLang="en-US" sz="3200" dirty="0"/>
           </a:p>
         </p:txBody>
       </p:sp>
@@ -5042,14 +5021,11 @@
             <p:ph type="title"/>
           </p:nvPr>
         </p:nvSpPr>
-        <p:spPr>
-          <a:xfrm>
-            <a:off x="1295400" y="381000"/>
-            <a:ext cx="7772400" cy="1143000"/>
-          </a:xfrm>
-        </p:spPr>
-        <p:txBody>
-          <a:bodyPr/>
+        <p:spPr/>
+        <p:txBody>
+          <a:bodyPr>
+            <a:normAutofit fontScale="90000"/>
+          </a:bodyPr>
           <a:lstStyle/>
           <a:p>
             <a:pPr eaLnBrk="1" fontAlgn="auto" hangingPunct="1">
@@ -5060,7 +5036,7 @@
             </a:pPr>
             <a:r>
               <a:rPr lang="en-US" altLang="zh-CN" dirty="0"/>
-              <a:t>Mutation Operators</a:t>
+              <a:t>Advantages of Genetic-Algorithm based optimization</a:t>
             </a:r>
             <a:endParaRPr lang="zh-CN" altLang="en-US" dirty="0"/>
           </a:p>
@@ -5093,7 +5069,7 @@
       </p:grpSpPr>
       <p:sp>
         <p:nvSpPr>
-          <p:cNvPr id="21506" name="内容占位符 1"/>
+          <p:cNvPr id="22530" name="内容占位符 1"/>
           <p:cNvSpPr>
             <a:spLocks noGrp="1"/>
           </p:cNvSpPr>
@@ -5103,8 +5079,8 @@
         </p:nvSpPr>
         <p:spPr>
           <a:xfrm>
-            <a:off x="685800" y="2022475"/>
-            <a:ext cx="8229600" cy="4149725"/>
+            <a:off x="762000" y="2170113"/>
+            <a:ext cx="8229600" cy="4078287"/>
           </a:xfrm>
         </p:spPr>
         <p:txBody>
@@ -5114,28 +5090,14 @@
             <a:pPr eaLnBrk="1" hangingPunct="1"/>
             <a:r>
               <a:rPr lang="en-US" altLang="zh-CN" sz="3200" b="1" dirty="0"/>
-              <a:t>Finds global optima</a:t>
+              <a:t>Relatively slower than other methods (not suitable for easy problems)</a:t>
             </a:r>
           </a:p>
           <a:p>
             <a:pPr eaLnBrk="1" hangingPunct="1"/>
             <a:r>
               <a:rPr lang="en-US" altLang="zh-CN" sz="3200" b="1" dirty="0"/>
-              <a:t>Can handle discrete, continuous and mixed variable spaces</a:t>
-            </a:r>
-          </a:p>
-          <a:p>
-            <a:pPr eaLnBrk="1" hangingPunct="1"/>
-            <a:r>
-              <a:rPr lang="en-US" altLang="zh-CN" sz="3200" b="1" dirty="0"/>
-              <a:t>Easy to use (short programs)</a:t>
-            </a:r>
-          </a:p>
-          <a:p>
-            <a:pPr eaLnBrk="1" hangingPunct="1"/>
-            <a:r>
-              <a:rPr lang="en-US" altLang="zh-CN" sz="3200" b="1" dirty="0"/>
-              <a:t>Robust (less sensitive to noise, ill conditions)</a:t>
+              <a:t>Theory lags behind applications</a:t>
             </a:r>
             <a:endParaRPr lang="zh-CN" altLang="en-US" sz="3200" dirty="0"/>
           </a:p>
@@ -5166,7 +5128,14 @@
             </a:pPr>
             <a:r>
               <a:rPr lang="en-US" altLang="zh-CN" dirty="0"/>
-              <a:t>Advantages of Genetic-Algorithm based optimization</a:t>
+              <a:t>Disadvantages of Genetic-</a:t>
+            </a:r>
+            <a:br>
+              <a:rPr lang="en-US" altLang="zh-CN" dirty="0"/>
+            </a:br>
+            <a:r>
+              <a:rPr lang="en-US" altLang="zh-CN" dirty="0"/>
+              <a:t>Algorithm based optimization</a:t>
             </a:r>
             <a:endParaRPr lang="zh-CN" altLang="en-US" dirty="0"/>
           </a:p>
@@ -5181,232 +5150,6 @@
 </file>
 
 <file path=ppt/slides/slide19.xml><?xml version="1.0" encoding="utf-8"?>
-<p:sld xmlns:a="http://schemas.openxmlformats.org/drawingml/2006/main" xmlns:r="http://schemas.openxmlformats.org/officeDocument/2006/relationships" xmlns:p="http://schemas.openxmlformats.org/presentationml/2006/main">
-  <p:cSld>
-    <p:spTree>
-      <p:nvGrpSpPr>
-        <p:cNvPr id="1" name=""/>
-        <p:cNvGrpSpPr/>
-        <p:nvPr/>
-      </p:nvGrpSpPr>
-      <p:grpSpPr>
-        <a:xfrm>
-          <a:off x="0" y="0"/>
-          <a:ext cx="0" cy="0"/>
-          <a:chOff x="0" y="0"/>
-          <a:chExt cx="0" cy="0"/>
-        </a:xfrm>
-      </p:grpSpPr>
-      <p:sp>
-        <p:nvSpPr>
-          <p:cNvPr id="22530" name="内容占位符 1"/>
-          <p:cNvSpPr>
-            <a:spLocks noGrp="1"/>
-          </p:cNvSpPr>
-          <p:nvPr>
-            <p:ph idx="1"/>
-          </p:nvPr>
-        </p:nvSpPr>
-        <p:spPr>
-          <a:xfrm>
-            <a:off x="762000" y="2170113"/>
-            <a:ext cx="8229600" cy="4078287"/>
-          </a:xfrm>
-        </p:spPr>
-        <p:txBody>
-          <a:bodyPr/>
-          <a:lstStyle/>
-          <a:p>
-            <a:pPr eaLnBrk="1" hangingPunct="1"/>
-            <a:r>
-              <a:rPr lang="en-US" altLang="zh-CN" sz="3200" b="1" dirty="0"/>
-              <a:t>Relatively slower than other methods (not suitable for easy problems)</a:t>
-            </a:r>
-          </a:p>
-          <a:p>
-            <a:pPr eaLnBrk="1" hangingPunct="1"/>
-            <a:r>
-              <a:rPr lang="en-US" altLang="zh-CN" sz="3200" b="1" dirty="0"/>
-              <a:t>Theory lags behind applications</a:t>
-            </a:r>
-            <a:endParaRPr lang="zh-CN" altLang="en-US" sz="3200" dirty="0"/>
-          </a:p>
-        </p:txBody>
-      </p:sp>
-      <p:sp>
-        <p:nvSpPr>
-          <p:cNvPr id="3" name="标题 2"/>
-          <p:cNvSpPr>
-            <a:spLocks noGrp="1"/>
-          </p:cNvSpPr>
-          <p:nvPr>
-            <p:ph type="title"/>
-          </p:nvPr>
-        </p:nvSpPr>
-        <p:spPr/>
-        <p:txBody>
-          <a:bodyPr>
-            <a:normAutofit fontScale="90000"/>
-          </a:bodyPr>
-          <a:lstStyle/>
-          <a:p>
-            <a:pPr eaLnBrk="1" fontAlgn="auto" hangingPunct="1">
-              <a:spcAft>
-                <a:spcPts val="0"/>
-              </a:spcAft>
-              <a:defRPr/>
-            </a:pPr>
-            <a:r>
-              <a:rPr lang="en-US" altLang="zh-CN" dirty="0"/>
-              <a:t>Disadvantages of Genetic-</a:t>
-            </a:r>
-            <a:br>
-              <a:rPr lang="en-US" altLang="zh-CN" dirty="0"/>
-            </a:br>
-            <a:r>
-              <a:rPr lang="en-US" altLang="zh-CN" dirty="0"/>
-              <a:t>Algorithm based optimization</a:t>
-            </a:r>
-            <a:endParaRPr lang="zh-CN" altLang="en-US" dirty="0"/>
-          </a:p>
-        </p:txBody>
-      </p:sp>
-    </p:spTree>
-  </p:cSld>
-  <p:clrMapOvr>
-    <a:masterClrMapping/>
-  </p:clrMapOvr>
-</p:sld>
-</file>
-
-<file path=ppt/slides/slide2.xml><?xml version="1.0" encoding="utf-8"?>
-<p:sld xmlns:a="http://schemas.openxmlformats.org/drawingml/2006/main" xmlns:r="http://schemas.openxmlformats.org/officeDocument/2006/relationships" xmlns:p="http://schemas.openxmlformats.org/presentationml/2006/main">
-  <p:cSld>
-    <p:spTree>
-      <p:nvGrpSpPr>
-        <p:cNvPr id="1" name=""/>
-        <p:cNvGrpSpPr/>
-        <p:nvPr/>
-      </p:nvGrpSpPr>
-      <p:grpSpPr>
-        <a:xfrm>
-          <a:off x="0" y="0"/>
-          <a:ext cx="0" cy="0"/>
-          <a:chOff x="0" y="0"/>
-          <a:chExt cx="0" cy="0"/>
-        </a:xfrm>
-      </p:grpSpPr>
-      <p:sp>
-        <p:nvSpPr>
-          <p:cNvPr id="10242" name="内容占位符 2"/>
-          <p:cNvSpPr>
-            <a:spLocks noGrp="1"/>
-          </p:cNvSpPr>
-          <p:nvPr>
-            <p:ph idx="1"/>
-          </p:nvPr>
-        </p:nvSpPr>
-        <p:spPr/>
-        <p:txBody>
-          <a:bodyPr/>
-          <a:lstStyle/>
-          <a:p>
-            <a:pPr eaLnBrk="1" hangingPunct="1"/>
-            <a:r>
-              <a:rPr lang="en-US" altLang="zh-CN" sz="3200" b="1" dirty="0"/>
-              <a:t>Genetic algorithms</a:t>
-            </a:r>
-          </a:p>
-          <a:p>
-            <a:pPr lvl="1" eaLnBrk="1" hangingPunct="1"/>
-            <a:r>
-              <a:rPr lang="en-US" altLang="zh-CN" sz="2800" b="1" dirty="0"/>
-              <a:t>Parallel genetic algorithms</a:t>
-            </a:r>
-          </a:p>
-          <a:p>
-            <a:pPr eaLnBrk="1" hangingPunct="1"/>
-            <a:r>
-              <a:rPr lang="en-US" altLang="zh-CN" sz="3200" b="1" dirty="0"/>
-              <a:t>Genetic programming</a:t>
-            </a:r>
-          </a:p>
-          <a:p>
-            <a:pPr eaLnBrk="1" hangingPunct="1"/>
-            <a:r>
-              <a:rPr lang="en-US" altLang="zh-CN" sz="3200" b="1" dirty="0"/>
-              <a:t>Evolution strategies</a:t>
-            </a:r>
-          </a:p>
-          <a:p>
-            <a:pPr eaLnBrk="1" hangingPunct="1"/>
-            <a:r>
-              <a:rPr lang="en-US" altLang="zh-CN" sz="3200" b="1" dirty="0"/>
-              <a:t>Classifier systems</a:t>
-            </a:r>
-          </a:p>
-          <a:p>
-            <a:pPr eaLnBrk="1" hangingPunct="1"/>
-            <a:r>
-              <a:rPr lang="en-US" altLang="zh-CN" sz="3200" b="1" dirty="0"/>
-              <a:t>Evolution programming</a:t>
-            </a:r>
-          </a:p>
-          <a:p>
-            <a:pPr eaLnBrk="1" hangingPunct="1"/>
-            <a:r>
-              <a:rPr lang="en-US" altLang="zh-CN" sz="3200" b="1" dirty="0"/>
-              <a:t>Related topics</a:t>
-            </a:r>
-          </a:p>
-          <a:p>
-            <a:pPr eaLnBrk="1" hangingPunct="1"/>
-            <a:r>
-              <a:rPr lang="en-US" altLang="zh-CN" sz="3200" b="1" dirty="0"/>
-              <a:t>Conclusion</a:t>
-            </a:r>
-            <a:endParaRPr lang="zh-CN" altLang="en-US" sz="3200" dirty="0"/>
-          </a:p>
-        </p:txBody>
-      </p:sp>
-      <p:sp>
-        <p:nvSpPr>
-          <p:cNvPr id="2" name="标题 1"/>
-          <p:cNvSpPr>
-            <a:spLocks noGrp="1"/>
-          </p:cNvSpPr>
-          <p:nvPr>
-            <p:ph type="title"/>
-          </p:nvPr>
-        </p:nvSpPr>
-        <p:spPr/>
-        <p:txBody>
-          <a:bodyPr/>
-          <a:lstStyle/>
-          <a:p>
-            <a:pPr eaLnBrk="1" fontAlgn="auto" hangingPunct="1">
-              <a:spcAft>
-                <a:spcPts val="0"/>
-              </a:spcAft>
-              <a:defRPr/>
-            </a:pPr>
-            <a:r>
-              <a:rPr lang="en-US" altLang="zh-CN" dirty="0"/>
-              <a:t>Presentation outline</a:t>
-            </a:r>
-            <a:endParaRPr lang="zh-CN" altLang="en-US" dirty="0"/>
-          </a:p>
-        </p:txBody>
-      </p:sp>
-    </p:spTree>
-  </p:cSld>
-  <p:clrMapOvr>
-    <a:masterClrMapping/>
-  </p:clrMapOvr>
-</p:sld>
-</file>
-
-<file path=ppt/slides/slide20.xml><?xml version="1.0" encoding="utf-8"?>
 <p:sld xmlns:a="http://schemas.openxmlformats.org/drawingml/2006/main" xmlns:r="http://schemas.openxmlformats.org/officeDocument/2006/relationships" xmlns:p="http://schemas.openxmlformats.org/presentationml/2006/main">
   <p:cSld>
     <p:spTree>
@@ -5492,7 +5235,134 @@
 </p:sld>
 </file>
 
-<file path=ppt/slides/slide21.xml><?xml version="1.0" encoding="utf-8"?>
+<file path=ppt/slides/slide2.xml><?xml version="1.0" encoding="utf-8"?>
+<p:sld xmlns:a="http://schemas.openxmlformats.org/drawingml/2006/main" xmlns:r="http://schemas.openxmlformats.org/officeDocument/2006/relationships" xmlns:p="http://schemas.openxmlformats.org/presentationml/2006/main">
+  <p:cSld>
+    <p:spTree>
+      <p:nvGrpSpPr>
+        <p:cNvPr id="1" name=""/>
+        <p:cNvGrpSpPr/>
+        <p:nvPr/>
+      </p:nvGrpSpPr>
+      <p:grpSpPr>
+        <a:xfrm>
+          <a:off x="0" y="0"/>
+          <a:ext cx="0" cy="0"/>
+          <a:chOff x="0" y="0"/>
+          <a:chExt cx="0" cy="0"/>
+        </a:xfrm>
+      </p:grpSpPr>
+      <p:sp>
+        <p:nvSpPr>
+          <p:cNvPr id="10242" name="内容占位符 2"/>
+          <p:cNvSpPr>
+            <a:spLocks noGrp="1"/>
+          </p:cNvSpPr>
+          <p:nvPr>
+            <p:ph idx="1"/>
+          </p:nvPr>
+        </p:nvSpPr>
+        <p:spPr/>
+        <p:txBody>
+          <a:bodyPr/>
+          <a:lstStyle/>
+          <a:p>
+            <a:pPr eaLnBrk="1" hangingPunct="1"/>
+            <a:r>
+              <a:rPr lang="en-US" altLang="zh-CN" sz="3200" b="1" dirty="0"/>
+              <a:t>Genetic algorithms</a:t>
+            </a:r>
+          </a:p>
+          <a:p>
+            <a:pPr lvl="1" eaLnBrk="1" hangingPunct="1"/>
+            <a:r>
+              <a:rPr lang="en-US" altLang="zh-CN" sz="2800" b="1" dirty="0"/>
+              <a:t>Parallel genetic algorithms</a:t>
+            </a:r>
+          </a:p>
+          <a:p>
+            <a:pPr eaLnBrk="1" hangingPunct="1"/>
+            <a:r>
+              <a:rPr lang="en-US" altLang="zh-CN" sz="3200" b="1" dirty="0"/>
+              <a:t>Genetic programming</a:t>
+            </a:r>
+          </a:p>
+          <a:p>
+            <a:pPr eaLnBrk="1" hangingPunct="1"/>
+            <a:r>
+              <a:rPr lang="en-US" altLang="zh-CN" sz="3200" b="1" dirty="0"/>
+              <a:t>Evolution strategies</a:t>
+            </a:r>
+          </a:p>
+          <a:p>
+            <a:pPr eaLnBrk="1" hangingPunct="1"/>
+            <a:r>
+              <a:rPr lang="en-US" altLang="zh-CN" sz="3200" b="1" dirty="0"/>
+              <a:t>Classifier systems</a:t>
+            </a:r>
+          </a:p>
+          <a:p>
+            <a:pPr eaLnBrk="1" hangingPunct="1"/>
+            <a:r>
+              <a:rPr lang="en-US" altLang="zh-CN" sz="3200" b="1" dirty="0"/>
+              <a:t>Evolution programming</a:t>
+            </a:r>
+          </a:p>
+          <a:p>
+            <a:pPr eaLnBrk="1" hangingPunct="1"/>
+            <a:r>
+              <a:rPr lang="en-US" altLang="zh-CN" sz="3200" b="1" dirty="0"/>
+              <a:t>Related topics</a:t>
+            </a:r>
+          </a:p>
+          <a:p>
+            <a:pPr eaLnBrk="1" hangingPunct="1"/>
+            <a:r>
+              <a:rPr lang="en-US" altLang="zh-CN" sz="3200" b="1" dirty="0"/>
+              <a:t>Conclusion</a:t>
+            </a:r>
+            <a:endParaRPr lang="zh-CN" altLang="en-US" sz="3200" dirty="0"/>
+          </a:p>
+        </p:txBody>
+      </p:sp>
+      <p:sp>
+        <p:nvSpPr>
+          <p:cNvPr id="2" name="标题 1"/>
+          <p:cNvSpPr>
+            <a:spLocks noGrp="1"/>
+          </p:cNvSpPr>
+          <p:nvPr>
+            <p:ph type="title"/>
+          </p:nvPr>
+        </p:nvSpPr>
+        <p:spPr/>
+        <p:txBody>
+          <a:bodyPr/>
+          <a:lstStyle/>
+          <a:p>
+            <a:pPr eaLnBrk="1" fontAlgn="auto" hangingPunct="1">
+              <a:spcAft>
+                <a:spcPts val="0"/>
+              </a:spcAft>
+              <a:defRPr/>
+            </a:pPr>
+            <a:r>
+              <a:rPr lang="en-US" altLang="zh-CN" dirty="0"/>
+              <a:t>Presentation outline</a:t>
+            </a:r>
+            <a:endParaRPr lang="zh-CN" altLang="en-US" dirty="0"/>
+          </a:p>
+        </p:txBody>
+      </p:sp>
+    </p:spTree>
+  </p:cSld>
+  <p:clrMapOvr>
+    <a:masterClrMapping/>
+  </p:clrMapOvr>
+</p:sld>
+</file>
+
+<file path=ppt/slides/slide20.xml><?xml version="1.0" encoding="utf-8"?>
 <p:sld xmlns:a="http://schemas.openxmlformats.org/drawingml/2006/main" xmlns:r="http://schemas.openxmlformats.org/officeDocument/2006/relationships" xmlns:p="http://schemas.openxmlformats.org/presentationml/2006/main">
   <p:cSld>
     <p:spTree>
@@ -5580,7 +5450,7 @@
 </p:sld>
 </file>
 
-<file path=ppt/slides/slide22.xml><?xml version="1.0" encoding="utf-8"?>
+<file path=ppt/slides/slide21.xml><?xml version="1.0" encoding="utf-8"?>
 <p:sld xmlns:a="http://schemas.openxmlformats.org/drawingml/2006/main" xmlns:r="http://schemas.openxmlformats.org/officeDocument/2006/relationships" xmlns:p="http://schemas.openxmlformats.org/presentationml/2006/main">
   <p:cSld>
     <p:spTree>
@@ -5666,7 +5536,7 @@
 </p:sld>
 </file>
 
-<file path=ppt/slides/slide23.xml><?xml version="1.0" encoding="utf-8"?>
+<file path=ppt/slides/slide22.xml><?xml version="1.0" encoding="utf-8"?>
 <p:sld xmlns:a="http://schemas.openxmlformats.org/drawingml/2006/main" xmlns:r="http://schemas.openxmlformats.org/officeDocument/2006/relationships" xmlns:p="http://schemas.openxmlformats.org/presentationml/2006/main">
   <p:cSld>
     <p:spTree>
@@ -5783,7 +5653,7 @@
 </p:sld>
 </file>
 
-<file path=ppt/slides/slide24.xml><?xml version="1.0" encoding="utf-8"?>
+<file path=ppt/slides/slide23.xml><?xml version="1.0" encoding="utf-8"?>
 <p:sld xmlns:a="http://schemas.openxmlformats.org/drawingml/2006/main" xmlns:r="http://schemas.openxmlformats.org/officeDocument/2006/relationships" xmlns:p="http://schemas.openxmlformats.org/presentationml/2006/main">
   <p:cSld>
     <p:spTree>
@@ -5900,7 +5770,7 @@
 </p:sld>
 </file>
 
-<file path=ppt/slides/slide25.xml><?xml version="1.0" encoding="utf-8"?>
+<file path=ppt/slides/slide24.xml><?xml version="1.0" encoding="utf-8"?>
 <p:sld xmlns:a="http://schemas.openxmlformats.org/drawingml/2006/main" xmlns:r="http://schemas.openxmlformats.org/officeDocument/2006/relationships" xmlns:p="http://schemas.openxmlformats.org/presentationml/2006/main">
   <p:cSld>
     <p:spTree>
@@ -6017,6 +5887,112 @@
 </p:sld>
 </file>
 
+<file path=ppt/slides/slide25.xml><?xml version="1.0" encoding="utf-8"?>
+<p:sld xmlns:a="http://schemas.openxmlformats.org/drawingml/2006/main" xmlns:r="http://schemas.openxmlformats.org/officeDocument/2006/relationships" xmlns:p="http://schemas.openxmlformats.org/presentationml/2006/main">
+  <p:cSld>
+    <p:spTree>
+      <p:nvGrpSpPr>
+        <p:cNvPr id="1" name=""/>
+        <p:cNvGrpSpPr/>
+        <p:nvPr/>
+      </p:nvGrpSpPr>
+      <p:grpSpPr>
+        <a:xfrm>
+          <a:off x="0" y="0"/>
+          <a:ext cx="0" cy="0"/>
+          <a:chOff x="0" y="0"/>
+          <a:chExt cx="0" cy="0"/>
+        </a:xfrm>
+      </p:grpSpPr>
+      <p:sp>
+        <p:nvSpPr>
+          <p:cNvPr id="29698" name="内容占位符 1"/>
+          <p:cNvSpPr>
+            <a:spLocks noGrp="1"/>
+          </p:cNvSpPr>
+          <p:nvPr>
+            <p:ph idx="1"/>
+          </p:nvPr>
+        </p:nvSpPr>
+        <p:spPr/>
+        <p:txBody>
+          <a:bodyPr/>
+          <a:lstStyle/>
+          <a:p>
+            <a:pPr eaLnBrk="1" hangingPunct="1"/>
+            <a:r>
+              <a:rPr lang="en-US" altLang="zh-CN" sz="3000" b="1"/>
+              <a:t>Introduced (officially) by John Koza in his book (genetic programming, 1992)</a:t>
+            </a:r>
+          </a:p>
+          <a:p>
+            <a:pPr eaLnBrk="1" hangingPunct="1"/>
+            <a:r>
+              <a:rPr lang="en-US" altLang="zh-CN" sz="3000" b="1"/>
+              <a:t>Early attempts date back to the 50s (evolving populations of binary object codes)</a:t>
+            </a:r>
+          </a:p>
+          <a:p>
+            <a:pPr eaLnBrk="1" hangingPunct="1"/>
+            <a:r>
+              <a:rPr lang="en-US" altLang="zh-CN" sz="3000" b="1"/>
+              <a:t>Idea is to evolve computer programs</a:t>
+            </a:r>
+          </a:p>
+          <a:p>
+            <a:pPr eaLnBrk="1" hangingPunct="1"/>
+            <a:r>
+              <a:rPr lang="en-US" altLang="zh-CN" sz="3000" b="1"/>
+              <a:t>Declarative programming languages usually used (Lisp)</a:t>
+            </a:r>
+          </a:p>
+          <a:p>
+            <a:pPr eaLnBrk="1" hangingPunct="1"/>
+            <a:r>
+              <a:rPr lang="en-US" altLang="zh-CN" sz="3000" b="1"/>
+              <a:t>Programs are represented as trees</a:t>
+            </a:r>
+            <a:endParaRPr lang="zh-CN" altLang="en-US" sz="3000"/>
+          </a:p>
+        </p:txBody>
+      </p:sp>
+      <p:sp>
+        <p:nvSpPr>
+          <p:cNvPr id="3" name="标题 2"/>
+          <p:cNvSpPr>
+            <a:spLocks noGrp="1"/>
+          </p:cNvSpPr>
+          <p:nvPr>
+            <p:ph type="title"/>
+          </p:nvPr>
+        </p:nvSpPr>
+        <p:spPr/>
+        <p:txBody>
+          <a:bodyPr/>
+          <a:lstStyle/>
+          <a:p>
+            <a:pPr eaLnBrk="1" fontAlgn="auto" hangingPunct="1">
+              <a:spcAft>
+                <a:spcPts val="0"/>
+              </a:spcAft>
+              <a:defRPr/>
+            </a:pPr>
+            <a:r>
+              <a:rPr lang="en-US" altLang="zh-CN" dirty="0"/>
+              <a:t>Genetic Programming (GP)</a:t>
+            </a:r>
+            <a:endParaRPr lang="zh-CN" altLang="en-US" dirty="0"/>
+          </a:p>
+        </p:txBody>
+      </p:sp>
+    </p:spTree>
+  </p:cSld>
+  <p:clrMapOvr>
+    <a:masterClrMapping/>
+  </p:clrMapOvr>
+</p:sld>
+</file>
+
 <file path=ppt/slides/slide26.xml><?xml version="1.0" encoding="utf-8"?>
 <p:sld xmlns:a="http://schemas.openxmlformats.org/drawingml/2006/main" xmlns:r="http://schemas.openxmlformats.org/officeDocument/2006/relationships" xmlns:p="http://schemas.openxmlformats.org/presentationml/2006/main">
   <p:cSld>
@@ -6036,7 +6012,7 @@
       </p:grpSpPr>
       <p:sp>
         <p:nvSpPr>
-          <p:cNvPr id="29698" name="内容占位符 1"/>
+          <p:cNvPr id="30722" name="内容占位符 1"/>
           <p:cNvSpPr>
             <a:spLocks noGrp="1"/>
           </p:cNvSpPr>
@@ -6051,38 +6027,38 @@
           <a:p>
             <a:pPr eaLnBrk="1" hangingPunct="1"/>
             <a:r>
-              <a:rPr lang="en-US" altLang="zh-CN" sz="3000" b="1"/>
-              <a:t>Introduced (officially) by John Koza in his book (genetic programming, 1992)</a:t>
+              <a:rPr lang="en-US" altLang="zh-CN" sz="2800" b="1"/>
+              <a:t>A population of trees representing programs</a:t>
             </a:r>
           </a:p>
           <a:p>
             <a:pPr eaLnBrk="1" hangingPunct="1"/>
             <a:r>
-              <a:rPr lang="en-US" altLang="zh-CN" sz="3000" b="1"/>
-              <a:t>Early attempts date back to the 50s (evolving populations of binary object codes)</a:t>
+              <a:rPr lang="en-US" altLang="zh-CN" sz="2800" b="1"/>
+              <a:t>The programs are composed of elements from the FUNCTION SET and the TERMINAL SET</a:t>
             </a:r>
           </a:p>
           <a:p>
             <a:pPr eaLnBrk="1" hangingPunct="1"/>
             <a:r>
-              <a:rPr lang="en-US" altLang="zh-CN" sz="3000" b="1"/>
-              <a:t>Idea is to evolve computer programs</a:t>
+              <a:rPr lang="en-US" altLang="zh-CN" sz="2800" b="1"/>
+              <a:t>These sets are usually fixed sets of symbols</a:t>
             </a:r>
           </a:p>
           <a:p>
             <a:pPr eaLnBrk="1" hangingPunct="1"/>
             <a:r>
-              <a:rPr lang="en-US" altLang="zh-CN" sz="3000" b="1"/>
-              <a:t>Declarative programming languages usually used (Lisp)</a:t>
+              <a:rPr lang="en-US" altLang="zh-CN" sz="2800" b="1"/>
+              <a:t>The function set forms "non-leaf" nodes. (e.g. +,-,*,sin,cos)</a:t>
             </a:r>
           </a:p>
           <a:p>
             <a:pPr eaLnBrk="1" hangingPunct="1"/>
             <a:r>
-              <a:rPr lang="en-US" altLang="zh-CN" sz="3000" b="1"/>
-              <a:t>Programs are represented as trees</a:t>
-            </a:r>
-            <a:endParaRPr lang="zh-CN" altLang="en-US" sz="3000"/>
+              <a:rPr lang="en-US" altLang="zh-CN" sz="2800" b="1"/>
+              <a:t>The terminal set forms leaf nodes. (e.g. x,3.7, random())</a:t>
+            </a:r>
+            <a:endParaRPr lang="zh-CN" altLang="en-US" sz="2800"/>
           </a:p>
         </p:txBody>
       </p:sp>
@@ -6109,7 +6085,7 @@
             </a:pPr>
             <a:r>
               <a:rPr lang="en-US" altLang="zh-CN" dirty="0"/>
-              <a:t>Genetic Programming (GP)</a:t>
+              <a:t>GP individuals</a:t>
             </a:r>
             <a:endParaRPr lang="zh-CN" altLang="en-US" dirty="0"/>
           </a:p>
@@ -6124,112 +6100,6 @@
 </file>
 
 <file path=ppt/slides/slide27.xml><?xml version="1.0" encoding="utf-8"?>
-<p:sld xmlns:a="http://schemas.openxmlformats.org/drawingml/2006/main" xmlns:r="http://schemas.openxmlformats.org/officeDocument/2006/relationships" xmlns:p="http://schemas.openxmlformats.org/presentationml/2006/main">
-  <p:cSld>
-    <p:spTree>
-      <p:nvGrpSpPr>
-        <p:cNvPr id="1" name=""/>
-        <p:cNvGrpSpPr/>
-        <p:nvPr/>
-      </p:nvGrpSpPr>
-      <p:grpSpPr>
-        <a:xfrm>
-          <a:off x="0" y="0"/>
-          <a:ext cx="0" cy="0"/>
-          <a:chOff x="0" y="0"/>
-          <a:chExt cx="0" cy="0"/>
-        </a:xfrm>
-      </p:grpSpPr>
-      <p:sp>
-        <p:nvSpPr>
-          <p:cNvPr id="30722" name="内容占位符 1"/>
-          <p:cNvSpPr>
-            <a:spLocks noGrp="1"/>
-          </p:cNvSpPr>
-          <p:nvPr>
-            <p:ph idx="1"/>
-          </p:nvPr>
-        </p:nvSpPr>
-        <p:spPr/>
-        <p:txBody>
-          <a:bodyPr/>
-          <a:lstStyle/>
-          <a:p>
-            <a:pPr eaLnBrk="1" hangingPunct="1"/>
-            <a:r>
-              <a:rPr lang="en-US" altLang="zh-CN" sz="2800" b="1"/>
-              <a:t>A population of trees representing programs</a:t>
-            </a:r>
-          </a:p>
-          <a:p>
-            <a:pPr eaLnBrk="1" hangingPunct="1"/>
-            <a:r>
-              <a:rPr lang="en-US" altLang="zh-CN" sz="2800" b="1"/>
-              <a:t>The programs are composed of elements from the FUNCTION SET and the TERMINAL SET</a:t>
-            </a:r>
-          </a:p>
-          <a:p>
-            <a:pPr eaLnBrk="1" hangingPunct="1"/>
-            <a:r>
-              <a:rPr lang="en-US" altLang="zh-CN" sz="2800" b="1"/>
-              <a:t>These sets are usually fixed sets of symbols</a:t>
-            </a:r>
-          </a:p>
-          <a:p>
-            <a:pPr eaLnBrk="1" hangingPunct="1"/>
-            <a:r>
-              <a:rPr lang="en-US" altLang="zh-CN" sz="2800" b="1"/>
-              <a:t>The function set forms "non-leaf" nodes. (e.g. +,-,*,sin,cos)</a:t>
-            </a:r>
-          </a:p>
-          <a:p>
-            <a:pPr eaLnBrk="1" hangingPunct="1"/>
-            <a:r>
-              <a:rPr lang="en-US" altLang="zh-CN" sz="2800" b="1"/>
-              <a:t>The terminal set forms leaf nodes. (e.g. x,3.7, random())</a:t>
-            </a:r>
-            <a:endParaRPr lang="zh-CN" altLang="en-US" sz="2800"/>
-          </a:p>
-        </p:txBody>
-      </p:sp>
-      <p:sp>
-        <p:nvSpPr>
-          <p:cNvPr id="3" name="标题 2"/>
-          <p:cNvSpPr>
-            <a:spLocks noGrp="1"/>
-          </p:cNvSpPr>
-          <p:nvPr>
-            <p:ph type="title"/>
-          </p:nvPr>
-        </p:nvSpPr>
-        <p:spPr/>
-        <p:txBody>
-          <a:bodyPr/>
-          <a:lstStyle/>
-          <a:p>
-            <a:pPr eaLnBrk="1" fontAlgn="auto" hangingPunct="1">
-              <a:spcAft>
-                <a:spcPts val="0"/>
-              </a:spcAft>
-              <a:defRPr/>
-            </a:pPr>
-            <a:r>
-              <a:rPr lang="en-US" altLang="zh-CN" dirty="0"/>
-              <a:t>GP individuals</a:t>
-            </a:r>
-            <a:endParaRPr lang="zh-CN" altLang="en-US" dirty="0"/>
-          </a:p>
-        </p:txBody>
-      </p:sp>
-    </p:spTree>
-  </p:cSld>
-  <p:clrMapOvr>
-    <a:masterClrMapping/>
-  </p:clrMapOvr>
-</p:sld>
-</file>
-
-<file path=ppt/slides/slide28.xml><?xml version="1.0" encoding="utf-8"?>
 <p:sld xmlns:a="http://schemas.openxmlformats.org/drawingml/2006/main" xmlns:r="http://schemas.openxmlformats.org/officeDocument/2006/relationships" xmlns:p="http://schemas.openxmlformats.org/presentationml/2006/main">
   <p:cSld>
     <p:spTree>
@@ -6315,6 +6185,128 @@
 </p:sld>
 </file>
 
+<file path=ppt/slides/slide28.xml><?xml version="1.0" encoding="utf-8"?>
+<p:sld xmlns:a="http://schemas.openxmlformats.org/drawingml/2006/main" xmlns:r="http://schemas.openxmlformats.org/officeDocument/2006/relationships" xmlns:p="http://schemas.openxmlformats.org/presentationml/2006/main">
+  <p:cSld>
+    <p:spTree>
+      <p:nvGrpSpPr>
+        <p:cNvPr id="1" name=""/>
+        <p:cNvGrpSpPr/>
+        <p:nvPr/>
+      </p:nvGrpSpPr>
+      <p:grpSpPr>
+        <a:xfrm>
+          <a:off x="0" y="0"/>
+          <a:ext cx="0" cy="0"/>
+          <a:chOff x="0" y="0"/>
+          <a:chExt cx="0" cy="0"/>
+        </a:xfrm>
+      </p:grpSpPr>
+      <p:sp>
+        <p:nvSpPr>
+          <p:cNvPr id="32770" name="内容占位符 1"/>
+          <p:cNvSpPr>
+            <a:spLocks noGrp="1"/>
+          </p:cNvSpPr>
+          <p:nvPr>
+            <p:ph idx="1"/>
+          </p:nvPr>
+        </p:nvSpPr>
+        <p:spPr/>
+        <p:txBody>
+          <a:bodyPr/>
+          <a:lstStyle/>
+          <a:p>
+            <a:pPr eaLnBrk="1" hangingPunct="1"/>
+            <a:r>
+              <a:rPr lang="en-US" altLang="zh-CN" sz="3000" b="1" dirty="0"/>
+              <a:t>Fitness is usually based on I/O traces</a:t>
+            </a:r>
+          </a:p>
+          <a:p>
+            <a:pPr eaLnBrk="1" hangingPunct="1"/>
+            <a:r>
+              <a:rPr lang="en-US" altLang="zh-CN" sz="3000" b="1" dirty="0"/>
+              <a:t>Crossover is implemented by randomly swapping </a:t>
+            </a:r>
+            <a:r>
+              <a:rPr lang="en-US" altLang="zh-CN" sz="3000" b="1" dirty="0" err="1"/>
+              <a:t>subtrees</a:t>
+            </a:r>
+            <a:r>
+              <a:rPr lang="en-US" altLang="zh-CN" sz="3000" b="1" dirty="0"/>
+              <a:t> between individuals</a:t>
+            </a:r>
+          </a:p>
+          <a:p>
+            <a:pPr eaLnBrk="1" hangingPunct="1"/>
+            <a:r>
+              <a:rPr lang="en-US" altLang="zh-CN" sz="3000" b="1" dirty="0"/>
+              <a:t>GP usually does not extensively rely on mutation (random nodes or </a:t>
+            </a:r>
+            <a:r>
+              <a:rPr lang="en-US" altLang="zh-CN" sz="3000" b="1" dirty="0" err="1"/>
+              <a:t>subtrees</a:t>
+            </a:r>
+            <a:r>
+              <a:rPr lang="en-US" altLang="zh-CN" sz="3000" b="1" dirty="0"/>
+              <a:t>)</a:t>
+            </a:r>
+          </a:p>
+          <a:p>
+            <a:pPr eaLnBrk="1" hangingPunct="1"/>
+            <a:r>
+              <a:rPr lang="en-US" altLang="zh-CN" sz="3000" b="1" dirty="0"/>
+              <a:t>GPs are usually generational (sometimes with a generation gap)</a:t>
+            </a:r>
+          </a:p>
+          <a:p>
+            <a:pPr eaLnBrk="1" hangingPunct="1"/>
+            <a:r>
+              <a:rPr lang="en-US" altLang="zh-CN" sz="3000" b="1" dirty="0"/>
+              <a:t>GP usually uses huge populations (1M individuals)</a:t>
+            </a:r>
+            <a:endParaRPr lang="zh-CN" altLang="en-US" sz="3000" dirty="0"/>
+          </a:p>
+        </p:txBody>
+      </p:sp>
+      <p:sp>
+        <p:nvSpPr>
+          <p:cNvPr id="3" name="标题 2"/>
+          <p:cNvSpPr>
+            <a:spLocks noGrp="1"/>
+          </p:cNvSpPr>
+          <p:nvPr>
+            <p:ph type="title"/>
+          </p:nvPr>
+        </p:nvSpPr>
+        <p:spPr/>
+        <p:txBody>
+          <a:bodyPr/>
+          <a:lstStyle/>
+          <a:p>
+            <a:pPr eaLnBrk="1" fontAlgn="auto" hangingPunct="1">
+              <a:spcAft>
+                <a:spcPts val="0"/>
+              </a:spcAft>
+              <a:defRPr/>
+            </a:pPr>
+            <a:r>
+              <a:rPr lang="en-US" altLang="zh-CN" dirty="0"/>
+              <a:t>GP operation</a:t>
+            </a:r>
+            <a:endParaRPr lang="zh-CN" altLang="en-US" dirty="0"/>
+          </a:p>
+        </p:txBody>
+      </p:sp>
+    </p:spTree>
+  </p:cSld>
+  <p:clrMapOvr>
+    <a:masterClrMapping/>
+  </p:clrMapOvr>
+</p:sld>
+</file>
+
 <file path=ppt/slides/slide29.xml><?xml version="1.0" encoding="utf-8"?>
 <p:sld xmlns:a="http://schemas.openxmlformats.org/drawingml/2006/main" xmlns:r="http://schemas.openxmlformats.org/officeDocument/2006/relationships" xmlns:p="http://schemas.openxmlformats.org/presentationml/2006/main">
   <p:cSld>
@@ -6334,12 +6326,12 @@
       </p:grpSpPr>
       <p:sp>
         <p:nvSpPr>
-          <p:cNvPr id="32770" name="内容占位符 1"/>
-          <p:cNvSpPr>
-            <a:spLocks noGrp="1"/>
-          </p:cNvSpPr>
-          <p:nvPr>
-            <p:ph idx="1"/>
+          <p:cNvPr id="3" name="标题 2"/>
+          <p:cNvSpPr>
+            <a:spLocks noGrp="1"/>
+          </p:cNvSpPr>
+          <p:nvPr>
+            <p:ph type="title"/>
           </p:nvPr>
         </p:nvSpPr>
         <p:spPr/>
@@ -6347,74 +6339,6 @@
           <a:bodyPr/>
           <a:lstStyle/>
           <a:p>
-            <a:pPr eaLnBrk="1" hangingPunct="1"/>
-            <a:r>
-              <a:rPr lang="en-US" altLang="zh-CN" sz="3000" b="1" dirty="0"/>
-              <a:t>Fitness is usually based on I/O traces</a:t>
-            </a:r>
-          </a:p>
-          <a:p>
-            <a:pPr eaLnBrk="1" hangingPunct="1"/>
-            <a:r>
-              <a:rPr lang="en-US" altLang="zh-CN" sz="3000" b="1" dirty="0"/>
-              <a:t>Crossover is implemented by randomly swapping </a:t>
-            </a:r>
-            <a:r>
-              <a:rPr lang="en-US" altLang="zh-CN" sz="3000" b="1" dirty="0" err="1"/>
-              <a:t>subtrees</a:t>
-            </a:r>
-            <a:r>
-              <a:rPr lang="en-US" altLang="zh-CN" sz="3000" b="1" dirty="0"/>
-              <a:t> between individuals</a:t>
-            </a:r>
-          </a:p>
-          <a:p>
-            <a:pPr eaLnBrk="1" hangingPunct="1"/>
-            <a:r>
-              <a:rPr lang="en-US" altLang="zh-CN" sz="3000" b="1" dirty="0"/>
-              <a:t>GP usually does not extensively rely on mutation (random nodes or </a:t>
-            </a:r>
-            <a:r>
-              <a:rPr lang="en-US" altLang="zh-CN" sz="3000" b="1" dirty="0" err="1"/>
-              <a:t>subtrees</a:t>
-            </a:r>
-            <a:r>
-              <a:rPr lang="en-US" altLang="zh-CN" sz="3000" b="1" dirty="0"/>
-              <a:t>)</a:t>
-            </a:r>
-          </a:p>
-          <a:p>
-            <a:pPr eaLnBrk="1" hangingPunct="1"/>
-            <a:r>
-              <a:rPr lang="en-US" altLang="zh-CN" sz="3000" b="1" dirty="0"/>
-              <a:t>GPs are usually generational (sometimes with a generation gap)</a:t>
-            </a:r>
-          </a:p>
-          <a:p>
-            <a:pPr eaLnBrk="1" hangingPunct="1"/>
-            <a:r>
-              <a:rPr lang="en-US" altLang="zh-CN" sz="3000" b="1" dirty="0"/>
-              <a:t>GP usually uses huge populations (1M individuals)</a:t>
-            </a:r>
-            <a:endParaRPr lang="zh-CN" altLang="en-US" sz="3000" dirty="0"/>
-          </a:p>
-        </p:txBody>
-      </p:sp>
-      <p:sp>
-        <p:nvSpPr>
-          <p:cNvPr id="3" name="标题 2"/>
-          <p:cNvSpPr>
-            <a:spLocks noGrp="1"/>
-          </p:cNvSpPr>
-          <p:nvPr>
-            <p:ph type="title"/>
-          </p:nvPr>
-        </p:nvSpPr>
-        <p:spPr/>
-        <p:txBody>
-          <a:bodyPr/>
-          <a:lstStyle/>
-          <a:p>
             <a:pPr eaLnBrk="1" fontAlgn="auto" hangingPunct="1">
               <a:spcAft>
                 <a:spcPts val="0"/>
@@ -6423,12 +6347,44 @@
             </a:pPr>
             <a:r>
               <a:rPr lang="en-US" altLang="zh-CN" dirty="0"/>
-              <a:t>GP operation</a:t>
+              <a:t>Example: GP crossover</a:t>
             </a:r>
             <a:endParaRPr lang="zh-CN" altLang="en-US" dirty="0"/>
           </a:p>
         </p:txBody>
       </p:sp>
+      <p:pic>
+        <p:nvPicPr>
+          <p:cNvPr id="33795" name="Picture 2"/>
+          <p:cNvPicPr>
+            <a:picLocks noChangeAspect="1" noChangeArrowheads="1"/>
+          </p:cNvPicPr>
+          <p:nvPr/>
+        </p:nvPicPr>
+        <p:blipFill>
+          <a:blip r:embed="rId2" cstate="email"/>
+          <a:srcRect/>
+          <a:stretch>
+            <a:fillRect/>
+          </a:stretch>
+        </p:blipFill>
+        <p:spPr bwMode="auto">
+          <a:xfrm>
+            <a:off x="1195388" y="1695450"/>
+            <a:ext cx="7643812" cy="4781550"/>
+          </a:xfrm>
+          <a:prstGeom prst="rect">
+            <a:avLst/>
+          </a:prstGeom>
+          <a:noFill/>
+          <a:ln w="9525">
+            <a:noFill/>
+            <a:miter lim="800000"/>
+            <a:headEnd/>
+            <a:tailEnd/>
+          </a:ln>
+        </p:spPr>
+      </p:pic>
     </p:spTree>
   </p:cSld>
   <p:clrMapOvr>
@@ -6605,12 +6561,12 @@
       </p:grpSpPr>
       <p:sp>
         <p:nvSpPr>
-          <p:cNvPr id="3" name="标题 2"/>
-          <p:cNvSpPr>
-            <a:spLocks noGrp="1"/>
-          </p:cNvSpPr>
-          <p:nvPr>
-            <p:ph type="title"/>
+          <p:cNvPr id="34818" name="内容占位符 1"/>
+          <p:cNvSpPr>
+            <a:spLocks noGrp="1"/>
+          </p:cNvSpPr>
+          <p:nvPr>
+            <p:ph idx="1"/>
           </p:nvPr>
         </p:nvSpPr>
         <p:spPr/>
@@ -6618,6 +6574,51 @@
           <a:bodyPr/>
           <a:lstStyle/>
           <a:p>
+            <a:pPr eaLnBrk="1" hangingPunct="1"/>
+            <a:r>
+              <a:rPr lang="en-US" altLang="zh-CN" sz="3200" b="1" dirty="0"/>
+              <a:t>More flexible representation</a:t>
+            </a:r>
+          </a:p>
+          <a:p>
+            <a:pPr eaLnBrk="1" hangingPunct="1"/>
+            <a:r>
+              <a:rPr lang="en-US" altLang="zh-CN" sz="3200" b="1" dirty="0"/>
+              <a:t>Greater application spectrum</a:t>
+            </a:r>
+          </a:p>
+          <a:p>
+            <a:pPr eaLnBrk="1" hangingPunct="1"/>
+            <a:r>
+              <a:rPr lang="en-US" altLang="zh-CN" sz="3200" b="1" dirty="0"/>
+              <a:t>If tractable, evolving a way to make “things” is more useful than evolving the “things”.</a:t>
+            </a:r>
+          </a:p>
+          <a:p>
+            <a:pPr eaLnBrk="1" hangingPunct="1"/>
+            <a:r>
+              <a:rPr lang="en-US" altLang="zh-CN" sz="3200" b="1" dirty="0"/>
+              <a:t>Example: evolving a learning rule for neural networks vs. evolving the weights of a particular NN.</a:t>
+            </a:r>
+            <a:endParaRPr lang="zh-CN" altLang="en-US" sz="3200" dirty="0"/>
+          </a:p>
+        </p:txBody>
+      </p:sp>
+      <p:sp>
+        <p:nvSpPr>
+          <p:cNvPr id="3" name="标题 2"/>
+          <p:cNvSpPr>
+            <a:spLocks noGrp="1"/>
+          </p:cNvSpPr>
+          <p:nvPr>
+            <p:ph type="title"/>
+          </p:nvPr>
+        </p:nvSpPr>
+        <p:spPr/>
+        <p:txBody>
+          <a:bodyPr/>
+          <a:lstStyle/>
+          <a:p>
             <a:pPr eaLnBrk="1" fontAlgn="auto" hangingPunct="1">
               <a:spcAft>
                 <a:spcPts val="0"/>
@@ -6626,44 +6627,12 @@
             </a:pPr>
             <a:r>
               <a:rPr lang="en-US" altLang="zh-CN" dirty="0"/>
-              <a:t>Example: GP crossover</a:t>
+              <a:t>Advantages of GP over GAs</a:t>
             </a:r>
             <a:endParaRPr lang="zh-CN" altLang="en-US" dirty="0"/>
           </a:p>
         </p:txBody>
       </p:sp>
-      <p:pic>
-        <p:nvPicPr>
-          <p:cNvPr id="33795" name="Picture 2"/>
-          <p:cNvPicPr>
-            <a:picLocks noChangeAspect="1" noChangeArrowheads="1"/>
-          </p:cNvPicPr>
-          <p:nvPr/>
-        </p:nvPicPr>
-        <p:blipFill>
-          <a:blip r:embed="rId2" cstate="email"/>
-          <a:srcRect/>
-          <a:stretch>
-            <a:fillRect/>
-          </a:stretch>
-        </p:blipFill>
-        <p:spPr bwMode="auto">
-          <a:xfrm>
-            <a:off x="1195388" y="1695450"/>
-            <a:ext cx="7643812" cy="4781550"/>
-          </a:xfrm>
-          <a:prstGeom prst="rect">
-            <a:avLst/>
-          </a:prstGeom>
-          <a:noFill/>
-          <a:ln w="9525">
-            <a:noFill/>
-            <a:miter lim="800000"/>
-            <a:headEnd/>
-            <a:tailEnd/>
-          </a:ln>
-        </p:spPr>
-      </p:pic>
     </p:spTree>
   </p:cSld>
   <p:clrMapOvr>
@@ -6691,7 +6660,7 @@
       </p:grpSpPr>
       <p:sp>
         <p:nvSpPr>
-          <p:cNvPr id="34818" name="内容占位符 1"/>
+          <p:cNvPr id="35842" name="内容占位符 1"/>
           <p:cNvSpPr>
             <a:spLocks noGrp="1"/>
           </p:cNvSpPr>
@@ -6699,7 +6668,12 @@
             <p:ph idx="1"/>
           </p:nvPr>
         </p:nvSpPr>
-        <p:spPr/>
+        <p:spPr>
+          <a:xfrm>
+            <a:off x="1143000" y="2000250"/>
+            <a:ext cx="7391400" cy="4006850"/>
+          </a:xfrm>
+        </p:spPr>
         <p:txBody>
           <a:bodyPr/>
           <a:lstStyle/>
@@ -6707,30 +6681,22 @@
             <a:pPr eaLnBrk="1" hangingPunct="1"/>
             <a:r>
               <a:rPr lang="en-US" altLang="zh-CN" sz="3200" b="1" dirty="0"/>
-              <a:t>More flexible representation</a:t>
+              <a:t>Extremely slow</a:t>
             </a:r>
           </a:p>
           <a:p>
             <a:pPr eaLnBrk="1" hangingPunct="1"/>
             <a:r>
               <a:rPr lang="en-US" altLang="zh-CN" sz="3200" b="1" dirty="0"/>
-              <a:t>Greater application spectrum</a:t>
+              <a:t>Very poor handling of numbers</a:t>
             </a:r>
           </a:p>
           <a:p>
             <a:pPr eaLnBrk="1" hangingPunct="1"/>
             <a:r>
               <a:rPr lang="en-US" altLang="zh-CN" sz="3200" b="1" dirty="0"/>
-              <a:t>If tractable, evolving a way to make “things” is more useful than evolving the “things”.</a:t>
-            </a:r>
-          </a:p>
-          <a:p>
-            <a:pPr eaLnBrk="1" hangingPunct="1"/>
-            <a:r>
-              <a:rPr lang="en-US" altLang="zh-CN" sz="3200" b="1" dirty="0"/>
-              <a:t>Example: evolving a learning rule for neural networks vs. evolving the weights of a particular NN.</a:t>
-            </a:r>
-            <a:endParaRPr lang="zh-CN" altLang="en-US" sz="3200" dirty="0"/>
+              <a:t>Very large populations needed</a:t>
+            </a:r>
           </a:p>
         </p:txBody>
       </p:sp>
@@ -6746,7 +6712,9 @@
         </p:nvSpPr>
         <p:spPr/>
         <p:txBody>
-          <a:bodyPr/>
+          <a:bodyPr>
+            <a:normAutofit fontScale="90000"/>
+          </a:bodyPr>
           <a:lstStyle/>
           <a:p>
             <a:pPr eaLnBrk="1" fontAlgn="auto" hangingPunct="1">
@@ -6757,7 +6725,7 @@
             </a:pPr>
             <a:r>
               <a:rPr lang="en-US" altLang="zh-CN" dirty="0"/>
-              <a:t>Advantages of GP over GAs</a:t>
+              <a:t>Disadvantages of Genetic Programming</a:t>
             </a:r>
             <a:endParaRPr lang="zh-CN" altLang="en-US" dirty="0"/>
           </a:p>
@@ -6790,7 +6758,7 @@
       </p:grpSpPr>
       <p:sp>
         <p:nvSpPr>
-          <p:cNvPr id="35842" name="内容占位符 1"/>
+          <p:cNvPr id="2" name="内容占位符 1"/>
           <p:cNvSpPr>
             <a:spLocks noGrp="1"/>
           </p:cNvSpPr>
@@ -6798,55 +6766,172 @@
             <p:ph idx="1"/>
           </p:nvPr>
         </p:nvSpPr>
-        <p:spPr>
-          <a:xfrm>
-            <a:off x="1143000" y="2000250"/>
-            <a:ext cx="7391400" cy="4006850"/>
-          </a:xfrm>
-        </p:spPr>
+        <p:spPr/>
+        <p:txBody>
+          <a:bodyPr>
+            <a:normAutofit fontScale="85000" lnSpcReduction="10000"/>
+          </a:bodyPr>
+          <a:lstStyle/>
+          <a:p>
+            <a:pPr marL="365760" indent="-256032" eaLnBrk="1" fontAlgn="auto" hangingPunct="1">
+              <a:spcAft>
+                <a:spcPts val="0"/>
+              </a:spcAft>
+              <a:buFont typeface="Wingdings 3"/>
+              <a:buChar char=""/>
+              <a:defRPr/>
+            </a:pPr>
+            <a:r>
+              <a:rPr lang="en-US" altLang="zh-CN" sz="3000" b="1" dirty="0"/>
+              <a:t>Genetic programming with linear genomes (Wolfgang </a:t>
+            </a:r>
+            <a:r>
+              <a:rPr lang="en-US" altLang="zh-CN" sz="3000" b="1" dirty="0" err="1"/>
+              <a:t>Banzaf</a:t>
+            </a:r>
+            <a:r>
+              <a:rPr lang="en-US" altLang="zh-CN" sz="3000" b="1" dirty="0"/>
+              <a:t>)</a:t>
+            </a:r>
+          </a:p>
+          <a:p>
+            <a:pPr marL="621792" lvl="1" eaLnBrk="1" fontAlgn="auto" hangingPunct="1">
+              <a:spcBef>
+                <a:spcPts val="324"/>
+              </a:spcBef>
+              <a:spcAft>
+                <a:spcPts val="0"/>
+              </a:spcAft>
+              <a:buFont typeface="Verdana"/>
+              <a:buChar char="◦"/>
+              <a:defRPr/>
+            </a:pPr>
+            <a:r>
+              <a:rPr lang="en-US" altLang="zh-CN" sz="2600" dirty="0"/>
+              <a:t>Kind of going back to the evolution of binary program codes</a:t>
+            </a:r>
+          </a:p>
+          <a:p>
+            <a:pPr marL="365760" indent="-256032" eaLnBrk="1" fontAlgn="auto" hangingPunct="1">
+              <a:spcAft>
+                <a:spcPts val="0"/>
+              </a:spcAft>
+              <a:buFont typeface="Wingdings 3"/>
+              <a:buChar char=""/>
+              <a:defRPr/>
+            </a:pPr>
+            <a:r>
+              <a:rPr lang="en-US" altLang="zh-CN" sz="3000" b="1" dirty="0"/>
+              <a:t>Hybrids of GP and other methods that better handle numbers:</a:t>
+            </a:r>
+          </a:p>
+          <a:p>
+            <a:pPr marL="621792" lvl="1" eaLnBrk="1" fontAlgn="auto" hangingPunct="1">
+              <a:spcBef>
+                <a:spcPts val="324"/>
+              </a:spcBef>
+              <a:spcAft>
+                <a:spcPts val="0"/>
+              </a:spcAft>
+              <a:buFont typeface="Verdana"/>
+              <a:buChar char="◦"/>
+              <a:defRPr/>
+            </a:pPr>
+            <a:r>
+              <a:rPr lang="en-US" altLang="zh-CN" sz="2600" dirty="0"/>
+              <a:t>Least squares methods</a:t>
+            </a:r>
+          </a:p>
+          <a:p>
+            <a:pPr marL="621792" lvl="1" eaLnBrk="1" fontAlgn="auto" hangingPunct="1">
+              <a:spcBef>
+                <a:spcPts val="324"/>
+              </a:spcBef>
+              <a:spcAft>
+                <a:spcPts val="0"/>
+              </a:spcAft>
+              <a:buFont typeface="Verdana"/>
+              <a:buChar char="◦"/>
+              <a:defRPr/>
+            </a:pPr>
+            <a:r>
+              <a:rPr lang="en-US" altLang="zh-CN" sz="2600" dirty="0"/>
+              <a:t>Gradient based optimizers</a:t>
+            </a:r>
+          </a:p>
+          <a:p>
+            <a:pPr marL="621792" lvl="1" eaLnBrk="1" fontAlgn="auto" hangingPunct="1">
+              <a:spcBef>
+                <a:spcPts val="324"/>
+              </a:spcBef>
+              <a:spcAft>
+                <a:spcPts val="0"/>
+              </a:spcAft>
+              <a:buFont typeface="Verdana"/>
+              <a:buChar char="◦"/>
+              <a:defRPr/>
+            </a:pPr>
+            <a:r>
+              <a:rPr lang="en-US" altLang="zh-CN" sz="2600" dirty="0"/>
+              <a:t>Genetic algorithms, other evolutionary computation methods</a:t>
+            </a:r>
+          </a:p>
+          <a:p>
+            <a:pPr marL="365760" indent="-256032" eaLnBrk="1" fontAlgn="auto" hangingPunct="1">
+              <a:spcAft>
+                <a:spcPts val="0"/>
+              </a:spcAft>
+              <a:buFont typeface="Wingdings 3"/>
+              <a:buChar char=""/>
+              <a:defRPr/>
+            </a:pPr>
+            <a:r>
+              <a:rPr lang="en-US" altLang="zh-CN" sz="3000" b="1" dirty="0"/>
+              <a:t>Evolving things other than programs</a:t>
+            </a:r>
+          </a:p>
+          <a:p>
+            <a:pPr marL="621792" lvl="1" eaLnBrk="1" fontAlgn="auto" hangingPunct="1">
+              <a:spcBef>
+                <a:spcPts val="324"/>
+              </a:spcBef>
+              <a:spcAft>
+                <a:spcPts val="0"/>
+              </a:spcAft>
+              <a:buFont typeface="Verdana"/>
+              <a:buChar char="◦"/>
+              <a:defRPr/>
+            </a:pPr>
+            <a:r>
+              <a:rPr lang="en-US" altLang="zh-CN" sz="2600" dirty="0"/>
+              <a:t>Example: electric circuits represented as trees (</a:t>
+            </a:r>
+            <a:r>
+              <a:rPr lang="en-US" altLang="zh-CN" sz="2600" dirty="0" err="1"/>
+              <a:t>Koza</a:t>
+            </a:r>
+            <a:r>
+              <a:rPr lang="en-US" altLang="zh-CN" sz="2600" dirty="0"/>
+              <a:t>, AI in design 1996)</a:t>
+            </a:r>
+          </a:p>
+        </p:txBody>
+      </p:sp>
+      <p:sp>
+        <p:nvSpPr>
+          <p:cNvPr id="3" name="标题 2"/>
+          <p:cNvSpPr>
+            <a:spLocks noGrp="1"/>
+          </p:cNvSpPr>
+          <p:nvPr>
+            <p:ph type="title"/>
+          </p:nvPr>
+        </p:nvSpPr>
+        <p:spPr/>
         <p:txBody>
           <a:bodyPr/>
           <a:lstStyle/>
           <a:p>
-            <a:pPr eaLnBrk="1" hangingPunct="1"/>
-            <a:r>
-              <a:rPr lang="en-US" altLang="zh-CN" sz="3200" b="1" dirty="0"/>
-              <a:t>Extremely slow</a:t>
-            </a:r>
-          </a:p>
-          <a:p>
-            <a:pPr eaLnBrk="1" hangingPunct="1"/>
-            <a:r>
-              <a:rPr lang="en-US" altLang="zh-CN" sz="3200" b="1" dirty="0"/>
-              <a:t>Very poor handling of numbers</a:t>
-            </a:r>
-          </a:p>
-          <a:p>
-            <a:pPr eaLnBrk="1" hangingPunct="1"/>
-            <a:r>
-              <a:rPr lang="en-US" altLang="zh-CN" sz="3200" b="1" dirty="0"/>
-              <a:t>Very large populations needed</a:t>
-            </a:r>
-          </a:p>
-        </p:txBody>
-      </p:sp>
-      <p:sp>
-        <p:nvSpPr>
-          <p:cNvPr id="3" name="标题 2"/>
-          <p:cNvSpPr>
-            <a:spLocks noGrp="1"/>
-          </p:cNvSpPr>
-          <p:nvPr>
-            <p:ph type="title"/>
-          </p:nvPr>
-        </p:nvSpPr>
-        <p:spPr/>
-        <p:txBody>
-          <a:bodyPr>
-            <a:normAutofit fontScale="90000"/>
-          </a:bodyPr>
-          <a:lstStyle/>
-          <a:p>
             <a:pPr eaLnBrk="1" fontAlgn="auto" hangingPunct="1">
               <a:spcAft>
                 <a:spcPts val="0"/>
@@ -6855,7 +6940,7 @@
             </a:pPr>
             <a:r>
               <a:rPr lang="en-US" altLang="zh-CN" dirty="0"/>
-              <a:t>Disadvantages of Genetic Programming</a:t>
+              <a:t>GP variants</a:t>
             </a:r>
             <a:endParaRPr lang="zh-CN" altLang="en-US" dirty="0"/>
           </a:p>
@@ -6899,7 +6984,7 @@
         <p:spPr/>
         <p:txBody>
           <a:bodyPr>
-            <a:normAutofit fontScale="85000" lnSpcReduction="10000"/>
+            <a:normAutofit fontScale="85000" lnSpcReduction="20000"/>
           </a:bodyPr>
           <a:lstStyle/>
           <a:p>
@@ -6913,15 +6998,35 @@
             </a:pPr>
             <a:r>
               <a:rPr lang="en-US" altLang="zh-CN" sz="3000" b="1" dirty="0"/>
-              <a:t>Genetic programming with linear genomes (Wolfgang </a:t>
-            </a:r>
-            <a:r>
-              <a:rPr lang="en-US" altLang="zh-CN" sz="3000" b="1" dirty="0" err="1"/>
-              <a:t>Banzaf</a:t>
-            </a:r>
+              <a:t>Were invented to solve numerical optimization problems</a:t>
+            </a:r>
+          </a:p>
+          <a:p>
+            <a:pPr marL="365760" indent="-256032" eaLnBrk="1" fontAlgn="auto" hangingPunct="1">
+              <a:spcAft>
+                <a:spcPts val="0"/>
+              </a:spcAft>
+              <a:buFont typeface="Wingdings 3"/>
+              <a:buChar char=""/>
+              <a:defRPr/>
+            </a:pPr>
             <a:r>
               <a:rPr lang="en-US" altLang="zh-CN" sz="3000" b="1" dirty="0"/>
-              <a:t>)</a:t>
+              <a:t>Originated in Europe in the 1960s</a:t>
+            </a:r>
+          </a:p>
+          <a:p>
+            <a:pPr marL="365760" indent="-256032" eaLnBrk="1" fontAlgn="auto" hangingPunct="1">
+              <a:spcAft>
+                <a:spcPts val="0"/>
+              </a:spcAft>
+              <a:buFont typeface="Wingdings 3"/>
+              <a:buChar char=""/>
+              <a:defRPr/>
+            </a:pPr>
+            <a:r>
+              <a:rPr lang="en-US" altLang="zh-CN" sz="3000" b="1" dirty="0"/>
+              <a:t>Initially: two-member or (1+1) ES:</a:t>
             </a:r>
           </a:p>
           <a:p>
@@ -6938,21 +7043,7 @@
             </a:pPr>
             <a:r>
               <a:rPr lang="en-US" altLang="zh-CN" sz="2600" dirty="0"/>
-              <a:t>Kind of going back to the evolution of binary program codes</a:t>
-            </a:r>
-          </a:p>
-          <a:p>
-            <a:pPr marL="365760" indent="-256032" eaLnBrk="1" fontAlgn="auto" hangingPunct="1">
-              <a:spcAft>
-                <a:spcPts val="0"/>
-              </a:spcAft>
-              <a:buFont typeface="Wingdings 3"/>
-              <a:buChar char=""/>
-              <a:defRPr/>
-            </a:pPr>
-            <a:r>
-              <a:rPr lang="en-US" altLang="zh-CN" sz="3000" b="1" dirty="0"/>
-              <a:t>Hybrids of GP and other methods that better handle numbers:</a:t>
+              <a:t>one PARENT generates one OFFSPRING per GENERATION</a:t>
             </a:r>
           </a:p>
           <a:p>
@@ -6969,7 +7060,7 @@
             </a:pPr>
             <a:r>
               <a:rPr lang="en-US" altLang="zh-CN" sz="2600" dirty="0"/>
-              <a:t>Least squares methods</a:t>
+              <a:t>by applying normally distributed (Gaussian) mutations</a:t>
             </a:r>
           </a:p>
           <a:p>
@@ -6986,7 +7077,7 @@
             </a:pPr>
             <a:r>
               <a:rPr lang="en-US" altLang="zh-CN" sz="2600" dirty="0"/>
-              <a:t>Gradient based optimizers</a:t>
+              <a:t>until offspring is better and replaces parent</a:t>
             </a:r>
           </a:p>
           <a:p>
@@ -7003,7 +7094,7 @@
             </a:pPr>
             <a:r>
               <a:rPr lang="en-US" altLang="zh-CN" sz="2600" dirty="0"/>
-              <a:t>Genetic algorithms, other evolutionary computation methods</a:t>
+              <a:t>This simple structure allowed theoretical results to be obtained (speed of convergence, mutation size)</a:t>
             </a:r>
           </a:p>
           <a:p>
@@ -7017,33 +7108,17 @@
             </a:pPr>
             <a:r>
               <a:rPr lang="en-US" altLang="zh-CN" sz="3000" b="1" dirty="0"/>
-              <a:t>Evolving things other than programs</a:t>
-            </a:r>
-          </a:p>
-          <a:p>
-            <a:pPr marL="621792" lvl="1" eaLnBrk="1" fontAlgn="auto" hangingPunct="1">
-              <a:spcBef>
-                <a:spcPts val="324"/>
-              </a:spcBef>
-              <a:spcAft>
-                <a:spcPts val="0"/>
-              </a:spcAft>
-              <a:buFont typeface="Verdana"/>
-              <a:buChar char="◦"/>
-              <a:defRPr/>
-            </a:pPr>
-            <a:r>
-              <a:rPr lang="en-US" altLang="zh-CN" sz="2600" dirty="0"/>
-              <a:t>Example: electric circuits represented as trees (</a:t>
-            </a:r>
-            <a:r>
-              <a:rPr lang="en-US" altLang="zh-CN" sz="2600" dirty="0" err="1"/>
-              <a:t>Koza</a:t>
-            </a:r>
-            <a:r>
-              <a:rPr lang="en-US" altLang="zh-CN" sz="2600" dirty="0"/>
-              <a:t>, AI in design 1996)</a:t>
-            </a:r>
+              <a:t>Later: enhanced to a (</a:t>
+            </a:r>
+            <a:r>
+              <a:rPr lang="el-GR" altLang="zh-CN" sz="3000" b="1" dirty="0"/>
+              <a:t>μ</a:t>
+            </a:r>
+            <a:r>
+              <a:rPr lang="en-US" altLang="zh-CN" sz="3000" b="1" dirty="0"/>
+              <a:t>+1) strategy which incorporated crossover</a:t>
+            </a:r>
+            <a:endParaRPr lang="zh-CN" altLang="en-US" sz="3000" dirty="0"/>
           </a:p>
         </p:txBody>
       </p:sp>
@@ -7070,7 +7145,7 @@
             </a:pPr>
             <a:r>
               <a:rPr lang="en-US" altLang="zh-CN" dirty="0"/>
-              <a:t>GP variants</a:t>
+              <a:t>Evolution Strategies (ES)</a:t>
             </a:r>
             <a:endParaRPr lang="zh-CN" altLang="en-US" dirty="0"/>
           </a:p>
@@ -7085,211 +7160,6 @@
 </file>
 
 <file path=ppt/slides/slide34.xml><?xml version="1.0" encoding="utf-8"?>
-<p:sld xmlns:a="http://schemas.openxmlformats.org/drawingml/2006/main" xmlns:r="http://schemas.openxmlformats.org/officeDocument/2006/relationships" xmlns:p="http://schemas.openxmlformats.org/presentationml/2006/main">
-  <p:cSld>
-    <p:spTree>
-      <p:nvGrpSpPr>
-        <p:cNvPr id="1" name=""/>
-        <p:cNvGrpSpPr/>
-        <p:nvPr/>
-      </p:nvGrpSpPr>
-      <p:grpSpPr>
-        <a:xfrm>
-          <a:off x="0" y="0"/>
-          <a:ext cx="0" cy="0"/>
-          <a:chOff x="0" y="0"/>
-          <a:chExt cx="0" cy="0"/>
-        </a:xfrm>
-      </p:grpSpPr>
-      <p:sp>
-        <p:nvSpPr>
-          <p:cNvPr id="2" name="内容占位符 1"/>
-          <p:cNvSpPr>
-            <a:spLocks noGrp="1"/>
-          </p:cNvSpPr>
-          <p:nvPr>
-            <p:ph idx="1"/>
-          </p:nvPr>
-        </p:nvSpPr>
-        <p:spPr/>
-        <p:txBody>
-          <a:bodyPr>
-            <a:normAutofit fontScale="85000" lnSpcReduction="20000"/>
-          </a:bodyPr>
-          <a:lstStyle/>
-          <a:p>
-            <a:pPr marL="365760" indent="-256032" eaLnBrk="1" fontAlgn="auto" hangingPunct="1">
-              <a:spcAft>
-                <a:spcPts val="0"/>
-              </a:spcAft>
-              <a:buFont typeface="Wingdings 3"/>
-              <a:buChar char=""/>
-              <a:defRPr/>
-            </a:pPr>
-            <a:r>
-              <a:rPr lang="en-US" altLang="zh-CN" sz="3000" b="1" dirty="0"/>
-              <a:t>Were invented to solve numerical optimization problems</a:t>
-            </a:r>
-          </a:p>
-          <a:p>
-            <a:pPr marL="365760" indent="-256032" eaLnBrk="1" fontAlgn="auto" hangingPunct="1">
-              <a:spcAft>
-                <a:spcPts val="0"/>
-              </a:spcAft>
-              <a:buFont typeface="Wingdings 3"/>
-              <a:buChar char=""/>
-              <a:defRPr/>
-            </a:pPr>
-            <a:r>
-              <a:rPr lang="en-US" altLang="zh-CN" sz="3000" b="1" dirty="0"/>
-              <a:t>Originated in Europe in the 1960s</a:t>
-            </a:r>
-          </a:p>
-          <a:p>
-            <a:pPr marL="365760" indent="-256032" eaLnBrk="1" fontAlgn="auto" hangingPunct="1">
-              <a:spcAft>
-                <a:spcPts val="0"/>
-              </a:spcAft>
-              <a:buFont typeface="Wingdings 3"/>
-              <a:buChar char=""/>
-              <a:defRPr/>
-            </a:pPr>
-            <a:r>
-              <a:rPr lang="en-US" altLang="zh-CN" sz="3000" b="1" dirty="0"/>
-              <a:t>Initially: two-member or (1+1) ES:</a:t>
-            </a:r>
-          </a:p>
-          <a:p>
-            <a:pPr marL="621792" lvl="1" eaLnBrk="1" fontAlgn="auto" hangingPunct="1">
-              <a:spcBef>
-                <a:spcPts val="324"/>
-              </a:spcBef>
-              <a:spcAft>
-                <a:spcPts val="0"/>
-              </a:spcAft>
-              <a:buFont typeface="Verdana"/>
-              <a:buChar char="◦"/>
-              <a:defRPr/>
-            </a:pPr>
-            <a:r>
-              <a:rPr lang="en-US" altLang="zh-CN" sz="2600" dirty="0"/>
-              <a:t>one PARENT generates one OFFSPRING per GENERATION</a:t>
-            </a:r>
-          </a:p>
-          <a:p>
-            <a:pPr marL="621792" lvl="1" eaLnBrk="1" fontAlgn="auto" hangingPunct="1">
-              <a:spcBef>
-                <a:spcPts val="324"/>
-              </a:spcBef>
-              <a:spcAft>
-                <a:spcPts val="0"/>
-              </a:spcAft>
-              <a:buFont typeface="Verdana"/>
-              <a:buChar char="◦"/>
-              <a:defRPr/>
-            </a:pPr>
-            <a:r>
-              <a:rPr lang="en-US" altLang="zh-CN" sz="2600" dirty="0"/>
-              <a:t>by applying normally distributed (Gaussian) mutations</a:t>
-            </a:r>
-          </a:p>
-          <a:p>
-            <a:pPr marL="621792" lvl="1" eaLnBrk="1" fontAlgn="auto" hangingPunct="1">
-              <a:spcBef>
-                <a:spcPts val="324"/>
-              </a:spcBef>
-              <a:spcAft>
-                <a:spcPts val="0"/>
-              </a:spcAft>
-              <a:buFont typeface="Verdana"/>
-              <a:buChar char="◦"/>
-              <a:defRPr/>
-            </a:pPr>
-            <a:r>
-              <a:rPr lang="en-US" altLang="zh-CN" sz="2600" dirty="0"/>
-              <a:t>until offspring is better and replaces parent</a:t>
-            </a:r>
-          </a:p>
-          <a:p>
-            <a:pPr marL="621792" lvl="1" eaLnBrk="1" fontAlgn="auto" hangingPunct="1">
-              <a:spcBef>
-                <a:spcPts val="324"/>
-              </a:spcBef>
-              <a:spcAft>
-                <a:spcPts val="0"/>
-              </a:spcAft>
-              <a:buFont typeface="Verdana"/>
-              <a:buChar char="◦"/>
-              <a:defRPr/>
-            </a:pPr>
-            <a:r>
-              <a:rPr lang="en-US" altLang="zh-CN" sz="2600" dirty="0"/>
-              <a:t>This simple structure allowed theoretical results to be obtained (speed of convergence, mutation size)</a:t>
-            </a:r>
-          </a:p>
-          <a:p>
-            <a:pPr marL="365760" indent="-256032" eaLnBrk="1" fontAlgn="auto" hangingPunct="1">
-              <a:spcAft>
-                <a:spcPts val="0"/>
-              </a:spcAft>
-              <a:buFont typeface="Wingdings 3"/>
-              <a:buChar char=""/>
-              <a:defRPr/>
-            </a:pPr>
-            <a:r>
-              <a:rPr lang="en-US" altLang="zh-CN" sz="3000" b="1" dirty="0"/>
-              <a:t>Later: enhanced to a (</a:t>
-            </a:r>
-            <a:r>
-              <a:rPr lang="el-GR" altLang="zh-CN" sz="3000" b="1" dirty="0"/>
-              <a:t>μ</a:t>
-            </a:r>
-            <a:r>
-              <a:rPr lang="en-US" altLang="zh-CN" sz="3000" b="1" dirty="0"/>
-              <a:t>+1) strategy which incorporated crossover</a:t>
-            </a:r>
-            <a:endParaRPr lang="zh-CN" altLang="en-US" sz="3000" dirty="0"/>
-          </a:p>
-        </p:txBody>
-      </p:sp>
-      <p:sp>
-        <p:nvSpPr>
-          <p:cNvPr id="3" name="标题 2"/>
-          <p:cNvSpPr>
-            <a:spLocks noGrp="1"/>
-          </p:cNvSpPr>
-          <p:nvPr>
-            <p:ph type="title"/>
-          </p:nvPr>
-        </p:nvSpPr>
-        <p:spPr/>
-        <p:txBody>
-          <a:bodyPr/>
-          <a:lstStyle/>
-          <a:p>
-            <a:pPr eaLnBrk="1" fontAlgn="auto" hangingPunct="1">
-              <a:spcAft>
-                <a:spcPts val="0"/>
-              </a:spcAft>
-              <a:defRPr/>
-            </a:pPr>
-            <a:r>
-              <a:rPr lang="en-US" altLang="zh-CN" dirty="0"/>
-              <a:t>Evolution Strategies (ES)</a:t>
-            </a:r>
-            <a:endParaRPr lang="zh-CN" altLang="en-US" dirty="0"/>
-          </a:p>
-        </p:txBody>
-      </p:sp>
-    </p:spTree>
-  </p:cSld>
-  <p:clrMapOvr>
-    <a:masterClrMapping/>
-  </p:clrMapOvr>
-</p:sld>
-</file>
-
-<file path=ppt/slides/slide35.xml><?xml version="1.0" encoding="utf-8"?>
 <p:sld xmlns:a="http://schemas.openxmlformats.org/drawingml/2006/main" xmlns:r="http://schemas.openxmlformats.org/officeDocument/2006/relationships" xmlns:p="http://schemas.openxmlformats.org/presentationml/2006/main">
   <p:cSld>
     <p:spTree>
@@ -7375,6 +7245,130 @@
 </p:sld>
 </file>
 
+<file path=ppt/slides/slide35.xml><?xml version="1.0" encoding="utf-8"?>
+<p:sld xmlns:a="http://schemas.openxmlformats.org/drawingml/2006/main" xmlns:r="http://schemas.openxmlformats.org/officeDocument/2006/relationships" xmlns:p="http://schemas.openxmlformats.org/presentationml/2006/main">
+  <p:cSld>
+    <p:spTree>
+      <p:nvGrpSpPr>
+        <p:cNvPr id="1" name=""/>
+        <p:cNvGrpSpPr/>
+        <p:nvPr/>
+      </p:nvGrpSpPr>
+      <p:grpSpPr>
+        <a:xfrm>
+          <a:off x="0" y="0"/>
+          <a:ext cx="0" cy="0"/>
+          <a:chOff x="0" y="0"/>
+          <a:chExt cx="0" cy="0"/>
+        </a:xfrm>
+      </p:grpSpPr>
+      <p:sp>
+        <p:nvSpPr>
+          <p:cNvPr id="39938" name="内容占位符 1"/>
+          <p:cNvSpPr>
+            <a:spLocks noGrp="1"/>
+          </p:cNvSpPr>
+          <p:nvPr>
+            <p:ph idx="1"/>
+          </p:nvPr>
+        </p:nvSpPr>
+        <p:spPr/>
+        <p:txBody>
+          <a:bodyPr/>
+          <a:lstStyle/>
+          <a:p>
+            <a:pPr eaLnBrk="1" hangingPunct="1"/>
+            <a:r>
+              <a:rPr lang="en-US" altLang="zh-CN" sz="3000" b="1"/>
+              <a:t>Schwefel introduced the multi-membered ESs now denoted by (</a:t>
+            </a:r>
+            <a:r>
+              <a:rPr lang="el-GR" altLang="zh-CN" sz="3000" b="1"/>
+              <a:t>μ </a:t>
+            </a:r>
+            <a:r>
+              <a:rPr lang="en-US" altLang="zh-CN" sz="3000" b="1"/>
+              <a:t>+λ) and (</a:t>
+            </a:r>
+            <a:r>
+              <a:rPr lang="el-GR" altLang="zh-CN" sz="3000" b="1"/>
+              <a:t>μ</a:t>
+            </a:r>
+            <a:r>
+              <a:rPr lang="en-US" altLang="zh-CN" sz="3000" b="1"/>
+              <a:t>, λ)</a:t>
+            </a:r>
+          </a:p>
+          <a:p>
+            <a:pPr eaLnBrk="1" hangingPunct="1"/>
+            <a:r>
+              <a:rPr lang="en-US" altLang="zh-CN" sz="3000" b="1"/>
+              <a:t>(</a:t>
+            </a:r>
+            <a:r>
+              <a:rPr lang="el-GR" altLang="zh-CN" sz="3000" b="1"/>
+              <a:t>μ</a:t>
+            </a:r>
+            <a:r>
+              <a:rPr lang="en-US" altLang="zh-CN" sz="3000" b="1"/>
+              <a:t>, λ) ES: The parent generation is disjoint from the child generation</a:t>
+            </a:r>
+          </a:p>
+          <a:p>
+            <a:pPr eaLnBrk="1" hangingPunct="1"/>
+            <a:r>
+              <a:rPr lang="en-US" altLang="zh-CN" sz="3000" b="1"/>
+              <a:t>(</a:t>
+            </a:r>
+            <a:r>
+              <a:rPr lang="el-GR" altLang="zh-CN" sz="3000" b="1"/>
+              <a:t>μ </a:t>
+            </a:r>
+            <a:r>
+              <a:rPr lang="en-US" altLang="zh-CN" sz="3000" b="1"/>
+              <a:t>+ λ) ES: Some of the parents may be selected to "propagate" to the child generation</a:t>
+            </a:r>
+            <a:endParaRPr lang="zh-CN" altLang="en-US" sz="3000"/>
+          </a:p>
+        </p:txBody>
+      </p:sp>
+      <p:sp>
+        <p:nvSpPr>
+          <p:cNvPr id="3" name="标题 2"/>
+          <p:cNvSpPr>
+            <a:spLocks noGrp="1"/>
+          </p:cNvSpPr>
+          <p:nvPr>
+            <p:ph type="title"/>
+          </p:nvPr>
+        </p:nvSpPr>
+        <p:spPr/>
+        <p:txBody>
+          <a:bodyPr/>
+          <a:lstStyle/>
+          <a:p>
+            <a:pPr eaLnBrk="1" fontAlgn="auto" hangingPunct="1">
+              <a:spcAft>
+                <a:spcPts val="0"/>
+              </a:spcAft>
+              <a:defRPr/>
+            </a:pPr>
+            <a:r>
+              <a:rPr lang="en-US" altLang="zh-CN" dirty="0"/>
+              <a:t>Modern evolution strategies</a:t>
+            </a:r>
+            <a:endParaRPr lang="zh-CN" altLang="en-US" dirty="0"/>
+          </a:p>
+        </p:txBody>
+      </p:sp>
+    </p:spTree>
+  </p:cSld>
+  <p:clrMapOvr>
+    <a:masterClrMapping/>
+  </p:clrMapOvr>
+</p:sld>
+</file>
+
 <file path=ppt/slides/slide36.xml><?xml version="1.0" encoding="utf-8"?>
 <p:sld xmlns:a="http://schemas.openxmlformats.org/drawingml/2006/main" xmlns:r="http://schemas.openxmlformats.org/officeDocument/2006/relationships" xmlns:p="http://schemas.openxmlformats.org/presentationml/2006/main">
   <p:cSld>
@@ -7394,7 +7388,7 @@
       </p:grpSpPr>
       <p:sp>
         <p:nvSpPr>
-          <p:cNvPr id="39938" name="内容占位符 1"/>
+          <p:cNvPr id="40962" name="内容占位符 1"/>
           <p:cNvSpPr>
             <a:spLocks noGrp="1"/>
           </p:cNvSpPr>
@@ -7402,63 +7396,50 @@
             <p:ph idx="1"/>
           </p:nvPr>
         </p:nvSpPr>
-        <p:spPr/>
+        <p:spPr>
+          <a:xfrm>
+            <a:off x="1295400" y="1752600"/>
+            <a:ext cx="7772400" cy="4114800"/>
+          </a:xfrm>
+        </p:spPr>
         <p:txBody>
           <a:bodyPr/>
           <a:lstStyle/>
           <a:p>
             <a:pPr eaLnBrk="1" hangingPunct="1"/>
             <a:r>
-              <a:rPr lang="en-US" altLang="zh-CN" sz="3000" b="1"/>
-              <a:t>Schwefel introduced the multi-membered ESs now denoted by (</a:t>
-            </a:r>
-            <a:r>
-              <a:rPr lang="el-GR" altLang="zh-CN" sz="3000" b="1"/>
-              <a:t>μ </a:t>
-            </a:r>
-            <a:r>
-              <a:rPr lang="en-US" altLang="zh-CN" sz="3000" b="1"/>
-              <a:t>+λ) and (</a:t>
-            </a:r>
-            <a:r>
-              <a:rPr lang="el-GR" altLang="zh-CN" sz="3000" b="1"/>
-              <a:t>μ</a:t>
-            </a:r>
-            <a:r>
-              <a:rPr lang="en-US" altLang="zh-CN" sz="3000" b="1"/>
-              <a:t>, λ)</a:t>
+              <a:rPr lang="en-US" altLang="zh-CN" sz="3200" b="1" dirty="0"/>
+              <a:t>Real valued vectors consisting of two parts:</a:t>
+            </a:r>
+          </a:p>
+          <a:p>
+            <a:pPr lvl="1" eaLnBrk="1" hangingPunct="1"/>
+            <a:r>
+              <a:rPr lang="en-US" altLang="zh-CN" sz="2800" dirty="0"/>
+              <a:t>Object variable: just like real-valued GA individual</a:t>
+            </a:r>
+          </a:p>
+          <a:p>
+            <a:pPr lvl="1" eaLnBrk="1" hangingPunct="1"/>
+            <a:r>
+              <a:rPr lang="en-US" altLang="zh-CN" sz="2800" dirty="0"/>
+              <a:t>Strategy variable: a set of standard deviations for the Gaussian mutation</a:t>
             </a:r>
           </a:p>
           <a:p>
             <a:pPr eaLnBrk="1" hangingPunct="1"/>
             <a:r>
-              <a:rPr lang="en-US" altLang="zh-CN" sz="3000" b="1"/>
-              <a:t>(</a:t>
-            </a:r>
-            <a:r>
-              <a:rPr lang="el-GR" altLang="zh-CN" sz="3000" b="1"/>
-              <a:t>μ</a:t>
-            </a:r>
-            <a:r>
-              <a:rPr lang="en-US" altLang="zh-CN" sz="3000" b="1"/>
-              <a:t>, λ) ES: The parent generation is disjoint from the child generation</a:t>
-            </a:r>
-          </a:p>
-          <a:p>
-            <a:pPr eaLnBrk="1" hangingPunct="1"/>
-            <a:r>
-              <a:rPr lang="en-US" altLang="zh-CN" sz="3000" b="1"/>
-              <a:t>(</a:t>
-            </a:r>
-            <a:r>
-              <a:rPr lang="el-GR" altLang="zh-CN" sz="3000" b="1"/>
-              <a:t>μ </a:t>
-            </a:r>
-            <a:r>
-              <a:rPr lang="en-US" altLang="zh-CN" sz="3000" b="1"/>
-              <a:t>+ λ) ES: Some of the parents may be selected to "propagate" to the child generation</a:t>
-            </a:r>
-            <a:endParaRPr lang="zh-CN" altLang="en-US" sz="3000"/>
+              <a:rPr lang="en-US" altLang="zh-CN" sz="3200" b="1" dirty="0"/>
+              <a:t>This structure allows for "Self-adaptation“ of the mutation size</a:t>
+            </a:r>
+          </a:p>
+          <a:p>
+            <a:pPr lvl="1" eaLnBrk="1" hangingPunct="1"/>
+            <a:r>
+              <a:rPr lang="en-US" altLang="zh-CN" sz="2800" dirty="0"/>
+              <a:t>Excellent feature for dynamically changing fitness landscape</a:t>
+            </a:r>
+            <a:endParaRPr lang="zh-CN" altLang="en-US" sz="2800" dirty="0"/>
           </a:p>
         </p:txBody>
       </p:sp>
@@ -7472,7 +7453,12 @@
             <p:ph type="title"/>
           </p:nvPr>
         </p:nvSpPr>
-        <p:spPr/>
+        <p:spPr>
+          <a:xfrm>
+            <a:off x="1295400" y="381000"/>
+            <a:ext cx="7772400" cy="1143000"/>
+          </a:xfrm>
+        </p:spPr>
         <p:txBody>
           <a:bodyPr/>
           <a:lstStyle/>
@@ -7485,7 +7471,7 @@
             </a:pPr>
             <a:r>
               <a:rPr lang="en-US" altLang="zh-CN" dirty="0"/>
-              <a:t>Modern evolution strategies</a:t>
+              <a:t>ES individuals</a:t>
             </a:r>
             <a:endParaRPr lang="zh-CN" altLang="en-US" dirty="0"/>
           </a:p>
@@ -7518,7 +7504,7 @@
       </p:grpSpPr>
       <p:sp>
         <p:nvSpPr>
-          <p:cNvPr id="40962" name="内容占位符 1"/>
+          <p:cNvPr id="41986" name="内容占位符 1"/>
           <p:cNvSpPr>
             <a:spLocks noGrp="1"/>
           </p:cNvSpPr>
@@ -7526,50 +7512,38 @@
             <p:ph idx="1"/>
           </p:nvPr>
         </p:nvSpPr>
-        <p:spPr>
-          <a:xfrm>
-            <a:off x="1295400" y="1752600"/>
-            <a:ext cx="7772400" cy="4114800"/>
-          </a:xfrm>
-        </p:spPr>
+        <p:spPr/>
         <p:txBody>
           <a:bodyPr/>
           <a:lstStyle/>
           <a:p>
             <a:pPr eaLnBrk="1" hangingPunct="1"/>
             <a:r>
-              <a:rPr lang="en-US" altLang="zh-CN" sz="3200" b="1" dirty="0"/>
-              <a:t>Real valued vectors consisting of two parts:</a:t>
-            </a:r>
-          </a:p>
-          <a:p>
-            <a:pPr lvl="1" eaLnBrk="1" hangingPunct="1"/>
-            <a:r>
-              <a:rPr lang="en-US" altLang="zh-CN" sz="2800" dirty="0"/>
-              <a:t>Object variable: just like real-valued GA individual</a:t>
-            </a:r>
-          </a:p>
-          <a:p>
-            <a:pPr lvl="1" eaLnBrk="1" hangingPunct="1"/>
-            <a:r>
-              <a:rPr lang="en-US" altLang="zh-CN" sz="2800" dirty="0"/>
-              <a:t>Strategy variable: a set of standard deviations for the Gaussian mutation</a:t>
+              <a:rPr lang="en-US" altLang="zh-CN" sz="3200" b="1"/>
+              <a:t>In machine learning we seek a good hypothesis</a:t>
             </a:r>
           </a:p>
           <a:p>
             <a:pPr eaLnBrk="1" hangingPunct="1"/>
             <a:r>
-              <a:rPr lang="en-US" altLang="zh-CN" sz="3200" b="1" dirty="0"/>
-              <a:t>This structure allows for "Self-adaptation“ of the mutation size</a:t>
-            </a:r>
-          </a:p>
-          <a:p>
-            <a:pPr lvl="1" eaLnBrk="1" hangingPunct="1"/>
-            <a:r>
-              <a:rPr lang="en-US" altLang="zh-CN" sz="2800" dirty="0"/>
-              <a:t>Excellent feature for dynamically changing fitness landscape</a:t>
-            </a:r>
-            <a:endParaRPr lang="zh-CN" altLang="en-US" sz="2800" dirty="0"/>
+              <a:rPr lang="en-US" altLang="zh-CN" sz="3200" b="1"/>
+              <a:t>The hypothesis may be a rule, a neural network, a program ... etc.</a:t>
+            </a:r>
+          </a:p>
+          <a:p>
+            <a:pPr eaLnBrk="1" hangingPunct="1"/>
+            <a:r>
+              <a:rPr lang="en-US" altLang="zh-CN" sz="3200" b="1"/>
+              <a:t>GAs and other EC methods can evolve rules, NNs, programs ...etc.</a:t>
+            </a:r>
+          </a:p>
+          <a:p>
+            <a:pPr eaLnBrk="1" hangingPunct="1"/>
+            <a:r>
+              <a:rPr lang="en-US" altLang="zh-CN" sz="3200" b="1"/>
+              <a:t>Classifier systems (CFS) are the most explicit GA based machine learning tool.</a:t>
+            </a:r>
+            <a:endParaRPr lang="zh-CN" altLang="en-US" sz="3200"/>
           </a:p>
         </p:txBody>
       </p:sp>
@@ -7583,14 +7557,11 @@
             <p:ph type="title"/>
           </p:nvPr>
         </p:nvSpPr>
-        <p:spPr>
-          <a:xfrm>
-            <a:off x="1295400" y="381000"/>
-            <a:ext cx="7772400" cy="1143000"/>
-          </a:xfrm>
-        </p:spPr>
-        <p:txBody>
-          <a:bodyPr/>
+        <p:spPr/>
+        <p:txBody>
+          <a:bodyPr>
+            <a:normAutofit fontScale="90000"/>
+          </a:bodyPr>
           <a:lstStyle/>
           <a:p>
             <a:pPr eaLnBrk="1" fontAlgn="auto" hangingPunct="1">
@@ -7601,7 +7572,14 @@
             </a:pPr>
             <a:r>
               <a:rPr lang="en-US" altLang="zh-CN" dirty="0"/>
-              <a:t>ES individuals</a:t>
+              <a:t>Machine learning and</a:t>
+            </a:r>
+            <a:br>
+              <a:rPr lang="en-US" altLang="zh-CN" dirty="0"/>
+            </a:br>
+            <a:r>
+              <a:rPr lang="en-US" altLang="zh-CN" dirty="0"/>
+              <a:t>evolutionary computation</a:t>
             </a:r>
             <a:endParaRPr lang="zh-CN" altLang="en-US" dirty="0"/>
           </a:p>
@@ -7634,12 +7612,158 @@
       </p:grpSpPr>
       <p:sp>
         <p:nvSpPr>
-          <p:cNvPr id="41986" name="内容占位符 1"/>
+          <p:cNvPr id="2" name="内容占位符 1"/>
           <p:cNvSpPr>
             <a:spLocks noGrp="1"/>
           </p:cNvSpPr>
           <p:nvPr>
             <p:ph idx="1"/>
+          </p:nvPr>
+        </p:nvSpPr>
+        <p:spPr/>
+        <p:txBody>
+          <a:bodyPr>
+            <a:normAutofit fontScale="92500" lnSpcReduction="10000"/>
+          </a:bodyPr>
+          <a:lstStyle/>
+          <a:p>
+            <a:pPr marL="365760" indent="-256032" eaLnBrk="1" fontAlgn="auto" hangingPunct="1">
+              <a:spcAft>
+                <a:spcPts val="0"/>
+              </a:spcAft>
+              <a:buFont typeface="Wingdings 3"/>
+              <a:buChar char=""/>
+              <a:defRPr/>
+            </a:pPr>
+            <a:r>
+              <a:rPr lang="en-US" altLang="zh-CN" sz="3000" b="1" dirty="0"/>
+              <a:t>Rule and message system</a:t>
+            </a:r>
+          </a:p>
+          <a:p>
+            <a:pPr marL="621792" lvl="1" eaLnBrk="1" fontAlgn="auto" hangingPunct="1">
+              <a:spcBef>
+                <a:spcPts val="324"/>
+              </a:spcBef>
+              <a:spcAft>
+                <a:spcPts val="0"/>
+              </a:spcAft>
+              <a:buFont typeface="Verdana"/>
+              <a:buChar char="◦"/>
+              <a:defRPr/>
+            </a:pPr>
+            <a:r>
+              <a:rPr lang="en-US" altLang="zh-CN" sz="2600" dirty="0"/>
+              <a:t>if &lt;condition&gt; then &lt;action&gt;</a:t>
+            </a:r>
+          </a:p>
+          <a:p>
+            <a:pPr marL="365760" indent="-256032" eaLnBrk="1" fontAlgn="auto" hangingPunct="1">
+              <a:spcAft>
+                <a:spcPts val="0"/>
+              </a:spcAft>
+              <a:buFont typeface="Wingdings 3"/>
+              <a:buChar char=""/>
+              <a:defRPr/>
+            </a:pPr>
+            <a:r>
+              <a:rPr lang="en-US" altLang="zh-CN" sz="3000" b="1" dirty="0"/>
+              <a:t>Apportionment of credit system</a:t>
+            </a:r>
+          </a:p>
+          <a:p>
+            <a:pPr marL="621792" lvl="1" eaLnBrk="1" fontAlgn="auto" hangingPunct="1">
+              <a:spcBef>
+                <a:spcPts val="324"/>
+              </a:spcBef>
+              <a:spcAft>
+                <a:spcPts val="0"/>
+              </a:spcAft>
+              <a:buFont typeface="Verdana"/>
+              <a:buChar char="◦"/>
+              <a:defRPr/>
+            </a:pPr>
+            <a:r>
+              <a:rPr lang="en-US" altLang="zh-CN" sz="2600" dirty="0"/>
+              <a:t>Based on a set of training examples</a:t>
+            </a:r>
+          </a:p>
+          <a:p>
+            <a:pPr marL="621792" lvl="1" eaLnBrk="1" fontAlgn="auto" hangingPunct="1">
+              <a:spcBef>
+                <a:spcPts val="324"/>
+              </a:spcBef>
+              <a:spcAft>
+                <a:spcPts val="0"/>
+              </a:spcAft>
+              <a:buFont typeface="Verdana"/>
+              <a:buChar char="◦"/>
+              <a:defRPr/>
+            </a:pPr>
+            <a:r>
+              <a:rPr lang="en-US" altLang="zh-CN" sz="2600" dirty="0"/>
+              <a:t>Credit (fitness) given to rules that match the example</a:t>
+            </a:r>
+          </a:p>
+          <a:p>
+            <a:pPr marL="621792" lvl="1" eaLnBrk="1" fontAlgn="auto" hangingPunct="1">
+              <a:spcBef>
+                <a:spcPts val="324"/>
+              </a:spcBef>
+              <a:spcAft>
+                <a:spcPts val="0"/>
+              </a:spcAft>
+              <a:buFont typeface="Verdana"/>
+              <a:buChar char="◦"/>
+              <a:defRPr/>
+            </a:pPr>
+            <a:r>
+              <a:rPr lang="en-US" altLang="zh-CN" sz="2600" dirty="0"/>
+              <a:t>Example: Bucket brigade (auctions for examples, winner takes all, existence taxes)</a:t>
+            </a:r>
+          </a:p>
+          <a:p>
+            <a:pPr marL="365760" indent="-256032" eaLnBrk="1" fontAlgn="auto" hangingPunct="1">
+              <a:spcAft>
+                <a:spcPts val="0"/>
+              </a:spcAft>
+              <a:buFont typeface="Wingdings 3"/>
+              <a:buChar char=""/>
+              <a:defRPr/>
+            </a:pPr>
+            <a:r>
+              <a:rPr lang="en-US" altLang="zh-CN" sz="3000" b="1" dirty="0"/>
+              <a:t>Genetic algorithm</a:t>
+            </a:r>
+          </a:p>
+          <a:p>
+            <a:pPr marL="621792" lvl="1" eaLnBrk="1" fontAlgn="auto" hangingPunct="1">
+              <a:spcBef>
+                <a:spcPts val="324"/>
+              </a:spcBef>
+              <a:spcAft>
+                <a:spcPts val="0"/>
+              </a:spcAft>
+              <a:buFont typeface="Verdana"/>
+              <a:buChar char="◦"/>
+              <a:defRPr/>
+            </a:pPr>
+            <a:r>
+              <a:rPr lang="en-US" altLang="zh-CN" sz="2600" dirty="0"/>
+              <a:t>evolves a population of rules or a population of entire rule systems</a:t>
+            </a:r>
+            <a:endParaRPr lang="zh-CN" altLang="en-US" sz="2600" dirty="0"/>
+          </a:p>
+        </p:txBody>
+      </p:sp>
+      <p:sp>
+        <p:nvSpPr>
+          <p:cNvPr id="3" name="标题 2"/>
+          <p:cNvSpPr>
+            <a:spLocks noGrp="1"/>
+          </p:cNvSpPr>
+          <p:nvPr>
+            <p:ph type="title"/>
           </p:nvPr>
         </p:nvSpPr>
         <p:spPr/>
@@ -7647,53 +7771,6 @@
           <a:bodyPr/>
           <a:lstStyle/>
           <a:p>
-            <a:pPr eaLnBrk="1" hangingPunct="1"/>
-            <a:r>
-              <a:rPr lang="en-US" altLang="zh-CN" sz="3200" b="1"/>
-              <a:t>In machine learning we seek a good hypothesis</a:t>
-            </a:r>
-          </a:p>
-          <a:p>
-            <a:pPr eaLnBrk="1" hangingPunct="1"/>
-            <a:r>
-              <a:rPr lang="en-US" altLang="zh-CN" sz="3200" b="1"/>
-              <a:t>The hypothesis may be a rule, a neural network, a program ... etc.</a:t>
-            </a:r>
-          </a:p>
-          <a:p>
-            <a:pPr eaLnBrk="1" hangingPunct="1"/>
-            <a:r>
-              <a:rPr lang="en-US" altLang="zh-CN" sz="3200" b="1"/>
-              <a:t>GAs and other EC methods can evolve rules, NNs, programs ...etc.</a:t>
-            </a:r>
-          </a:p>
-          <a:p>
-            <a:pPr eaLnBrk="1" hangingPunct="1"/>
-            <a:r>
-              <a:rPr lang="en-US" altLang="zh-CN" sz="3200" b="1"/>
-              <a:t>Classifier systems (CFS) are the most explicit GA based machine learning tool.</a:t>
-            </a:r>
-            <a:endParaRPr lang="zh-CN" altLang="en-US" sz="3200"/>
-          </a:p>
-        </p:txBody>
-      </p:sp>
-      <p:sp>
-        <p:nvSpPr>
-          <p:cNvPr id="3" name="标题 2"/>
-          <p:cNvSpPr>
-            <a:spLocks noGrp="1"/>
-          </p:cNvSpPr>
-          <p:nvPr>
-            <p:ph type="title"/>
-          </p:nvPr>
-        </p:nvSpPr>
-        <p:spPr/>
-        <p:txBody>
-          <a:bodyPr>
-            <a:normAutofit fontScale="90000"/>
-          </a:bodyPr>
-          <a:lstStyle/>
-          <a:p>
             <a:pPr eaLnBrk="1" fontAlgn="auto" hangingPunct="1">
               <a:spcAft>
                 <a:spcPts val="0"/>
@@ -7702,14 +7779,7 @@
             </a:pPr>
             <a:r>
               <a:rPr lang="en-US" altLang="zh-CN" dirty="0"/>
-              <a:t>Machine learning and</a:t>
-            </a:r>
-            <a:br>
-              <a:rPr lang="en-US" altLang="zh-CN" dirty="0"/>
-            </a:br>
-            <a:r>
-              <a:rPr lang="en-US" altLang="zh-CN" dirty="0"/>
-              <a:t>evolutionary computation</a:t>
+              <a:t>Elements of a classifier system</a:t>
             </a:r>
             <a:endParaRPr lang="zh-CN" altLang="en-US" dirty="0"/>
           </a:p>
@@ -7750,10 +7820,15 @@
             <p:ph idx="1"/>
           </p:nvPr>
         </p:nvSpPr>
-        <p:spPr/>
+        <p:spPr>
+          <a:xfrm>
+            <a:off x="990600" y="2027238"/>
+            <a:ext cx="8229600" cy="4525962"/>
+          </a:xfrm>
+        </p:spPr>
         <p:txBody>
           <a:bodyPr>
-            <a:normAutofit fontScale="92500" lnSpcReduction="10000"/>
+            <a:normAutofit/>
           </a:bodyPr>
           <a:lstStyle/>
           <a:p>
@@ -7767,7 +7842,49 @@
             </a:pPr>
             <a:r>
               <a:rPr lang="en-US" altLang="zh-CN" sz="3000" b="1" dirty="0"/>
-              <a:t>Rule and message system</a:t>
+              <a:t>Evolves a population of rules, the final population is used as the rule and message system</a:t>
+            </a:r>
+          </a:p>
+          <a:p>
+            <a:pPr marL="365760" indent="-256032" eaLnBrk="1" fontAlgn="auto" hangingPunct="1">
+              <a:spcAft>
+                <a:spcPts val="0"/>
+              </a:spcAft>
+              <a:buFont typeface="Wingdings 3"/>
+              <a:buChar char=""/>
+              <a:defRPr/>
+            </a:pPr>
+            <a:r>
+              <a:rPr lang="en-US" altLang="zh-CN" sz="3000" b="1" dirty="0"/>
+              <a:t>Diversity maintenance among rules is hard</a:t>
+            </a:r>
+          </a:p>
+          <a:p>
+            <a:pPr marL="365760" indent="-256032" eaLnBrk="1" fontAlgn="auto" hangingPunct="1">
+              <a:spcAft>
+                <a:spcPts val="0"/>
+              </a:spcAft>
+              <a:buFont typeface="Wingdings 3"/>
+              <a:buChar char=""/>
+              <a:defRPr/>
+            </a:pPr>
+            <a:r>
+              <a:rPr lang="en-US" altLang="zh-CN" sz="3000" b="1" dirty="0"/>
+              <a:t>If done well converges faster</a:t>
+            </a:r>
+          </a:p>
+          <a:p>
+            <a:pPr marL="365760" indent="-256032" eaLnBrk="1" fontAlgn="auto" hangingPunct="1">
+              <a:spcAft>
+                <a:spcPts val="0"/>
+              </a:spcAft>
+              <a:buFont typeface="Wingdings 3"/>
+              <a:buChar char=""/>
+              <a:defRPr/>
+            </a:pPr>
+            <a:r>
+              <a:rPr lang="en-US" altLang="zh-CN" sz="3000" b="1" dirty="0"/>
+              <a:t>Need to specify how to use the rules to classify</a:t>
             </a:r>
           </a:p>
           <a:p>
@@ -7784,21 +7901,7 @@
             </a:pPr>
             <a:r>
               <a:rPr lang="en-US" altLang="zh-CN" sz="2600" dirty="0"/>
-              <a:t>if &lt;condition&gt; then &lt;action&gt;</a:t>
-            </a:r>
-          </a:p>
-          <a:p>
-            <a:pPr marL="365760" indent="-256032" eaLnBrk="1" fontAlgn="auto" hangingPunct="1">
-              <a:spcAft>
-                <a:spcPts val="0"/>
-              </a:spcAft>
-              <a:buFont typeface="Wingdings 3"/>
-              <a:buChar char=""/>
-              <a:defRPr/>
-            </a:pPr>
-            <a:r>
-              <a:rPr lang="en-US" altLang="zh-CN" sz="3000" b="1" dirty="0"/>
-              <a:t>Apportionment of credit system</a:t>
+              <a:t>what if multiple rules match example?</a:t>
             </a:r>
           </a:p>
           <a:p>
@@ -7815,72 +7918,7 @@
             </a:pPr>
             <a:r>
               <a:rPr lang="en-US" altLang="zh-CN" sz="2600" dirty="0"/>
-              <a:t>Based on a set of training examples</a:t>
-            </a:r>
-          </a:p>
-          <a:p>
-            <a:pPr marL="621792" lvl="1" eaLnBrk="1" fontAlgn="auto" hangingPunct="1">
-              <a:spcBef>
-                <a:spcPts val="324"/>
-              </a:spcBef>
-              <a:spcAft>
-                <a:spcPts val="0"/>
-              </a:spcAft>
-              <a:buFont typeface="Verdana"/>
-              <a:buChar char="◦"/>
-              <a:defRPr/>
-            </a:pPr>
-            <a:r>
-              <a:rPr lang="en-US" altLang="zh-CN" sz="2600" dirty="0"/>
-              <a:t>Credit (fitness) given to rules that match the example</a:t>
-            </a:r>
-          </a:p>
-          <a:p>
-            <a:pPr marL="621792" lvl="1" eaLnBrk="1" fontAlgn="auto" hangingPunct="1">
-              <a:spcBef>
-                <a:spcPts val="324"/>
-              </a:spcBef>
-              <a:spcAft>
-                <a:spcPts val="0"/>
-              </a:spcAft>
-              <a:buFont typeface="Verdana"/>
-              <a:buChar char="◦"/>
-              <a:defRPr/>
-            </a:pPr>
-            <a:r>
-              <a:rPr lang="en-US" altLang="zh-CN" sz="2600" dirty="0"/>
-              <a:t>Example: Bucket brigade (auctions for examples, winner takes all, existence taxes)</a:t>
-            </a:r>
-          </a:p>
-          <a:p>
-            <a:pPr marL="365760" indent="-256032" eaLnBrk="1" fontAlgn="auto" hangingPunct="1">
-              <a:spcAft>
-                <a:spcPts val="0"/>
-              </a:spcAft>
-              <a:buFont typeface="Wingdings 3"/>
-              <a:buChar char=""/>
-              <a:defRPr/>
-            </a:pPr>
-            <a:r>
-              <a:rPr lang="en-US" altLang="zh-CN" sz="3000" b="1" dirty="0"/>
-              <a:t>Genetic algorithm</a:t>
-            </a:r>
-          </a:p>
-          <a:p>
-            <a:pPr marL="621792" lvl="1" eaLnBrk="1" fontAlgn="auto" hangingPunct="1">
-              <a:spcBef>
-                <a:spcPts val="324"/>
-              </a:spcBef>
-              <a:spcAft>
-                <a:spcPts val="0"/>
-              </a:spcAft>
-              <a:buFont typeface="Verdana"/>
-              <a:buChar char="◦"/>
-              <a:defRPr/>
-            </a:pPr>
-            <a:r>
-              <a:rPr lang="en-US" altLang="zh-CN" sz="2600" dirty="0"/>
-              <a:t>evolves a population of rules or a population of entire rule systems</a:t>
+              <a:t>exact matching only or inexact matching allowed?</a:t>
             </a:r>
             <a:endParaRPr lang="zh-CN" altLang="en-US" sz="2600" dirty="0"/>
           </a:p>
@@ -7898,7 +7936,9 @@
         </p:nvSpPr>
         <p:spPr/>
         <p:txBody>
-          <a:bodyPr/>
+          <a:bodyPr>
+            <a:normAutofit fontScale="90000"/>
+          </a:bodyPr>
           <a:lstStyle/>
           <a:p>
             <a:pPr eaLnBrk="1" fontAlgn="auto" hangingPunct="1">
@@ -7909,7 +7949,14 @@
             </a:pPr>
             <a:r>
               <a:rPr lang="en-US" altLang="zh-CN" dirty="0"/>
-              <a:t>Elements of a classifier system</a:t>
+              <a:t>The Michigan approach:</a:t>
+            </a:r>
+            <a:br>
+              <a:rPr lang="en-US" altLang="zh-CN" dirty="0"/>
+            </a:br>
+            <a:r>
+              <a:rPr lang="en-US" altLang="zh-CN" dirty="0"/>
+              <a:t>population of rules</a:t>
             </a:r>
             <a:endParaRPr lang="zh-CN" altLang="en-US" dirty="0"/>
           </a:p>
@@ -8089,7 +8136,7 @@
       </p:grpSpPr>
       <p:sp>
         <p:nvSpPr>
-          <p:cNvPr id="2" name="内容占位符 1"/>
+          <p:cNvPr id="45058" name="内容占位符 1"/>
           <p:cNvSpPr>
             <a:spLocks noGrp="1"/>
           </p:cNvSpPr>
@@ -8099,105 +8146,34 @@
         </p:nvSpPr>
         <p:spPr>
           <a:xfrm>
-            <a:off x="990600" y="2027238"/>
-            <a:ext cx="8229600" cy="4525962"/>
+            <a:off x="1219200" y="2000250"/>
+            <a:ext cx="7772400" cy="4006850"/>
           </a:xfrm>
         </p:spPr>
         <p:txBody>
-          <a:bodyPr>
-            <a:normAutofit/>
-          </a:bodyPr>
+          <a:bodyPr/>
           <a:lstStyle/>
           <a:p>
-            <a:pPr marL="365760" indent="-256032" eaLnBrk="1" fontAlgn="auto" hangingPunct="1">
-              <a:spcAft>
-                <a:spcPts val="0"/>
-              </a:spcAft>
-              <a:buFont typeface="Wingdings 3"/>
-              <a:buChar char=""/>
-              <a:defRPr/>
-            </a:pPr>
-            <a:r>
-              <a:rPr lang="en-US" altLang="zh-CN" sz="3000" b="1" dirty="0"/>
-              <a:t>Evolves a population of rules, the final population is used as the rule and message system</a:t>
-            </a:r>
-          </a:p>
-          <a:p>
-            <a:pPr marL="365760" indent="-256032" eaLnBrk="1" fontAlgn="auto" hangingPunct="1">
-              <a:spcAft>
-                <a:spcPts val="0"/>
-              </a:spcAft>
-              <a:buFont typeface="Wingdings 3"/>
-              <a:buChar char=""/>
-              <a:defRPr/>
-            </a:pPr>
-            <a:r>
-              <a:rPr lang="en-US" altLang="zh-CN" sz="3000" b="1" dirty="0"/>
-              <a:t>Diversity maintenance among rules is hard</a:t>
-            </a:r>
-          </a:p>
-          <a:p>
-            <a:pPr marL="365760" indent="-256032" eaLnBrk="1" fontAlgn="auto" hangingPunct="1">
-              <a:spcAft>
-                <a:spcPts val="0"/>
-              </a:spcAft>
-              <a:buFont typeface="Wingdings 3"/>
-              <a:buChar char=""/>
-              <a:defRPr/>
-            </a:pPr>
-            <a:r>
-              <a:rPr lang="en-US" altLang="zh-CN" sz="3000" b="1" dirty="0"/>
-              <a:t>If done well converges faster</a:t>
-            </a:r>
-          </a:p>
-          <a:p>
-            <a:pPr marL="365760" indent="-256032" eaLnBrk="1" fontAlgn="auto" hangingPunct="1">
-              <a:spcAft>
-                <a:spcPts val="0"/>
-              </a:spcAft>
-              <a:buFont typeface="Wingdings 3"/>
-              <a:buChar char=""/>
-              <a:defRPr/>
-            </a:pPr>
-            <a:r>
-              <a:rPr lang="en-US" altLang="zh-CN" sz="3000" b="1" dirty="0"/>
-              <a:t>Need to specify how to use the rules to classify</a:t>
-            </a:r>
-          </a:p>
-          <a:p>
-            <a:pPr marL="621792" lvl="1" eaLnBrk="1" fontAlgn="auto" hangingPunct="1">
-              <a:spcBef>
-                <a:spcPts val="324"/>
-              </a:spcBef>
-              <a:spcAft>
-                <a:spcPts val="0"/>
-              </a:spcAft>
-              <a:buFont typeface="Verdana"/>
-              <a:buChar char="◦"/>
-              <a:defRPr/>
-            </a:pPr>
-            <a:r>
-              <a:rPr lang="en-US" altLang="zh-CN" sz="2600" dirty="0"/>
-              <a:t>what if multiple rules match example?</a:t>
-            </a:r>
-          </a:p>
-          <a:p>
-            <a:pPr marL="621792" lvl="1" eaLnBrk="1" fontAlgn="auto" hangingPunct="1">
-              <a:spcBef>
-                <a:spcPts val="324"/>
-              </a:spcBef>
-              <a:spcAft>
-                <a:spcPts val="0"/>
-              </a:spcAft>
-              <a:buFont typeface="Verdana"/>
-              <a:buChar char="◦"/>
-              <a:defRPr/>
-            </a:pPr>
-            <a:r>
-              <a:rPr lang="en-US" altLang="zh-CN" sz="2600" dirty="0"/>
-              <a:t>exact matching only or inexact matching allowed?</a:t>
-            </a:r>
-            <a:endParaRPr lang="zh-CN" altLang="en-US" sz="2600" dirty="0"/>
+            <a:pPr eaLnBrk="1" hangingPunct="1"/>
+            <a:r>
+              <a:rPr lang="en-US" altLang="zh-CN" sz="3200" b="1" dirty="0"/>
+              <a:t>Each individual is a complete set of rules or complete solution</a:t>
+            </a:r>
+          </a:p>
+          <a:p>
+            <a:pPr eaLnBrk="1" hangingPunct="1"/>
+            <a:r>
+              <a:rPr lang="en-US" altLang="zh-CN" sz="3200" b="1" dirty="0"/>
+              <a:t>Avoids the hard credit assignment problem</a:t>
+            </a:r>
+          </a:p>
+          <a:p>
+            <a:pPr eaLnBrk="1" hangingPunct="1"/>
+            <a:r>
+              <a:rPr lang="en-US" altLang="zh-CN" sz="3200" b="1" dirty="0"/>
+              <a:t>Slow because of complexity of space</a:t>
+            </a:r>
+            <a:endParaRPr lang="zh-CN" altLang="en-US" sz="3200" dirty="0"/>
           </a:p>
         </p:txBody>
       </p:sp>
@@ -8213,9 +8189,7 @@
         </p:nvSpPr>
         <p:spPr/>
         <p:txBody>
-          <a:bodyPr>
-            <a:normAutofit fontScale="90000"/>
-          </a:bodyPr>
+          <a:bodyPr/>
           <a:lstStyle/>
           <a:p>
             <a:pPr eaLnBrk="1" fontAlgn="auto" hangingPunct="1">
@@ -8226,14 +8200,7 @@
             </a:pPr>
             <a:r>
               <a:rPr lang="en-US" altLang="zh-CN" dirty="0"/>
-              <a:t>The Michigan approach:</a:t>
-            </a:r>
-            <a:br>
-              <a:rPr lang="en-US" altLang="zh-CN" dirty="0"/>
-            </a:br>
-            <a:r>
-              <a:rPr lang="en-US" altLang="zh-CN" dirty="0"/>
-              <a:t>population of rules</a:t>
+              <a:t>The Pittsburgh approach</a:t>
             </a:r>
             <a:endParaRPr lang="zh-CN" altLang="en-US" dirty="0"/>
           </a:p>
@@ -8266,7 +8233,7 @@
       </p:grpSpPr>
       <p:sp>
         <p:nvSpPr>
-          <p:cNvPr id="45058" name="内容占位符 1"/>
+          <p:cNvPr id="46082" name="内容占位符 1"/>
           <p:cNvSpPr>
             <a:spLocks noGrp="1"/>
           </p:cNvSpPr>
@@ -8276,8 +8243,8 @@
         </p:nvSpPr>
         <p:spPr>
           <a:xfrm>
-            <a:off x="1219200" y="2000250"/>
-            <a:ext cx="7772400" cy="4006850"/>
+            <a:off x="1066800" y="1879600"/>
+            <a:ext cx="7924800" cy="4292600"/>
           </a:xfrm>
         </p:spPr>
         <p:txBody>
@@ -8287,21 +8254,28 @@
             <a:pPr eaLnBrk="1" hangingPunct="1"/>
             <a:r>
               <a:rPr lang="en-US" altLang="zh-CN" sz="3200" b="1" dirty="0"/>
-              <a:t>Each individual is a complete set of rules or complete solution</a:t>
+              <a:t>Classical EP evolves finite state machines (or similar structures)</a:t>
             </a:r>
           </a:p>
           <a:p>
             <a:pPr eaLnBrk="1" hangingPunct="1"/>
             <a:r>
               <a:rPr lang="en-US" altLang="zh-CN" sz="3200" b="1" dirty="0"/>
-              <a:t>Avoids the hard credit assignment problem</a:t>
+              <a:t>Relies on mutation (no crossover)</a:t>
             </a:r>
           </a:p>
           <a:p>
             <a:pPr eaLnBrk="1" hangingPunct="1"/>
             <a:r>
               <a:rPr lang="en-US" altLang="zh-CN" sz="3200" b="1" dirty="0"/>
-              <a:t>Slow because of complexity of space</a:t>
+              <a:t>Fitness based on training sequence(s)</a:t>
+            </a:r>
+          </a:p>
+          <a:p>
+            <a:pPr eaLnBrk="1" hangingPunct="1"/>
+            <a:r>
+              <a:rPr lang="en-US" altLang="zh-CN" sz="3200" b="1" dirty="0"/>
+              <a:t>Good for sequence problems (DNA) and prediction in time series</a:t>
             </a:r>
             <a:endParaRPr lang="zh-CN" altLang="en-US" sz="3200" dirty="0"/>
           </a:p>
@@ -8330,7 +8304,7 @@
             </a:pPr>
             <a:r>
               <a:rPr lang="en-US" altLang="zh-CN" dirty="0"/>
-              <a:t>The Pittsburgh approach</a:t>
+              <a:t>Evolution programming (EP)</a:t>
             </a:r>
             <a:endParaRPr lang="zh-CN" altLang="en-US" dirty="0"/>
           </a:p>
@@ -8345,110 +8319,6 @@
 </file>
 
 <file path=ppt/slides/slide42.xml><?xml version="1.0" encoding="utf-8"?>
-<p:sld xmlns:a="http://schemas.openxmlformats.org/drawingml/2006/main" xmlns:r="http://schemas.openxmlformats.org/officeDocument/2006/relationships" xmlns:p="http://schemas.openxmlformats.org/presentationml/2006/main">
-  <p:cSld>
-    <p:spTree>
-      <p:nvGrpSpPr>
-        <p:cNvPr id="1" name=""/>
-        <p:cNvGrpSpPr/>
-        <p:nvPr/>
-      </p:nvGrpSpPr>
-      <p:grpSpPr>
-        <a:xfrm>
-          <a:off x="0" y="0"/>
-          <a:ext cx="0" cy="0"/>
-          <a:chOff x="0" y="0"/>
-          <a:chExt cx="0" cy="0"/>
-        </a:xfrm>
-      </p:grpSpPr>
-      <p:sp>
-        <p:nvSpPr>
-          <p:cNvPr id="46082" name="内容占位符 1"/>
-          <p:cNvSpPr>
-            <a:spLocks noGrp="1"/>
-          </p:cNvSpPr>
-          <p:nvPr>
-            <p:ph idx="1"/>
-          </p:nvPr>
-        </p:nvSpPr>
-        <p:spPr>
-          <a:xfrm>
-            <a:off x="1066800" y="1879600"/>
-            <a:ext cx="7924800" cy="4292600"/>
-          </a:xfrm>
-        </p:spPr>
-        <p:txBody>
-          <a:bodyPr/>
-          <a:lstStyle/>
-          <a:p>
-            <a:pPr eaLnBrk="1" hangingPunct="1"/>
-            <a:r>
-              <a:rPr lang="en-US" altLang="zh-CN" sz="3200" b="1" dirty="0"/>
-              <a:t>Classical EP evolves finite state machines (or similar structures)</a:t>
-            </a:r>
-          </a:p>
-          <a:p>
-            <a:pPr eaLnBrk="1" hangingPunct="1"/>
-            <a:r>
-              <a:rPr lang="en-US" altLang="zh-CN" sz="3200" b="1" dirty="0"/>
-              <a:t>Relies on mutation (no crossover)</a:t>
-            </a:r>
-          </a:p>
-          <a:p>
-            <a:pPr eaLnBrk="1" hangingPunct="1"/>
-            <a:r>
-              <a:rPr lang="en-US" altLang="zh-CN" sz="3200" b="1" dirty="0"/>
-              <a:t>Fitness based on training sequence(s)</a:t>
-            </a:r>
-          </a:p>
-          <a:p>
-            <a:pPr eaLnBrk="1" hangingPunct="1"/>
-            <a:r>
-              <a:rPr lang="en-US" altLang="zh-CN" sz="3200" b="1" dirty="0"/>
-              <a:t>Good for sequence problems (DNA) and prediction in time series</a:t>
-            </a:r>
-            <a:endParaRPr lang="zh-CN" altLang="en-US" sz="3200" dirty="0"/>
-          </a:p>
-        </p:txBody>
-      </p:sp>
-      <p:sp>
-        <p:nvSpPr>
-          <p:cNvPr id="3" name="标题 2"/>
-          <p:cNvSpPr>
-            <a:spLocks noGrp="1"/>
-          </p:cNvSpPr>
-          <p:nvPr>
-            <p:ph type="title"/>
-          </p:nvPr>
-        </p:nvSpPr>
-        <p:spPr/>
-        <p:txBody>
-          <a:bodyPr/>
-          <a:lstStyle/>
-          <a:p>
-            <a:pPr eaLnBrk="1" fontAlgn="auto" hangingPunct="1">
-              <a:spcAft>
-                <a:spcPts val="0"/>
-              </a:spcAft>
-              <a:defRPr/>
-            </a:pPr>
-            <a:r>
-              <a:rPr lang="en-US" altLang="zh-CN" dirty="0"/>
-              <a:t>Evolution programming (EP)</a:t>
-            </a:r>
-            <a:endParaRPr lang="zh-CN" altLang="en-US" dirty="0"/>
-          </a:p>
-        </p:txBody>
-      </p:sp>
-    </p:spTree>
-  </p:cSld>
-  <p:clrMapOvr>
-    <a:masterClrMapping/>
-  </p:clrMapOvr>
-</p:sld>
-</file>
-
-<file path=ppt/slides/slide43.xml><?xml version="1.0" encoding="utf-8"?>
 <p:sld xmlns:a="http://schemas.openxmlformats.org/drawingml/2006/main" xmlns:r="http://schemas.openxmlformats.org/officeDocument/2006/relationships" xmlns:p="http://schemas.openxmlformats.org/presentationml/2006/main">
   <p:cSld>
     <p:spTree>
@@ -8534,6 +8404,112 @@
 </p:sld>
 </file>
 
+<file path=ppt/slides/slide43.xml><?xml version="1.0" encoding="utf-8"?>
+<p:sld xmlns:a="http://schemas.openxmlformats.org/drawingml/2006/main" xmlns:r="http://schemas.openxmlformats.org/officeDocument/2006/relationships" xmlns:p="http://schemas.openxmlformats.org/presentationml/2006/main">
+  <p:cSld>
+    <p:spTree>
+      <p:nvGrpSpPr>
+        <p:cNvPr id="1" name=""/>
+        <p:cNvGrpSpPr/>
+        <p:nvPr/>
+      </p:nvGrpSpPr>
+      <p:grpSpPr>
+        <a:xfrm>
+          <a:off x="0" y="0"/>
+          <a:ext cx="0" cy="0"/>
+          <a:chOff x="0" y="0"/>
+          <a:chExt cx="0" cy="0"/>
+        </a:xfrm>
+      </p:grpSpPr>
+      <p:sp>
+        <p:nvSpPr>
+          <p:cNvPr id="48130" name="内容占位符 1"/>
+          <p:cNvSpPr>
+            <a:spLocks noGrp="1"/>
+          </p:cNvSpPr>
+          <p:nvPr>
+            <p:ph idx="1"/>
+          </p:nvPr>
+        </p:nvSpPr>
+        <p:spPr/>
+        <p:txBody>
+          <a:bodyPr/>
+          <a:lstStyle/>
+          <a:p>
+            <a:pPr eaLnBrk="1" hangingPunct="1"/>
+            <a:r>
+              <a:rPr lang="en-US" altLang="zh-CN" sz="3200" b="1"/>
+              <a:t>Add a state (with random transitions)</a:t>
+            </a:r>
+          </a:p>
+          <a:p>
+            <a:pPr eaLnBrk="1" hangingPunct="1"/>
+            <a:r>
+              <a:rPr lang="en-US" altLang="zh-CN" sz="3200" b="1"/>
+              <a:t>Delete a state (reassign state transitions)</a:t>
+            </a:r>
+          </a:p>
+          <a:p>
+            <a:pPr eaLnBrk="1" hangingPunct="1"/>
+            <a:r>
+              <a:rPr lang="en-US" altLang="zh-CN" sz="3200" b="1"/>
+              <a:t>Change an output symbol</a:t>
+            </a:r>
+          </a:p>
+          <a:p>
+            <a:pPr eaLnBrk="1" hangingPunct="1"/>
+            <a:r>
+              <a:rPr lang="en-US" altLang="zh-CN" sz="3200" b="1"/>
+              <a:t>Change a state transition</a:t>
+            </a:r>
+          </a:p>
+          <a:p>
+            <a:pPr eaLnBrk="1" hangingPunct="1"/>
+            <a:r>
+              <a:rPr lang="en-US" altLang="zh-CN" sz="3200" b="1"/>
+              <a:t>Change the start state</a:t>
+            </a:r>
+            <a:endParaRPr lang="zh-CN" altLang="en-US" sz="3200"/>
+          </a:p>
+        </p:txBody>
+      </p:sp>
+      <p:sp>
+        <p:nvSpPr>
+          <p:cNvPr id="3" name="标题 2"/>
+          <p:cNvSpPr>
+            <a:spLocks noGrp="1"/>
+          </p:cNvSpPr>
+          <p:nvPr>
+            <p:ph type="title"/>
+          </p:nvPr>
+        </p:nvSpPr>
+        <p:spPr/>
+        <p:txBody>
+          <a:bodyPr/>
+          <a:lstStyle/>
+          <a:p>
+            <a:pPr eaLnBrk="1" fontAlgn="auto" hangingPunct="1">
+              <a:spcAft>
+                <a:spcPts val="0"/>
+              </a:spcAft>
+              <a:defRPr/>
+            </a:pPr>
+            <a:r>
+              <a:rPr lang="en-US" altLang="zh-CN" dirty="0"/>
+              <a:t>EP mutation operators</a:t>
+            </a:r>
+            <a:endParaRPr lang="zh-CN" altLang="en-US" dirty="0"/>
+          </a:p>
+        </p:txBody>
+      </p:sp>
+    </p:spTree>
+  </p:cSld>
+  <p:clrMapOvr>
+    <a:masterClrMapping/>
+  </p:clrMapOvr>
+</p:sld>
+</file>
+
 <file path=ppt/slides/slide44.xml><?xml version="1.0" encoding="utf-8"?>
 <p:sld xmlns:a="http://schemas.openxmlformats.org/drawingml/2006/main" xmlns:r="http://schemas.openxmlformats.org/officeDocument/2006/relationships" xmlns:p="http://schemas.openxmlformats.org/presentationml/2006/main">
   <p:cSld>
@@ -8553,7 +8529,7 @@
       </p:grpSpPr>
       <p:sp>
         <p:nvSpPr>
-          <p:cNvPr id="48130" name="内容占位符 1"/>
+          <p:cNvPr id="2" name="Content Placeholder 1"/>
           <p:cNvSpPr>
             <a:spLocks noGrp="1"/>
           </p:cNvSpPr>
@@ -8566,46 +8542,42 @@
           <a:bodyPr/>
           <a:lstStyle/>
           <a:p>
-            <a:pPr eaLnBrk="1" hangingPunct="1"/>
-            <a:r>
-              <a:rPr lang="en-US" altLang="zh-CN" sz="3200" b="1"/>
-              <a:t>Add a state (with random transitions)</a:t>
-            </a:r>
-          </a:p>
-          <a:p>
-            <a:pPr eaLnBrk="1" hangingPunct="1"/>
-            <a:r>
-              <a:rPr lang="en-US" altLang="zh-CN" sz="3200" b="1"/>
-              <a:t>Delete a state (reassign state transitions)</a:t>
-            </a:r>
-          </a:p>
-          <a:p>
-            <a:pPr eaLnBrk="1" hangingPunct="1"/>
-            <a:r>
-              <a:rPr lang="en-US" altLang="zh-CN" sz="3200" b="1"/>
-              <a:t>Change an output symbol</a:t>
-            </a:r>
-          </a:p>
-          <a:p>
-            <a:pPr eaLnBrk="1" hangingPunct="1"/>
-            <a:r>
-              <a:rPr lang="en-US" altLang="zh-CN" sz="3200" b="1"/>
-              <a:t>Change a state transition</a:t>
-            </a:r>
-          </a:p>
-          <a:p>
-            <a:pPr eaLnBrk="1" hangingPunct="1"/>
-            <a:r>
-              <a:rPr lang="en-US" altLang="zh-CN" sz="3200" b="1"/>
-              <a:t>Change the start state</a:t>
-            </a:r>
-            <a:endParaRPr lang="zh-CN" altLang="en-US" sz="3200"/>
-          </a:p>
-        </p:txBody>
-      </p:sp>
-      <p:sp>
-        <p:nvSpPr>
-          <p:cNvPr id="3" name="标题 2"/>
+            <a:r>
+              <a:rPr lang="en-US" dirty="0"/>
+              <a:t>No specific representation</a:t>
+            </a:r>
+          </a:p>
+          <a:p>
+            <a:r>
+              <a:rPr lang="en-US" dirty="0"/>
+              <a:t>Similar to Evolution Strategies </a:t>
+            </a:r>
+          </a:p>
+          <a:p>
+            <a:pPr lvl="1"/>
+            <a:r>
+              <a:rPr lang="en-US" dirty="0"/>
+              <a:t>Most work in continuous optimization</a:t>
+            </a:r>
+          </a:p>
+          <a:p>
+            <a:pPr lvl="1"/>
+            <a:r>
+              <a:rPr lang="en-US" dirty="0"/>
+              <a:t>Self adaptation common</a:t>
+            </a:r>
+          </a:p>
+          <a:p>
+            <a:r>
+              <a:rPr lang="en-US" dirty="0"/>
+              <a:t>No crossover ever used!</a:t>
+            </a:r>
+          </a:p>
+        </p:txBody>
+      </p:sp>
+      <p:sp>
+        <p:nvSpPr>
+          <p:cNvPr id="3" name="Title 2"/>
           <p:cNvSpPr>
             <a:spLocks noGrp="1"/>
           </p:cNvSpPr>
@@ -8618,17 +8590,10 @@
           <a:bodyPr/>
           <a:lstStyle/>
           <a:p>
-            <a:pPr eaLnBrk="1" fontAlgn="auto" hangingPunct="1">
-              <a:spcAft>
-                <a:spcPts val="0"/>
-              </a:spcAft>
-              <a:defRPr/>
-            </a:pPr>
-            <a:r>
-              <a:rPr lang="en-US" altLang="zh-CN" dirty="0"/>
-              <a:t>EP mutation operators</a:t>
-            </a:r>
-            <a:endParaRPr lang="zh-CN" altLang="en-US" dirty="0"/>
+            <a:r>
+              <a:rPr lang="en-US" dirty="0"/>
+              <a:t>Modern EP</a:t>
+            </a:r>
           </a:p>
         </p:txBody>
       </p:sp>
@@ -8659,7 +8624,7 @@
       </p:grpSpPr>
       <p:sp>
         <p:nvSpPr>
-          <p:cNvPr id="2" name="Content Placeholder 1"/>
+          <p:cNvPr id="2" name="内容占位符 1"/>
           <p:cNvSpPr>
             <a:spLocks noGrp="1"/>
           </p:cNvSpPr>
@@ -8669,45 +8634,124 @@
         </p:nvSpPr>
         <p:spPr/>
         <p:txBody>
-          <a:bodyPr/>
+          <a:bodyPr>
+            <a:normAutofit fontScale="92500" lnSpcReduction="10000"/>
+          </a:bodyPr>
           <a:lstStyle/>
           <a:p>
-            <a:r>
-              <a:rPr lang="en-US" dirty="0"/>
-              <a:t>No specific representation</a:t>
-            </a:r>
-          </a:p>
-          <a:p>
-            <a:r>
-              <a:rPr lang="en-US" dirty="0"/>
-              <a:t>Similar to Evolution Strategies </a:t>
-            </a:r>
-          </a:p>
-          <a:p>
-            <a:pPr lvl="1"/>
-            <a:r>
-              <a:rPr lang="en-US" dirty="0"/>
-              <a:t>Most work in continuous optimization</a:t>
-            </a:r>
-          </a:p>
-          <a:p>
-            <a:pPr lvl="1"/>
-            <a:r>
-              <a:rPr lang="en-US" dirty="0"/>
-              <a:t>Self adaptation common</a:t>
-            </a:r>
-          </a:p>
-          <a:p>
-            <a:r>
-              <a:rPr lang="en-US" dirty="0"/>
-              <a:t>No crossover ever used!</a:t>
-            </a:r>
-          </a:p>
-        </p:txBody>
-      </p:sp>
-      <p:sp>
-        <p:nvSpPr>
-          <p:cNvPr id="3" name="Title 2"/>
+            <a:pPr marL="109728" indent="0" eaLnBrk="1" fontAlgn="auto" hangingPunct="1">
+              <a:spcAft>
+                <a:spcPts val="0"/>
+              </a:spcAft>
+              <a:buNone/>
+              <a:defRPr/>
+            </a:pPr>
+            <a:endParaRPr lang="it-IT" altLang="zh-CN" b="1" dirty="0"/>
+          </a:p>
+          <a:p>
+            <a:pPr marL="365760" indent="-256032" eaLnBrk="1" fontAlgn="auto" hangingPunct="1">
+              <a:spcAft>
+                <a:spcPts val="0"/>
+              </a:spcAft>
+              <a:defRPr/>
+            </a:pPr>
+            <a:r>
+              <a:rPr lang="en-US" altLang="zh-CN" b="1" dirty="0"/>
+              <a:t>Representations based on description of transformations</a:t>
+            </a:r>
+          </a:p>
+          <a:p>
+            <a:pPr marL="621792" lvl="1" eaLnBrk="1" fontAlgn="auto" hangingPunct="1">
+              <a:spcBef>
+                <a:spcPts val="324"/>
+              </a:spcBef>
+              <a:spcAft>
+                <a:spcPts val="0"/>
+              </a:spcAft>
+              <a:defRPr/>
+            </a:pPr>
+            <a:r>
+              <a:rPr lang="en-US" altLang="zh-CN" dirty="0"/>
+              <a:t>instead of enumerating the parameters of the individual, describe how to change another (nominal) individual to be it.</a:t>
+            </a:r>
+          </a:p>
+          <a:p>
+            <a:pPr marL="621792" lvl="1" eaLnBrk="1" fontAlgn="auto" hangingPunct="1">
+              <a:spcBef>
+                <a:spcPts val="324"/>
+              </a:spcBef>
+              <a:spcAft>
+                <a:spcPts val="0"/>
+              </a:spcAft>
+              <a:defRPr/>
+            </a:pPr>
+            <a:r>
+              <a:rPr lang="en-US" altLang="zh-CN" dirty="0"/>
+              <a:t>Good for dimension reduction, at the expense of optimality</a:t>
+            </a:r>
+          </a:p>
+          <a:p>
+            <a:pPr marL="365760" indent="-256032" eaLnBrk="1" fontAlgn="auto" hangingPunct="1">
+              <a:spcAft>
+                <a:spcPts val="0"/>
+              </a:spcAft>
+              <a:defRPr/>
+            </a:pPr>
+            <a:r>
+              <a:rPr lang="en-US" altLang="zh-CN" b="1" dirty="0"/>
+              <a:t>Surrogate assisted evolution methods</a:t>
+            </a:r>
+          </a:p>
+          <a:p>
+            <a:pPr marL="621792" lvl="1" eaLnBrk="1" fontAlgn="auto" hangingPunct="1">
+              <a:spcBef>
+                <a:spcPts val="324"/>
+              </a:spcBef>
+              <a:spcAft>
+                <a:spcPts val="0"/>
+              </a:spcAft>
+              <a:defRPr/>
+            </a:pPr>
+            <a:r>
+              <a:rPr lang="en-US" altLang="zh-CN" dirty="0"/>
+              <a:t>Good when objective function is very expensive</a:t>
+            </a:r>
+          </a:p>
+          <a:p>
+            <a:pPr marL="621792" lvl="1" eaLnBrk="1" fontAlgn="auto" hangingPunct="1">
+              <a:spcBef>
+                <a:spcPts val="324"/>
+              </a:spcBef>
+              <a:spcAft>
+                <a:spcPts val="0"/>
+              </a:spcAft>
+              <a:defRPr/>
+            </a:pPr>
+            <a:r>
+              <a:rPr lang="en-US" altLang="zh-CN" dirty="0"/>
+              <a:t>fit an approximation to the objective function and uses it to speed up the evolution</a:t>
+            </a:r>
+          </a:p>
+          <a:p>
+            <a:pPr marL="366204" eaLnBrk="1" fontAlgn="auto" hangingPunct="1">
+              <a:spcBef>
+                <a:spcPts val="324"/>
+              </a:spcBef>
+              <a:spcAft>
+                <a:spcPts val="0"/>
+              </a:spcAft>
+              <a:defRPr/>
+            </a:pPr>
+            <a:r>
+              <a:rPr lang="en-US" altLang="zh-CN" sz="2800" b="1" dirty="0"/>
+              <a:t>Differential Evolution</a:t>
+            </a:r>
+          </a:p>
+        </p:txBody>
+      </p:sp>
+      <p:sp>
+        <p:nvSpPr>
+          <p:cNvPr id="3" name="标题 2"/>
           <p:cNvSpPr>
             <a:spLocks noGrp="1"/>
           </p:cNvSpPr>
@@ -8717,13 +8761,29 @@
         </p:nvSpPr>
         <p:spPr/>
         <p:txBody>
-          <a:bodyPr/>
+          <a:bodyPr>
+            <a:normAutofit fontScale="90000"/>
+          </a:bodyPr>
           <a:lstStyle/>
           <a:p>
-            <a:r>
-              <a:rPr lang="en-US" dirty="0"/>
-              <a:t>Modern EP</a:t>
-            </a:r>
+            <a:pPr eaLnBrk="1" fontAlgn="auto" hangingPunct="1">
+              <a:spcAft>
+                <a:spcPts val="0"/>
+              </a:spcAft>
+              <a:defRPr/>
+            </a:pPr>
+            <a:r>
+              <a:rPr lang="en-US" altLang="zh-CN" dirty="0"/>
+              <a:t>Other evolutionary</a:t>
+            </a:r>
+            <a:br>
+              <a:rPr lang="en-US" altLang="zh-CN" dirty="0"/>
+            </a:br>
+            <a:r>
+              <a:rPr lang="en-US" altLang="zh-CN" dirty="0"/>
+              <a:t>computation "ways"</a:t>
+            </a:r>
+            <a:endParaRPr lang="zh-CN" altLang="en-US" dirty="0"/>
           </a:p>
         </p:txBody>
       </p:sp>
@@ -8762,23 +8822,18 @@
             <p:ph idx="1"/>
           </p:nvPr>
         </p:nvSpPr>
-        <p:spPr/>
+        <p:spPr>
+          <a:xfrm>
+            <a:off x="914400" y="1874838"/>
+            <a:ext cx="8229600" cy="4525962"/>
+          </a:xfrm>
+        </p:spPr>
         <p:txBody>
           <a:bodyPr>
-            <a:normAutofit fontScale="92500" lnSpcReduction="10000"/>
+            <a:normAutofit/>
           </a:bodyPr>
           <a:lstStyle/>
           <a:p>
-            <a:pPr marL="109728" indent="0" eaLnBrk="1" fontAlgn="auto" hangingPunct="1">
-              <a:spcAft>
-                <a:spcPts val="0"/>
-              </a:spcAft>
-              <a:buNone/>
-              <a:defRPr/>
-            </a:pPr>
-            <a:endParaRPr lang="it-IT" altLang="zh-CN" b="1" dirty="0"/>
-          </a:p>
-          <a:p>
             <a:pPr marL="365760" indent="-256032" eaLnBrk="1" fontAlgn="auto" hangingPunct="1">
               <a:spcAft>
                 <a:spcPts val="0"/>
@@ -8786,8 +8841,8 @@
               <a:defRPr/>
             </a:pPr>
             <a:r>
-              <a:rPr lang="en-US" altLang="zh-CN" b="1" dirty="0"/>
-              <a:t>Representations based on description of transformations</a:t>
+              <a:rPr lang="en-US" altLang="zh-CN" sz="3200" b="1" dirty="0"/>
+              <a:t>Artificial life</a:t>
             </a:r>
           </a:p>
           <a:p>
@@ -8801,8 +8856,8 @@
               <a:defRPr/>
             </a:pPr>
             <a:r>
-              <a:rPr lang="en-US" altLang="zh-CN" dirty="0"/>
-              <a:t>instead of enumerating the parameters of the individual, describe how to change another (nominal) individual to be it.</a:t>
+              <a:rPr lang="en-US" altLang="zh-CN" sz="2800" dirty="0"/>
+              <a:t>An individual’s fitness depends on genes + lifetime experience</a:t>
             </a:r>
           </a:p>
           <a:p>
@@ -8816,8 +8871,8 @@
               <a:defRPr/>
             </a:pPr>
             <a:r>
-              <a:rPr lang="en-US" altLang="zh-CN" dirty="0"/>
-              <a:t>Good for dimension reduction, at the expense of optimality</a:t>
+              <a:rPr lang="en-US" altLang="zh-CN" sz="2800" dirty="0"/>
+              <a:t>An individual can pass the experience to offspring</a:t>
             </a:r>
           </a:p>
           <a:p>
@@ -8828,8 +8883,8 @@
               <a:defRPr/>
             </a:pPr>
             <a:r>
-              <a:rPr lang="en-US" altLang="zh-CN" b="1" dirty="0"/>
-              <a:t>Surrogate assisted evolution methods</a:t>
+              <a:rPr lang="en-US" altLang="zh-CN" sz="3200" b="1" dirty="0"/>
+              <a:t>Co-evolution</a:t>
             </a:r>
           </a:p>
           <a:p>
@@ -8843,8 +8898,8 @@
               <a:defRPr/>
             </a:pPr>
             <a:r>
-              <a:rPr lang="en-US" altLang="zh-CN" dirty="0"/>
-              <a:t>Good when objective function is very expensive</a:t>
+              <a:rPr lang="en-US" altLang="zh-CN" sz="2800" dirty="0"/>
+              <a:t>Several populations of different types of individuals co-evolve</a:t>
             </a:r>
           </a:p>
           <a:p>
@@ -8858,8 +8913,8 @@
               <a:defRPr/>
             </a:pPr>
             <a:r>
-              <a:rPr lang="en-US" altLang="zh-CN" dirty="0"/>
-              <a:t>fit an approximation to the objective function and uses it to speed up the evolution</a:t>
+              <a:rPr lang="en-US" altLang="zh-CN" sz="2800" dirty="0"/>
+              <a:t>Interaction between populations changes fitness measures</a:t>
             </a:r>
           </a:p>
           <a:p>
@@ -8870,12 +8925,36 @@
               <a:spcAft>
                 <a:spcPts val="0"/>
               </a:spcAft>
-              <a:defRPr/>
-            </a:pPr>
-            <a:r>
-              <a:rPr lang="en-US" altLang="zh-CN" sz="2800" b="1" dirty="0"/>
-              <a:t>Differential Evolution</a:t>
-            </a:r>
+              <a:buNone/>
+              <a:defRPr/>
+            </a:pPr>
+            <a:endParaRPr lang="en-US" altLang="zh-CN" sz="3200" dirty="0"/>
+          </a:p>
+          <a:p>
+            <a:pPr marL="621792" lvl="1" eaLnBrk="1" fontAlgn="auto" hangingPunct="1">
+              <a:spcBef>
+                <a:spcPts val="324"/>
+              </a:spcBef>
+              <a:spcAft>
+                <a:spcPts val="0"/>
+              </a:spcAft>
+              <a:buNone/>
+              <a:defRPr/>
+            </a:pPr>
+            <a:endParaRPr lang="en-US" altLang="zh-CN" sz="2800" dirty="0"/>
+          </a:p>
+          <a:p>
+            <a:pPr marL="366204" eaLnBrk="1" fontAlgn="auto" hangingPunct="1">
+              <a:spcBef>
+                <a:spcPts val="324"/>
+              </a:spcBef>
+              <a:spcAft>
+                <a:spcPts val="0"/>
+              </a:spcAft>
+              <a:buNone/>
+              <a:defRPr/>
+            </a:pPr>
+            <a:endParaRPr lang="zh-CN" altLang="en-US" sz="3200" dirty="0"/>
           </a:p>
         </p:txBody>
       </p:sp>
@@ -8889,11 +8968,14 @@
             <p:ph type="title"/>
           </p:nvPr>
         </p:nvSpPr>
-        <p:spPr/>
-        <p:txBody>
-          <a:bodyPr>
-            <a:normAutofit fontScale="90000"/>
-          </a:bodyPr>
+        <p:spPr>
+          <a:xfrm>
+            <a:off x="1295400" y="457200"/>
+            <a:ext cx="7772400" cy="1143000"/>
+          </a:xfrm>
+        </p:spPr>
+        <p:txBody>
+          <a:bodyPr/>
           <a:lstStyle/>
           <a:p>
             <a:pPr eaLnBrk="1" fontAlgn="auto" hangingPunct="1">
@@ -8904,14 +8986,7 @@
             </a:pPr>
             <a:r>
               <a:rPr lang="en-US" altLang="zh-CN" dirty="0"/>
-              <a:t>Other evolutionary</a:t>
-            </a:r>
-            <a:br>
-              <a:rPr lang="en-US" altLang="zh-CN" dirty="0"/>
-            </a:br>
-            <a:r>
-              <a:rPr lang="en-US" altLang="zh-CN" dirty="0"/>
-              <a:t>computation "ways"</a:t>
+              <a:t>Related Topics</a:t>
             </a:r>
             <a:endParaRPr lang="zh-CN" altLang="en-US" dirty="0"/>
           </a:p>
@@ -8952,15 +9027,10 @@
             <p:ph idx="1"/>
           </p:nvPr>
         </p:nvSpPr>
-        <p:spPr>
-          <a:xfrm>
-            <a:off x="914400" y="1874838"/>
-            <a:ext cx="8229600" cy="4525962"/>
-          </a:xfrm>
-        </p:spPr>
+        <p:spPr/>
         <p:txBody>
           <a:bodyPr>
-            <a:normAutofit/>
+            <a:normAutofit fontScale="92500"/>
           </a:bodyPr>
           <a:lstStyle/>
           <a:p>
@@ -8972,41 +9042,40 @@
             </a:pPr>
             <a:r>
               <a:rPr lang="en-US" altLang="zh-CN" sz="3200" b="1" dirty="0"/>
-              <a:t>Artificial life</a:t>
-            </a:r>
-          </a:p>
-          <a:p>
-            <a:pPr marL="621792" lvl="1" eaLnBrk="1" fontAlgn="auto" hangingPunct="1">
-              <a:spcBef>
-                <a:spcPts val="324"/>
-              </a:spcBef>
-              <a:spcAft>
-                <a:spcPts val="0"/>
-              </a:spcAft>
-              <a:defRPr/>
-            </a:pPr>
-            <a:r>
-              <a:rPr lang="en-US" altLang="zh-CN" sz="2800" dirty="0"/>
-              <a:t>An individual’s fitness depends on genes + lifetime experience</a:t>
-            </a:r>
-          </a:p>
-          <a:p>
-            <a:pPr marL="621792" lvl="1" eaLnBrk="1" fontAlgn="auto" hangingPunct="1">
-              <a:spcBef>
-                <a:spcPts val="324"/>
-              </a:spcBef>
-              <a:spcAft>
-                <a:spcPts val="0"/>
-              </a:spcAft>
-              <a:defRPr/>
-            </a:pPr>
-            <a:r>
-              <a:rPr lang="en-US" altLang="zh-CN" sz="2800" dirty="0"/>
-              <a:t>An individual can pass the experience to offspring</a:t>
-            </a:r>
-          </a:p>
-          <a:p>
-            <a:pPr marL="365760" indent="-256032" eaLnBrk="1" fontAlgn="auto" hangingPunct="1">
+              <a:t>Ant Colony Optimization</a:t>
+            </a:r>
+          </a:p>
+          <a:p>
+            <a:pPr marL="621348" lvl="1" indent="-256032" eaLnBrk="1" fontAlgn="auto" hangingPunct="1">
+              <a:spcAft>
+                <a:spcPts val="0"/>
+              </a:spcAft>
+              <a:buFont typeface="Wingdings 3"/>
+              <a:buChar char=""/>
+              <a:defRPr/>
+            </a:pPr>
+            <a:r>
+              <a:rPr lang="en-US" sz="2800" dirty="0"/>
+              <a:t>Inspired by the social behavior of ants</a:t>
+            </a:r>
+          </a:p>
+          <a:p>
+            <a:pPr marL="621348" lvl="1" indent="-256032" eaLnBrk="1" fontAlgn="auto" hangingPunct="1">
+              <a:spcAft>
+                <a:spcPts val="0"/>
+              </a:spcAft>
+              <a:buFont typeface="Wingdings 3"/>
+              <a:buChar char=""/>
+              <a:defRPr/>
+            </a:pPr>
+            <a:r>
+              <a:rPr lang="en-US" sz="2800" dirty="0"/>
+              <a:t>Useful in problems that need to find paths to goals</a:t>
+            </a:r>
+            <a:endParaRPr lang="en-US" altLang="zh-CN" sz="2800" b="1" dirty="0"/>
+          </a:p>
+          <a:p>
+            <a:pPr marL="566928" indent="-457200" eaLnBrk="1" fontAlgn="auto" hangingPunct="1">
               <a:spcAft>
                 <a:spcPts val="0"/>
               </a:spcAft>
@@ -9014,77 +9083,37 @@
             </a:pPr>
             <a:r>
               <a:rPr lang="en-US" altLang="zh-CN" sz="3200" b="1" dirty="0"/>
-              <a:t>Co-evolution</a:t>
-            </a:r>
-          </a:p>
-          <a:p>
-            <a:pPr marL="621792" lvl="1" eaLnBrk="1" fontAlgn="auto" hangingPunct="1">
-              <a:spcBef>
-                <a:spcPts val="324"/>
-              </a:spcBef>
-              <a:spcAft>
-                <a:spcPts val="0"/>
-              </a:spcAft>
-              <a:defRPr/>
-            </a:pPr>
-            <a:r>
-              <a:rPr lang="en-US" altLang="zh-CN" sz="2800" dirty="0"/>
-              <a:t>Several populations of different types of individuals co-evolve</a:t>
-            </a:r>
-          </a:p>
-          <a:p>
-            <a:pPr marL="621792" lvl="1" eaLnBrk="1" fontAlgn="auto" hangingPunct="1">
-              <a:spcBef>
-                <a:spcPts val="324"/>
-              </a:spcBef>
-              <a:spcAft>
-                <a:spcPts val="0"/>
-              </a:spcAft>
-              <a:defRPr/>
-            </a:pPr>
-            <a:r>
-              <a:rPr lang="en-US" altLang="zh-CN" sz="2800" dirty="0"/>
-              <a:t>Interaction between populations changes fitness measures</a:t>
-            </a:r>
-          </a:p>
-          <a:p>
-            <a:pPr marL="366204" eaLnBrk="1" fontAlgn="auto" hangingPunct="1">
-              <a:spcBef>
-                <a:spcPts val="324"/>
-              </a:spcBef>
-              <a:spcAft>
-                <a:spcPts val="0"/>
-              </a:spcAft>
-              <a:buNone/>
-              <a:defRPr/>
-            </a:pPr>
-            <a:endParaRPr lang="en-US" altLang="zh-CN" sz="3200" dirty="0"/>
-          </a:p>
-          <a:p>
-            <a:pPr marL="621792" lvl="1" eaLnBrk="1" fontAlgn="auto" hangingPunct="1">
-              <a:spcBef>
-                <a:spcPts val="324"/>
-              </a:spcBef>
-              <a:spcAft>
-                <a:spcPts val="0"/>
-              </a:spcAft>
-              <a:buNone/>
-              <a:defRPr/>
-            </a:pPr>
-            <a:endParaRPr lang="en-US" altLang="zh-CN" sz="2800" dirty="0"/>
-          </a:p>
-          <a:p>
-            <a:pPr marL="366204" eaLnBrk="1" fontAlgn="auto" hangingPunct="1">
-              <a:spcBef>
-                <a:spcPts val="324"/>
-              </a:spcBef>
-              <a:spcAft>
-                <a:spcPts val="0"/>
-              </a:spcAft>
-              <a:buNone/>
-              <a:defRPr/>
-            </a:pPr>
-            <a:endParaRPr lang="zh-CN" altLang="en-US" sz="3200" dirty="0"/>
+              <a:t>Particle Swarm optimization</a:t>
+            </a:r>
+          </a:p>
+          <a:p>
+            <a:pPr marL="621348" lvl="1" indent="-256032" eaLnBrk="1" fontAlgn="auto" hangingPunct="1">
+              <a:spcAft>
+                <a:spcPts val="0"/>
+              </a:spcAft>
+              <a:buFont typeface="Wingdings 3"/>
+              <a:buChar char=""/>
+              <a:defRPr/>
+            </a:pPr>
+            <a:r>
+              <a:rPr lang="en-US" sz="2400" dirty="0"/>
+              <a:t>Inspired by social behavior of bird flocking or fish schooling</a:t>
+            </a:r>
+          </a:p>
+          <a:p>
+            <a:pPr marL="621348" lvl="1" indent="-256032" eaLnBrk="1" fontAlgn="auto" hangingPunct="1">
+              <a:spcAft>
+                <a:spcPts val="0"/>
+              </a:spcAft>
+              <a:buFont typeface="Wingdings 3"/>
+              <a:buChar char=""/>
+              <a:defRPr/>
+            </a:pPr>
+            <a:r>
+              <a:rPr lang="en-US" sz="2400" dirty="0"/>
+              <a:t>The potential solutions, called particles, fly through the problem space by following the current optimum particles</a:t>
+            </a:r>
+            <a:endParaRPr lang="en-US" altLang="zh-CN" sz="2400" dirty="0"/>
           </a:p>
         </p:txBody>
       </p:sp>
@@ -9098,14 +9127,11 @@
             <p:ph type="title"/>
           </p:nvPr>
         </p:nvSpPr>
-        <p:spPr>
-          <a:xfrm>
-            <a:off x="1295400" y="457200"/>
-            <a:ext cx="7772400" cy="1143000"/>
-          </a:xfrm>
-        </p:spPr>
-        <p:txBody>
-          <a:bodyPr/>
+        <p:spPr/>
+        <p:txBody>
+          <a:bodyPr>
+            <a:normAutofit fontScale="90000"/>
+          </a:bodyPr>
           <a:lstStyle/>
           <a:p>
             <a:pPr eaLnBrk="1" fontAlgn="auto" hangingPunct="1">
@@ -9115,9 +9141,12 @@
               <a:defRPr/>
             </a:pPr>
             <a:r>
-              <a:rPr lang="en-US" altLang="zh-CN" dirty="0"/>
-              <a:t>Related Topics</a:t>
-            </a:r>
+              <a:rPr lang="en-US" altLang="zh-CN" sz="4400" dirty="0"/>
+              <a:t>Other Nature Inspired Heuristics</a:t>
+            </a:r>
+            <a:br>
+              <a:rPr lang="en-US" altLang="zh-CN" sz="4400"/>
+            </a:br>
             <a:endParaRPr lang="zh-CN" altLang="en-US" dirty="0"/>
           </a:p>
         </p:txBody>
@@ -9149,7 +9178,7 @@
       </p:grpSpPr>
       <p:sp>
         <p:nvSpPr>
-          <p:cNvPr id="2" name="内容占位符 1"/>
+          <p:cNvPr id="51202" name="内容占位符 1"/>
           <p:cNvSpPr>
             <a:spLocks noGrp="1"/>
           </p:cNvSpPr>
@@ -9159,91 +9188,43 @@
         </p:nvSpPr>
         <p:spPr/>
         <p:txBody>
-          <a:bodyPr>
-            <a:normAutofit fontScale="92500"/>
-          </a:bodyPr>
+          <a:bodyPr/>
           <a:lstStyle/>
           <a:p>
-            <a:pPr marL="365760" indent="-256032" eaLnBrk="1" fontAlgn="auto" hangingPunct="1">
-              <a:spcAft>
-                <a:spcPts val="0"/>
-              </a:spcAft>
-              <a:defRPr/>
-            </a:pPr>
-            <a:r>
-              <a:rPr lang="en-US" altLang="zh-CN" sz="3200" b="1" dirty="0"/>
-              <a:t>Ant Colony Optimization</a:t>
-            </a:r>
-          </a:p>
-          <a:p>
-            <a:pPr marL="621348" lvl="1" indent="-256032" eaLnBrk="1" fontAlgn="auto" hangingPunct="1">
-              <a:spcAft>
-                <a:spcPts val="0"/>
-              </a:spcAft>
-              <a:buFont typeface="Wingdings 3"/>
-              <a:buChar char=""/>
-              <a:defRPr/>
-            </a:pPr>
-            <a:r>
-              <a:rPr lang="en-US" sz="2800" dirty="0"/>
-              <a:t>Inspired by the social behavior of ants</a:t>
-            </a:r>
-          </a:p>
-          <a:p>
-            <a:pPr marL="621348" lvl="1" indent="-256032" eaLnBrk="1" fontAlgn="auto" hangingPunct="1">
-              <a:spcAft>
-                <a:spcPts val="0"/>
-              </a:spcAft>
-              <a:buFont typeface="Wingdings 3"/>
-              <a:buChar char=""/>
-              <a:defRPr/>
-            </a:pPr>
-            <a:r>
-              <a:rPr lang="en-US" sz="2800" dirty="0"/>
-              <a:t>Useful in problems that need to find paths to goals</a:t>
-            </a:r>
-            <a:endParaRPr lang="en-US" altLang="zh-CN" sz="2800" b="1" dirty="0"/>
-          </a:p>
-          <a:p>
-            <a:pPr marL="566928" indent="-457200" eaLnBrk="1" fontAlgn="auto" hangingPunct="1">
-              <a:spcAft>
-                <a:spcPts val="0"/>
-              </a:spcAft>
-              <a:defRPr/>
-            </a:pPr>
-            <a:r>
-              <a:rPr lang="en-US" altLang="zh-CN" sz="3200" b="1" dirty="0"/>
-              <a:t>Particle Swarm optimization</a:t>
-            </a:r>
-          </a:p>
-          <a:p>
-            <a:pPr marL="621348" lvl="1" indent="-256032" eaLnBrk="1" fontAlgn="auto" hangingPunct="1">
-              <a:spcAft>
-                <a:spcPts val="0"/>
-              </a:spcAft>
-              <a:buFont typeface="Wingdings 3"/>
-              <a:buChar char=""/>
-              <a:defRPr/>
-            </a:pPr>
-            <a:r>
-              <a:rPr lang="en-US" sz="2400" dirty="0"/>
-              <a:t>Inspired by social behavior of bird flocking or fish schooling</a:t>
-            </a:r>
-          </a:p>
-          <a:p>
-            <a:pPr marL="621348" lvl="1" indent="-256032" eaLnBrk="1" fontAlgn="auto" hangingPunct="1">
-              <a:spcAft>
-                <a:spcPts val="0"/>
-              </a:spcAft>
-              <a:buFont typeface="Wingdings 3"/>
-              <a:buChar char=""/>
-              <a:defRPr/>
-            </a:pPr>
-            <a:r>
-              <a:rPr lang="en-US" sz="2400" dirty="0"/>
-              <a:t>The potential solutions, called particles, fly through the problem space by following the current optimum particles</a:t>
-            </a:r>
-            <a:endParaRPr lang="en-US" altLang="zh-CN" sz="2400" dirty="0"/>
+            <a:pPr eaLnBrk="1" hangingPunct="1"/>
+            <a:r>
+              <a:rPr lang="en-US" altLang="zh-CN" sz="3200" b="1"/>
+              <a:t>All evolutionary computation models are getting closer to each other</a:t>
+            </a:r>
+          </a:p>
+          <a:p>
+            <a:pPr eaLnBrk="1" hangingPunct="1"/>
+            <a:r>
+              <a:rPr lang="en-US" altLang="zh-CN" sz="3200" b="1"/>
+              <a:t>The choice of method is important for success</a:t>
+            </a:r>
+          </a:p>
+          <a:p>
+            <a:pPr eaLnBrk="1" hangingPunct="1"/>
+            <a:r>
+              <a:rPr lang="en-US" altLang="zh-CN" sz="3200" b="1"/>
+              <a:t>EC provides a very flexible architecture</a:t>
+            </a:r>
+          </a:p>
+          <a:p>
+            <a:pPr lvl="1" eaLnBrk="1" hangingPunct="1"/>
+            <a:r>
+              <a:rPr lang="en-US" altLang="zh-CN" sz="2800"/>
+              <a:t>easy to combine with other paradigms</a:t>
+            </a:r>
+          </a:p>
+          <a:p>
+            <a:pPr lvl="1" eaLnBrk="1" hangingPunct="1"/>
+            <a:r>
+              <a:rPr lang="en-US" altLang="zh-CN" sz="2800"/>
+              <a:t>easy to inject domain knowledge</a:t>
+            </a:r>
+            <a:endParaRPr lang="zh-CN" altLang="en-US" sz="2800"/>
           </a:p>
         </p:txBody>
       </p:sp>
@@ -9259,9 +9240,7 @@
         </p:nvSpPr>
         <p:spPr/>
         <p:txBody>
-          <a:bodyPr>
-            <a:normAutofit fontScale="90000"/>
-          </a:bodyPr>
+          <a:bodyPr/>
           <a:lstStyle/>
           <a:p>
             <a:pPr eaLnBrk="1" fontAlgn="auto" hangingPunct="1">
@@ -9271,12 +9250,9 @@
               <a:defRPr/>
             </a:pPr>
             <a:r>
-              <a:rPr lang="en-US" altLang="zh-CN" sz="4400" dirty="0"/>
-              <a:t>Other Nature Inspired Heuristics</a:t>
-            </a:r>
-            <a:br>
-              <a:rPr lang="en-US" altLang="zh-CN" sz="4400"/>
-            </a:br>
+              <a:rPr lang="en-US" altLang="zh-CN" dirty="0"/>
+              <a:t>The bigger picture</a:t>
+            </a:r>
             <a:endParaRPr lang="zh-CN" altLang="en-US" dirty="0"/>
           </a:p>
         </p:txBody>
@@ -9308,7 +9284,7 @@
       </p:grpSpPr>
       <p:sp>
         <p:nvSpPr>
-          <p:cNvPr id="51202" name="内容占位符 1"/>
+          <p:cNvPr id="52226" name="内容占位符 1"/>
           <p:cNvSpPr>
             <a:spLocks noGrp="1"/>
           </p:cNvSpPr>
@@ -9323,38 +9299,31 @@
           <a:p>
             <a:pPr eaLnBrk="1" hangingPunct="1"/>
             <a:r>
-              <a:rPr lang="en-US" altLang="zh-CN" sz="3200" b="1"/>
-              <a:t>All evolutionary computation models are getting closer to each other</a:t>
+              <a:rPr lang="en-US" altLang="zh-CN" sz="3200" b="1" dirty="0"/>
+              <a:t>Evolutionary Computation</a:t>
             </a:r>
           </a:p>
           <a:p>
             <a:pPr eaLnBrk="1" hangingPunct="1"/>
             <a:r>
-              <a:rPr lang="en-US" altLang="zh-CN" sz="3200" b="1"/>
-              <a:t>The choice of method is important for success</a:t>
+              <a:rPr lang="en-US" altLang="zh-CN" sz="3200" b="1" dirty="0"/>
+              <a:t>IEEE transactions on evolutionary computation</a:t>
             </a:r>
           </a:p>
           <a:p>
             <a:pPr eaLnBrk="1" hangingPunct="1"/>
             <a:r>
-              <a:rPr lang="en-US" altLang="zh-CN" sz="3200" b="1"/>
-              <a:t>EC provides a very flexible architecture</a:t>
-            </a:r>
-          </a:p>
-          <a:p>
-            <a:pPr lvl="1" eaLnBrk="1" hangingPunct="1"/>
-            <a:r>
-              <a:rPr lang="en-US" altLang="zh-CN" sz="2800"/>
-              <a:t>easy to combine with other paradigms</a:t>
-            </a:r>
-          </a:p>
-          <a:p>
-            <a:pPr lvl="1" eaLnBrk="1" hangingPunct="1"/>
-            <a:r>
-              <a:rPr lang="en-US" altLang="zh-CN" sz="2800"/>
-              <a:t>easy to inject domain knowledge</a:t>
-            </a:r>
-            <a:endParaRPr lang="zh-CN" altLang="en-US" sz="2800"/>
+              <a:rPr lang="en-US" altLang="zh-CN" sz="3200" b="1" dirty="0"/>
+              <a:t>Genetic programming and evolvable machines</a:t>
+            </a:r>
+          </a:p>
+          <a:p>
+            <a:pPr eaLnBrk="1" hangingPunct="1"/>
+            <a:r>
+              <a:rPr lang="en-US" altLang="zh-CN" sz="3200" b="1" dirty="0"/>
+              <a:t>other: AIEDAM, AIENG ...</a:t>
+            </a:r>
+            <a:endParaRPr lang="zh-CN" altLang="en-US" sz="3200" dirty="0"/>
           </a:p>
         </p:txBody>
       </p:sp>
@@ -9381,7 +9350,7 @@
             </a:pPr>
             <a:r>
               <a:rPr lang="en-US" altLang="zh-CN" dirty="0"/>
-              <a:t>The bigger picture</a:t>
+              <a:t>EC journals</a:t>
             </a:r>
             <a:endParaRPr lang="zh-CN" altLang="en-US" dirty="0"/>
           </a:p>
@@ -9543,105 +9512,6 @@
 </file>
 
 <file path=ppt/slides/slide50.xml><?xml version="1.0" encoding="utf-8"?>
-<p:sld xmlns:a="http://schemas.openxmlformats.org/drawingml/2006/main" xmlns:r="http://schemas.openxmlformats.org/officeDocument/2006/relationships" xmlns:p="http://schemas.openxmlformats.org/presentationml/2006/main">
-  <p:cSld>
-    <p:spTree>
-      <p:nvGrpSpPr>
-        <p:cNvPr id="1" name=""/>
-        <p:cNvGrpSpPr/>
-        <p:nvPr/>
-      </p:nvGrpSpPr>
-      <p:grpSpPr>
-        <a:xfrm>
-          <a:off x="0" y="0"/>
-          <a:ext cx="0" cy="0"/>
-          <a:chOff x="0" y="0"/>
-          <a:chExt cx="0" cy="0"/>
-        </a:xfrm>
-      </p:grpSpPr>
-      <p:sp>
-        <p:nvSpPr>
-          <p:cNvPr id="52226" name="内容占位符 1"/>
-          <p:cNvSpPr>
-            <a:spLocks noGrp="1"/>
-          </p:cNvSpPr>
-          <p:nvPr>
-            <p:ph idx="1"/>
-          </p:nvPr>
-        </p:nvSpPr>
-        <p:spPr/>
-        <p:txBody>
-          <a:bodyPr/>
-          <a:lstStyle/>
-          <a:p>
-            <a:pPr eaLnBrk="1" hangingPunct="1"/>
-            <a:r>
-              <a:rPr lang="en-US" altLang="zh-CN" sz="3200" b="1" dirty="0"/>
-              <a:t>Evolutionary Computation</a:t>
-            </a:r>
-          </a:p>
-          <a:p>
-            <a:pPr eaLnBrk="1" hangingPunct="1"/>
-            <a:r>
-              <a:rPr lang="en-US" altLang="zh-CN" sz="3200" b="1" dirty="0"/>
-              <a:t>IEEE transactions on evolutionary computation</a:t>
-            </a:r>
-          </a:p>
-          <a:p>
-            <a:pPr eaLnBrk="1" hangingPunct="1"/>
-            <a:r>
-              <a:rPr lang="en-US" altLang="zh-CN" sz="3200" b="1" dirty="0"/>
-              <a:t>Genetic programming and evolvable machines</a:t>
-            </a:r>
-          </a:p>
-          <a:p>
-            <a:pPr eaLnBrk="1" hangingPunct="1"/>
-            <a:r>
-              <a:rPr lang="en-US" altLang="zh-CN" sz="3200" b="1" dirty="0"/>
-              <a:t>other: AIEDAM, AIENG ...</a:t>
-            </a:r>
-            <a:endParaRPr lang="zh-CN" altLang="en-US" sz="3200" dirty="0"/>
-          </a:p>
-        </p:txBody>
-      </p:sp>
-      <p:sp>
-        <p:nvSpPr>
-          <p:cNvPr id="3" name="标题 2"/>
-          <p:cNvSpPr>
-            <a:spLocks noGrp="1"/>
-          </p:cNvSpPr>
-          <p:nvPr>
-            <p:ph type="title"/>
-          </p:nvPr>
-        </p:nvSpPr>
-        <p:spPr/>
-        <p:txBody>
-          <a:bodyPr/>
-          <a:lstStyle/>
-          <a:p>
-            <a:pPr eaLnBrk="1" fontAlgn="auto" hangingPunct="1">
-              <a:spcAft>
-                <a:spcPts val="0"/>
-              </a:spcAft>
-              <a:defRPr/>
-            </a:pPr>
-            <a:r>
-              <a:rPr lang="en-US" altLang="zh-CN" dirty="0"/>
-              <a:t>EC journals</a:t>
-            </a:r>
-            <a:endParaRPr lang="zh-CN" altLang="en-US" dirty="0"/>
-          </a:p>
-        </p:txBody>
-      </p:sp>
-    </p:spTree>
-  </p:cSld>
-  <p:clrMapOvr>
-    <a:masterClrMapping/>
-  </p:clrMapOvr>
-</p:sld>
-</file>
-
-<file path=ppt/slides/slide51.xml><?xml version="1.0" encoding="utf-8"?>
 <p:sld xmlns:a="http://schemas.openxmlformats.org/drawingml/2006/main" xmlns:r="http://schemas.openxmlformats.org/officeDocument/2006/relationships" xmlns:p="http://schemas.openxmlformats.org/presentationml/2006/main">
   <p:cSld>
     <p:spTree>
